--- a/OS/sp18/lectures/OSsp18_lec20_fs.pptx
+++ b/OS/sp18/lectures/OSsp18_lec20_fs.pptx
@@ -5,10 +5,10 @@
     <p:sldMasterId id="2147483792" r:id="rId1"/>
   </p:sldMasterIdLst>
   <p:notesMasterIdLst>
-    <p:notesMasterId r:id="rId30"/>
+    <p:notesMasterId r:id="rId22"/>
   </p:notesMasterIdLst>
   <p:handoutMasterIdLst>
-    <p:handoutMasterId r:id="rId31"/>
+    <p:handoutMasterId r:id="rId23"/>
   </p:handoutMasterIdLst>
   <p:sldIdLst>
     <p:sldId id="256" r:id="rId2"/>
@@ -29,16 +29,8 @@
     <p:sldId id="664" r:id="rId17"/>
     <p:sldId id="665" r:id="rId18"/>
     <p:sldId id="666" r:id="rId19"/>
-    <p:sldId id="667" r:id="rId20"/>
-    <p:sldId id="668" r:id="rId21"/>
-    <p:sldId id="669" r:id="rId22"/>
-    <p:sldId id="670" r:id="rId23"/>
-    <p:sldId id="671" r:id="rId24"/>
-    <p:sldId id="672" r:id="rId25"/>
-    <p:sldId id="673" r:id="rId26"/>
-    <p:sldId id="674" r:id="rId27"/>
-    <p:sldId id="590" r:id="rId28"/>
-    <p:sldId id="547" r:id="rId29"/>
+    <p:sldId id="590" r:id="rId20"/>
+    <p:sldId id="547" r:id="rId21"/>
   </p:sldIdLst>
   <p:sldSz cx="9144000" cy="6858000" type="screen4x3"/>
   <p:notesSz cx="9144000" cy="6858000"/>
@@ -167,6 +159,36 @@
       </a:defRPr>
     </a:lvl9pPr>
   </p:defaultTextStyle>
+  <p:extLst>
+    <p:ext uri="{EFAFB233-063F-42B5-8137-9DF3F51BA10A}">
+      <p15:sldGuideLst xmlns:p15="http://schemas.microsoft.com/office/powerpoint/2012/main">
+        <p15:guide id="1" orient="horz" pos="2160">
+          <p15:clr>
+            <a:srgbClr val="A4A3A4"/>
+          </p15:clr>
+        </p15:guide>
+        <p15:guide id="2" pos="2880">
+          <p15:clr>
+            <a:srgbClr val="A4A3A4"/>
+          </p15:clr>
+        </p15:guide>
+      </p15:sldGuideLst>
+    </p:ext>
+    <p:ext uri="{2D200454-40CA-4A62-9FC3-DE9A4176ACB9}">
+      <p15:notesGuideLst xmlns:p15="http://schemas.microsoft.com/office/powerpoint/2012/main">
+        <p15:guide id="1" orient="horz" pos="2160">
+          <p15:clr>
+            <a:srgbClr val="A4A3A4"/>
+          </p15:clr>
+        </p15:guide>
+        <p15:guide id="2" pos="2880">
+          <p15:clr>
+            <a:srgbClr val="A4A3A4"/>
+          </p15:clr>
+        </p15:guide>
+      </p15:notesGuideLst>
+    </p:ext>
+  </p:extLst>
 </p:presentation>
 </file>
 
@@ -566,7 +588,7 @@
               </a14:hiddenFill>
             </a:ext>
             <a:ext uri="{FAA26D3D-D897-4be2-8F04-BA451C77F1D7}">
-              <ma14:placeholderFlag xmlns:ma14="http://schemas.microsoft.com/office/mac/drawingml/2011/main" xmlns="" val="1"/>
+              <ma14:placeholderFlag xmlns:ma14="http://schemas.microsoft.com/office/mac/drawingml/2011/main" val="1"/>
             </a:ext>
           </a:extLst>
         </p:spPr>
@@ -1098,7 +1120,7 @@
               </a14:hiddenLine>
             </a:ext>
             <a:ext uri="{FAA26D3D-D897-4be2-8F04-BA451C77F1D7}">
-              <ma14:placeholderFlag xmlns:ma14="http://schemas.microsoft.com/office/mac/drawingml/2011/main" xmlns="" val="1"/>
+              <ma14:placeholderFlag xmlns:ma14="http://schemas.microsoft.com/office/mac/drawingml/2011/main" val="1"/>
             </a:ext>
           </a:extLst>
         </p:spPr>
@@ -1112,6 +1134,11 @@
         </p:txBody>
       </p:sp>
     </p:spTree>
+    <p:extLst>
+      <p:ext uri="{BB962C8B-B14F-4D97-AF65-F5344CB8AC3E}">
+        <p14:creationId xmlns:p14="http://schemas.microsoft.com/office/powerpoint/2010/main" val="400071081"/>
+      </p:ext>
+    </p:extLst>
   </p:cSld>
   <p:clrMapOvr>
     <a:masterClrMapping/>
@@ -1347,7 +1374,7 @@
               </a14:hiddenLine>
             </a:ext>
             <a:ext uri="{FAA26D3D-D897-4be2-8F04-BA451C77F1D7}">
-              <ma14:placeholderFlag xmlns:ma14="http://schemas.microsoft.com/office/mac/drawingml/2011/main" xmlns="" val="1"/>
+              <ma14:placeholderFlag xmlns:ma14="http://schemas.microsoft.com/office/mac/drawingml/2011/main" val="1"/>
             </a:ext>
           </a:extLst>
         </p:spPr>
@@ -1364,6 +1391,11 @@
         </p:txBody>
       </p:sp>
     </p:spTree>
+    <p:extLst>
+      <p:ext uri="{BB962C8B-B14F-4D97-AF65-F5344CB8AC3E}">
+        <p14:creationId xmlns:p14="http://schemas.microsoft.com/office/powerpoint/2010/main" val="864293754"/>
+      </p:ext>
+    </p:extLst>
   </p:cSld>
   <p:clrMapOvr>
     <a:masterClrMapping/>
@@ -1599,7 +1631,7 @@
               </a14:hiddenLine>
             </a:ext>
             <a:ext uri="{FAA26D3D-D897-4be2-8F04-BA451C77F1D7}">
-              <ma14:placeholderFlag xmlns:ma14="http://schemas.microsoft.com/office/mac/drawingml/2011/main" xmlns="" val="1"/>
+              <ma14:placeholderFlag xmlns:ma14="http://schemas.microsoft.com/office/mac/drawingml/2011/main" val="1"/>
             </a:ext>
           </a:extLst>
         </p:spPr>
@@ -1616,6 +1648,11 @@
         </p:txBody>
       </p:sp>
     </p:spTree>
+    <p:extLst>
+      <p:ext uri="{BB962C8B-B14F-4D97-AF65-F5344CB8AC3E}">
+        <p14:creationId xmlns:p14="http://schemas.microsoft.com/office/powerpoint/2010/main" val="605735170"/>
+      </p:ext>
+    </p:extLst>
   </p:cSld>
   <p:clrMapOvr>
     <a:masterClrMapping/>
@@ -1851,7 +1888,7 @@
               </a14:hiddenLine>
             </a:ext>
             <a:ext uri="{FAA26D3D-D897-4be2-8F04-BA451C77F1D7}">
-              <ma14:placeholderFlag xmlns:ma14="http://schemas.microsoft.com/office/mac/drawingml/2011/main" xmlns="" val="1"/>
+              <ma14:placeholderFlag xmlns:ma14="http://schemas.microsoft.com/office/mac/drawingml/2011/main" val="1"/>
             </a:ext>
           </a:extLst>
         </p:spPr>
@@ -1868,1770 +1905,11 @@
         </p:txBody>
       </p:sp>
     </p:spTree>
-  </p:cSld>
-  <p:clrMapOvr>
-    <a:masterClrMapping/>
-  </p:clrMapOvr>
-</p:notes>
-</file>
-
-<file path=ppt/notesSlides/notesSlide13.xml><?xml version="1.0" encoding="utf-8"?>
-<p:notes xmlns:a="http://schemas.openxmlformats.org/drawingml/2006/main" xmlns:r="http://schemas.openxmlformats.org/officeDocument/2006/relationships" xmlns:p="http://schemas.openxmlformats.org/presentationml/2006/main">
-  <p:cSld>
-    <p:spTree>
-      <p:nvGrpSpPr>
-        <p:cNvPr id="1" name=""/>
-        <p:cNvGrpSpPr/>
-        <p:nvPr/>
-      </p:nvGrpSpPr>
-      <p:grpSpPr>
-        <a:xfrm>
-          <a:off x="0" y="0"/>
-          <a:ext cx="0" cy="0"/>
-          <a:chOff x="0" y="0"/>
-          <a:chExt cx="0" cy="0"/>
-        </a:xfrm>
-      </p:grpSpPr>
-      <p:sp>
-        <p:nvSpPr>
-          <p:cNvPr id="84994" name="Rectangle 7"/>
-          <p:cNvSpPr>
-            <a:spLocks noGrp="1" noChangeArrowheads="1"/>
-          </p:cNvSpPr>
-          <p:nvPr>
-            <p:ph type="sldNum" sz="quarter" idx="5"/>
-          </p:nvPr>
-        </p:nvSpPr>
-        <p:spPr>
-          <a:noFill/>
-          <a:ln/>
-          <a:extLst>
-            <a:ext uri="{909E8E84-426E-40DD-AFC4-6F175D3DCCD1}">
-              <a14:hiddenFill xmlns:a14="http://schemas.microsoft.com/office/drawing/2010/main">
-                <a:solidFill>
-                  <a:srgbClr val="FFFFFF"/>
-                </a:solidFill>
-              </a14:hiddenFill>
-            </a:ext>
-            <a:ext uri="{91240B29-F687-4F45-9708-019B960494DF}">
-              <a14:hiddenLine xmlns:a14="http://schemas.microsoft.com/office/drawing/2010/main" w="9525">
-                <a:solidFill>
-                  <a:srgbClr val="000000"/>
-                </a:solidFill>
-                <a:miter lim="800000"/>
-                <a:headEnd/>
-                <a:tailEnd/>
-              </a14:hiddenLine>
-            </a:ext>
-          </a:extLst>
-        </p:spPr>
-        <p:txBody>
-          <a:bodyPr/>
-          <a:lstStyle>
-            <a:lvl1pPr defTabSz="923925">
-              <a:defRPr>
-                <a:solidFill>
-                  <a:schemeClr val="tx1"/>
-                </a:solidFill>
-                <a:latin typeface="Verdana" charset="0"/>
-                <a:ea typeface="MS PGothic" charset="0"/>
-                <a:cs typeface="MS PGothic" charset="0"/>
-              </a:defRPr>
-            </a:lvl1pPr>
-            <a:lvl2pPr marL="742950" indent="-285750" defTabSz="923925">
-              <a:defRPr>
-                <a:solidFill>
-                  <a:schemeClr val="tx1"/>
-                </a:solidFill>
-                <a:latin typeface="Verdana" charset="0"/>
-                <a:ea typeface="MS PGothic" charset="0"/>
-                <a:cs typeface="MS PGothic" charset="0"/>
-              </a:defRPr>
-            </a:lvl2pPr>
-            <a:lvl3pPr marL="1143000" indent="-228600" defTabSz="923925">
-              <a:defRPr>
-                <a:solidFill>
-                  <a:schemeClr val="tx1"/>
-                </a:solidFill>
-                <a:latin typeface="Verdana" charset="0"/>
-                <a:ea typeface="MS PGothic" charset="0"/>
-                <a:cs typeface="MS PGothic" charset="0"/>
-              </a:defRPr>
-            </a:lvl3pPr>
-            <a:lvl4pPr marL="1600200" indent="-228600" defTabSz="923925">
-              <a:defRPr>
-                <a:solidFill>
-                  <a:schemeClr val="tx1"/>
-                </a:solidFill>
-                <a:latin typeface="Verdana" charset="0"/>
-                <a:ea typeface="MS PGothic" charset="0"/>
-                <a:cs typeface="MS PGothic" charset="0"/>
-              </a:defRPr>
-            </a:lvl4pPr>
-            <a:lvl5pPr marL="2057400" indent="-228600" defTabSz="923925">
-              <a:defRPr>
-                <a:solidFill>
-                  <a:schemeClr val="tx1"/>
-                </a:solidFill>
-                <a:latin typeface="Verdana" charset="0"/>
-                <a:ea typeface="MS PGothic" charset="0"/>
-                <a:cs typeface="MS PGothic" charset="0"/>
-              </a:defRPr>
-            </a:lvl5pPr>
-            <a:lvl6pPr marL="2514600" indent="-228600" defTabSz="923925" eaLnBrk="0" fontAlgn="base" hangingPunct="0">
-              <a:spcBef>
-                <a:spcPct val="0"/>
-              </a:spcBef>
-              <a:spcAft>
-                <a:spcPct val="0"/>
-              </a:spcAft>
-              <a:defRPr>
-                <a:solidFill>
-                  <a:schemeClr val="tx1"/>
-                </a:solidFill>
-                <a:latin typeface="Verdana" charset="0"/>
-                <a:ea typeface="MS PGothic" charset="0"/>
-                <a:cs typeface="MS PGothic" charset="0"/>
-              </a:defRPr>
-            </a:lvl6pPr>
-            <a:lvl7pPr marL="2971800" indent="-228600" defTabSz="923925" eaLnBrk="0" fontAlgn="base" hangingPunct="0">
-              <a:spcBef>
-                <a:spcPct val="0"/>
-              </a:spcBef>
-              <a:spcAft>
-                <a:spcPct val="0"/>
-              </a:spcAft>
-              <a:defRPr>
-                <a:solidFill>
-                  <a:schemeClr val="tx1"/>
-                </a:solidFill>
-                <a:latin typeface="Verdana" charset="0"/>
-                <a:ea typeface="MS PGothic" charset="0"/>
-                <a:cs typeface="MS PGothic" charset="0"/>
-              </a:defRPr>
-            </a:lvl7pPr>
-            <a:lvl8pPr marL="3429000" indent="-228600" defTabSz="923925" eaLnBrk="0" fontAlgn="base" hangingPunct="0">
-              <a:spcBef>
-                <a:spcPct val="0"/>
-              </a:spcBef>
-              <a:spcAft>
-                <a:spcPct val="0"/>
-              </a:spcAft>
-              <a:defRPr>
-                <a:solidFill>
-                  <a:schemeClr val="tx1"/>
-                </a:solidFill>
-                <a:latin typeface="Verdana" charset="0"/>
-                <a:ea typeface="MS PGothic" charset="0"/>
-                <a:cs typeface="MS PGothic" charset="0"/>
-              </a:defRPr>
-            </a:lvl8pPr>
-            <a:lvl9pPr marL="3886200" indent="-228600" defTabSz="923925" eaLnBrk="0" fontAlgn="base" hangingPunct="0">
-              <a:spcBef>
-                <a:spcPct val="0"/>
-              </a:spcBef>
-              <a:spcAft>
-                <a:spcPct val="0"/>
-              </a:spcAft>
-              <a:defRPr>
-                <a:solidFill>
-                  <a:schemeClr val="tx1"/>
-                </a:solidFill>
-                <a:latin typeface="Verdana" charset="0"/>
-                <a:ea typeface="MS PGothic" charset="0"/>
-                <a:cs typeface="MS PGothic" charset="0"/>
-              </a:defRPr>
-            </a:lvl9pPr>
-          </a:lstStyle>
-          <a:p>
-            <a:fld id="{E7719FF5-F42E-C84C-903D-BAB04B0C9DC6}" type="slidenum">
-              <a:rPr lang="en-US">
-                <a:latin typeface="Times New Roman" charset="0"/>
-              </a:rPr>
-              <a:pPr/>
-              <a:t>19</a:t>
-            </a:fld>
-            <a:endParaRPr lang="en-US">
-              <a:latin typeface="Times New Roman" charset="0"/>
-            </a:endParaRPr>
-          </a:p>
-        </p:txBody>
-      </p:sp>
-      <p:sp>
-        <p:nvSpPr>
-          <p:cNvPr id="84995" name="Rectangle 2"/>
-          <p:cNvSpPr>
-            <a:spLocks noGrp="1" noRot="1" noChangeAspect="1" noChangeArrowheads="1" noTextEdit="1"/>
-          </p:cNvSpPr>
-          <p:nvPr>
-            <p:ph type="sldImg"/>
-          </p:nvPr>
-        </p:nvSpPr>
-        <p:spPr>
-          <a:ln/>
-        </p:spPr>
-      </p:sp>
-      <p:sp>
-        <p:nvSpPr>
-          <p:cNvPr id="84996" name="Rectangle 3"/>
-          <p:cNvSpPr>
-            <a:spLocks noGrp="1" noChangeArrowheads="1"/>
-          </p:cNvSpPr>
-          <p:nvPr>
-            <p:ph type="body" idx="1"/>
-          </p:nvPr>
-        </p:nvSpPr>
-        <p:spPr>
-          <a:noFill/>
-          <a:ln/>
-          <a:extLst>
-            <a:ext uri="{909E8E84-426E-40DD-AFC4-6F175D3DCCD1}">
-              <a14:hiddenFill xmlns:a14="http://schemas.microsoft.com/office/drawing/2010/main">
-                <a:solidFill>
-                  <a:srgbClr val="FFFFFF"/>
-                </a:solidFill>
-              </a14:hiddenFill>
-            </a:ext>
-            <a:ext uri="{91240B29-F687-4F45-9708-019B960494DF}">
-              <a14:hiddenLine xmlns:a14="http://schemas.microsoft.com/office/drawing/2010/main" w="9525">
-                <a:solidFill>
-                  <a:srgbClr val="000000"/>
-                </a:solidFill>
-                <a:miter lim="800000"/>
-                <a:headEnd/>
-                <a:tailEnd/>
-              </a14:hiddenLine>
-            </a:ext>
-            <a:ext uri="{FAA26D3D-D897-4be2-8F04-BA451C77F1D7}">
-              <ma14:placeholderFlag xmlns:ma14="http://schemas.microsoft.com/office/mac/drawingml/2011/main" xmlns="" val="1"/>
-            </a:ext>
-          </a:extLst>
-        </p:spPr>
-        <p:txBody>
-          <a:bodyPr/>
-          <a:lstStyle/>
-          <a:p>
-            <a:pPr eaLnBrk="1" hangingPunct="1"/>
-            <a:endParaRPr lang="en-US">
-              <a:latin typeface="Times New Roman" charset="0"/>
-              <a:ea typeface="MS PGothic" charset="0"/>
-            </a:endParaRPr>
-          </a:p>
-        </p:txBody>
-      </p:sp>
-    </p:spTree>
-  </p:cSld>
-  <p:clrMapOvr>
-    <a:masterClrMapping/>
-  </p:clrMapOvr>
-</p:notes>
-</file>
-
-<file path=ppt/notesSlides/notesSlide14.xml><?xml version="1.0" encoding="utf-8"?>
-<p:notes xmlns:a="http://schemas.openxmlformats.org/drawingml/2006/main" xmlns:r="http://schemas.openxmlformats.org/officeDocument/2006/relationships" xmlns:p="http://schemas.openxmlformats.org/presentationml/2006/main">
-  <p:cSld>
-    <p:spTree>
-      <p:nvGrpSpPr>
-        <p:cNvPr id="1" name=""/>
-        <p:cNvGrpSpPr/>
-        <p:nvPr/>
-      </p:nvGrpSpPr>
-      <p:grpSpPr>
-        <a:xfrm>
-          <a:off x="0" y="0"/>
-          <a:ext cx="0" cy="0"/>
-          <a:chOff x="0" y="0"/>
-          <a:chExt cx="0" cy="0"/>
-        </a:xfrm>
-      </p:grpSpPr>
-      <p:sp>
-        <p:nvSpPr>
-          <p:cNvPr id="86018" name="Rectangle 7"/>
-          <p:cNvSpPr>
-            <a:spLocks noGrp="1" noChangeArrowheads="1"/>
-          </p:cNvSpPr>
-          <p:nvPr>
-            <p:ph type="sldNum" sz="quarter" idx="5"/>
-          </p:nvPr>
-        </p:nvSpPr>
-        <p:spPr>
-          <a:noFill/>
-          <a:ln/>
-          <a:extLst>
-            <a:ext uri="{909E8E84-426E-40DD-AFC4-6F175D3DCCD1}">
-              <a14:hiddenFill xmlns:a14="http://schemas.microsoft.com/office/drawing/2010/main">
-                <a:solidFill>
-                  <a:srgbClr val="FFFFFF"/>
-                </a:solidFill>
-              </a14:hiddenFill>
-            </a:ext>
-            <a:ext uri="{91240B29-F687-4F45-9708-019B960494DF}">
-              <a14:hiddenLine xmlns:a14="http://schemas.microsoft.com/office/drawing/2010/main" w="9525">
-                <a:solidFill>
-                  <a:srgbClr val="000000"/>
-                </a:solidFill>
-                <a:miter lim="800000"/>
-                <a:headEnd/>
-                <a:tailEnd/>
-              </a14:hiddenLine>
-            </a:ext>
-          </a:extLst>
-        </p:spPr>
-        <p:txBody>
-          <a:bodyPr/>
-          <a:lstStyle>
-            <a:lvl1pPr defTabSz="923925">
-              <a:defRPr>
-                <a:solidFill>
-                  <a:schemeClr val="tx1"/>
-                </a:solidFill>
-                <a:latin typeface="Verdana" charset="0"/>
-                <a:ea typeface="MS PGothic" charset="0"/>
-                <a:cs typeface="MS PGothic" charset="0"/>
-              </a:defRPr>
-            </a:lvl1pPr>
-            <a:lvl2pPr marL="742950" indent="-285750" defTabSz="923925">
-              <a:defRPr>
-                <a:solidFill>
-                  <a:schemeClr val="tx1"/>
-                </a:solidFill>
-                <a:latin typeface="Verdana" charset="0"/>
-                <a:ea typeface="MS PGothic" charset="0"/>
-                <a:cs typeface="MS PGothic" charset="0"/>
-              </a:defRPr>
-            </a:lvl2pPr>
-            <a:lvl3pPr marL="1143000" indent="-228600" defTabSz="923925">
-              <a:defRPr>
-                <a:solidFill>
-                  <a:schemeClr val="tx1"/>
-                </a:solidFill>
-                <a:latin typeface="Verdana" charset="0"/>
-                <a:ea typeface="MS PGothic" charset="0"/>
-                <a:cs typeface="MS PGothic" charset="0"/>
-              </a:defRPr>
-            </a:lvl3pPr>
-            <a:lvl4pPr marL="1600200" indent="-228600" defTabSz="923925">
-              <a:defRPr>
-                <a:solidFill>
-                  <a:schemeClr val="tx1"/>
-                </a:solidFill>
-                <a:latin typeface="Verdana" charset="0"/>
-                <a:ea typeface="MS PGothic" charset="0"/>
-                <a:cs typeface="MS PGothic" charset="0"/>
-              </a:defRPr>
-            </a:lvl4pPr>
-            <a:lvl5pPr marL="2057400" indent="-228600" defTabSz="923925">
-              <a:defRPr>
-                <a:solidFill>
-                  <a:schemeClr val="tx1"/>
-                </a:solidFill>
-                <a:latin typeface="Verdana" charset="0"/>
-                <a:ea typeface="MS PGothic" charset="0"/>
-                <a:cs typeface="MS PGothic" charset="0"/>
-              </a:defRPr>
-            </a:lvl5pPr>
-            <a:lvl6pPr marL="2514600" indent="-228600" defTabSz="923925" eaLnBrk="0" fontAlgn="base" hangingPunct="0">
-              <a:spcBef>
-                <a:spcPct val="0"/>
-              </a:spcBef>
-              <a:spcAft>
-                <a:spcPct val="0"/>
-              </a:spcAft>
-              <a:defRPr>
-                <a:solidFill>
-                  <a:schemeClr val="tx1"/>
-                </a:solidFill>
-                <a:latin typeface="Verdana" charset="0"/>
-                <a:ea typeface="MS PGothic" charset="0"/>
-                <a:cs typeface="MS PGothic" charset="0"/>
-              </a:defRPr>
-            </a:lvl6pPr>
-            <a:lvl7pPr marL="2971800" indent="-228600" defTabSz="923925" eaLnBrk="0" fontAlgn="base" hangingPunct="0">
-              <a:spcBef>
-                <a:spcPct val="0"/>
-              </a:spcBef>
-              <a:spcAft>
-                <a:spcPct val="0"/>
-              </a:spcAft>
-              <a:defRPr>
-                <a:solidFill>
-                  <a:schemeClr val="tx1"/>
-                </a:solidFill>
-                <a:latin typeface="Verdana" charset="0"/>
-                <a:ea typeface="MS PGothic" charset="0"/>
-                <a:cs typeface="MS PGothic" charset="0"/>
-              </a:defRPr>
-            </a:lvl7pPr>
-            <a:lvl8pPr marL="3429000" indent="-228600" defTabSz="923925" eaLnBrk="0" fontAlgn="base" hangingPunct="0">
-              <a:spcBef>
-                <a:spcPct val="0"/>
-              </a:spcBef>
-              <a:spcAft>
-                <a:spcPct val="0"/>
-              </a:spcAft>
-              <a:defRPr>
-                <a:solidFill>
-                  <a:schemeClr val="tx1"/>
-                </a:solidFill>
-                <a:latin typeface="Verdana" charset="0"/>
-                <a:ea typeface="MS PGothic" charset="0"/>
-                <a:cs typeface="MS PGothic" charset="0"/>
-              </a:defRPr>
-            </a:lvl8pPr>
-            <a:lvl9pPr marL="3886200" indent="-228600" defTabSz="923925" eaLnBrk="0" fontAlgn="base" hangingPunct="0">
-              <a:spcBef>
-                <a:spcPct val="0"/>
-              </a:spcBef>
-              <a:spcAft>
-                <a:spcPct val="0"/>
-              </a:spcAft>
-              <a:defRPr>
-                <a:solidFill>
-                  <a:schemeClr val="tx1"/>
-                </a:solidFill>
-                <a:latin typeface="Verdana" charset="0"/>
-                <a:ea typeface="MS PGothic" charset="0"/>
-                <a:cs typeface="MS PGothic" charset="0"/>
-              </a:defRPr>
-            </a:lvl9pPr>
-          </a:lstStyle>
-          <a:p>
-            <a:fld id="{D9ABA31A-206F-7C42-B1A1-2E53A0C321FD}" type="slidenum">
-              <a:rPr lang="en-US">
-                <a:latin typeface="Times New Roman" charset="0"/>
-              </a:rPr>
-              <a:pPr/>
-              <a:t>20</a:t>
-            </a:fld>
-            <a:endParaRPr lang="en-US">
-              <a:latin typeface="Times New Roman" charset="0"/>
-            </a:endParaRPr>
-          </a:p>
-        </p:txBody>
-      </p:sp>
-      <p:sp>
-        <p:nvSpPr>
-          <p:cNvPr id="86019" name="Rectangle 2"/>
-          <p:cNvSpPr>
-            <a:spLocks noGrp="1" noRot="1" noChangeAspect="1" noChangeArrowheads="1" noTextEdit="1"/>
-          </p:cNvSpPr>
-          <p:nvPr>
-            <p:ph type="sldImg"/>
-          </p:nvPr>
-        </p:nvSpPr>
-        <p:spPr>
-          <a:ln/>
-        </p:spPr>
-      </p:sp>
-      <p:sp>
-        <p:nvSpPr>
-          <p:cNvPr id="86020" name="Rectangle 3"/>
-          <p:cNvSpPr>
-            <a:spLocks noGrp="1" noChangeArrowheads="1"/>
-          </p:cNvSpPr>
-          <p:nvPr>
-            <p:ph type="body" idx="1"/>
-          </p:nvPr>
-        </p:nvSpPr>
-        <p:spPr>
-          <a:noFill/>
-          <a:ln/>
-          <a:extLst>
-            <a:ext uri="{909E8E84-426E-40DD-AFC4-6F175D3DCCD1}">
-              <a14:hiddenFill xmlns:a14="http://schemas.microsoft.com/office/drawing/2010/main">
-                <a:solidFill>
-                  <a:srgbClr val="FFFFFF"/>
-                </a:solidFill>
-              </a14:hiddenFill>
-            </a:ext>
-            <a:ext uri="{91240B29-F687-4F45-9708-019B960494DF}">
-              <a14:hiddenLine xmlns:a14="http://schemas.microsoft.com/office/drawing/2010/main" w="9525">
-                <a:solidFill>
-                  <a:srgbClr val="000000"/>
-                </a:solidFill>
-                <a:miter lim="800000"/>
-                <a:headEnd/>
-                <a:tailEnd/>
-              </a14:hiddenLine>
-            </a:ext>
-            <a:ext uri="{FAA26D3D-D897-4be2-8F04-BA451C77F1D7}">
-              <ma14:placeholderFlag xmlns:ma14="http://schemas.microsoft.com/office/mac/drawingml/2011/main" xmlns="" val="1"/>
-            </a:ext>
-          </a:extLst>
-        </p:spPr>
-        <p:txBody>
-          <a:bodyPr/>
-          <a:lstStyle/>
-          <a:p>
-            <a:pPr eaLnBrk="1" hangingPunct="1"/>
-            <a:endParaRPr lang="en-US">
-              <a:latin typeface="Times New Roman" charset="0"/>
-              <a:ea typeface="MS PGothic" charset="0"/>
-            </a:endParaRPr>
-          </a:p>
-        </p:txBody>
-      </p:sp>
-    </p:spTree>
-  </p:cSld>
-  <p:clrMapOvr>
-    <a:masterClrMapping/>
-  </p:clrMapOvr>
-</p:notes>
-</file>
-
-<file path=ppt/notesSlides/notesSlide15.xml><?xml version="1.0" encoding="utf-8"?>
-<p:notes xmlns:a="http://schemas.openxmlformats.org/drawingml/2006/main" xmlns:r="http://schemas.openxmlformats.org/officeDocument/2006/relationships" xmlns:p="http://schemas.openxmlformats.org/presentationml/2006/main">
-  <p:cSld>
-    <p:spTree>
-      <p:nvGrpSpPr>
-        <p:cNvPr id="1" name=""/>
-        <p:cNvGrpSpPr/>
-        <p:nvPr/>
-      </p:nvGrpSpPr>
-      <p:grpSpPr>
-        <a:xfrm>
-          <a:off x="0" y="0"/>
-          <a:ext cx="0" cy="0"/>
-          <a:chOff x="0" y="0"/>
-          <a:chExt cx="0" cy="0"/>
-        </a:xfrm>
-      </p:grpSpPr>
-      <p:sp>
-        <p:nvSpPr>
-          <p:cNvPr id="88066" name="Rectangle 7"/>
-          <p:cNvSpPr>
-            <a:spLocks noGrp="1" noChangeArrowheads="1"/>
-          </p:cNvSpPr>
-          <p:nvPr>
-            <p:ph type="sldNum" sz="quarter" idx="5"/>
-          </p:nvPr>
-        </p:nvSpPr>
-        <p:spPr>
-          <a:noFill/>
-          <a:ln/>
-          <a:extLst>
-            <a:ext uri="{909E8E84-426E-40DD-AFC4-6F175D3DCCD1}">
-              <a14:hiddenFill xmlns:a14="http://schemas.microsoft.com/office/drawing/2010/main">
-                <a:solidFill>
-                  <a:srgbClr val="FFFFFF"/>
-                </a:solidFill>
-              </a14:hiddenFill>
-            </a:ext>
-            <a:ext uri="{91240B29-F687-4F45-9708-019B960494DF}">
-              <a14:hiddenLine xmlns:a14="http://schemas.microsoft.com/office/drawing/2010/main" w="9525">
-                <a:solidFill>
-                  <a:srgbClr val="000000"/>
-                </a:solidFill>
-                <a:miter lim="800000"/>
-                <a:headEnd/>
-                <a:tailEnd/>
-              </a14:hiddenLine>
-            </a:ext>
-          </a:extLst>
-        </p:spPr>
-        <p:txBody>
-          <a:bodyPr/>
-          <a:lstStyle>
-            <a:lvl1pPr defTabSz="923925">
-              <a:defRPr>
-                <a:solidFill>
-                  <a:schemeClr val="tx1"/>
-                </a:solidFill>
-                <a:latin typeface="Verdana" charset="0"/>
-                <a:ea typeface="MS PGothic" charset="0"/>
-                <a:cs typeface="MS PGothic" charset="0"/>
-              </a:defRPr>
-            </a:lvl1pPr>
-            <a:lvl2pPr marL="742950" indent="-285750" defTabSz="923925">
-              <a:defRPr>
-                <a:solidFill>
-                  <a:schemeClr val="tx1"/>
-                </a:solidFill>
-                <a:latin typeface="Verdana" charset="0"/>
-                <a:ea typeface="MS PGothic" charset="0"/>
-                <a:cs typeface="MS PGothic" charset="0"/>
-              </a:defRPr>
-            </a:lvl2pPr>
-            <a:lvl3pPr marL="1143000" indent="-228600" defTabSz="923925">
-              <a:defRPr>
-                <a:solidFill>
-                  <a:schemeClr val="tx1"/>
-                </a:solidFill>
-                <a:latin typeface="Verdana" charset="0"/>
-                <a:ea typeface="MS PGothic" charset="0"/>
-                <a:cs typeface="MS PGothic" charset="0"/>
-              </a:defRPr>
-            </a:lvl3pPr>
-            <a:lvl4pPr marL="1600200" indent="-228600" defTabSz="923925">
-              <a:defRPr>
-                <a:solidFill>
-                  <a:schemeClr val="tx1"/>
-                </a:solidFill>
-                <a:latin typeface="Verdana" charset="0"/>
-                <a:ea typeface="MS PGothic" charset="0"/>
-                <a:cs typeface="MS PGothic" charset="0"/>
-              </a:defRPr>
-            </a:lvl4pPr>
-            <a:lvl5pPr marL="2057400" indent="-228600" defTabSz="923925">
-              <a:defRPr>
-                <a:solidFill>
-                  <a:schemeClr val="tx1"/>
-                </a:solidFill>
-                <a:latin typeface="Verdana" charset="0"/>
-                <a:ea typeface="MS PGothic" charset="0"/>
-                <a:cs typeface="MS PGothic" charset="0"/>
-              </a:defRPr>
-            </a:lvl5pPr>
-            <a:lvl6pPr marL="2514600" indent="-228600" defTabSz="923925" eaLnBrk="0" fontAlgn="base" hangingPunct="0">
-              <a:spcBef>
-                <a:spcPct val="0"/>
-              </a:spcBef>
-              <a:spcAft>
-                <a:spcPct val="0"/>
-              </a:spcAft>
-              <a:defRPr>
-                <a:solidFill>
-                  <a:schemeClr val="tx1"/>
-                </a:solidFill>
-                <a:latin typeface="Verdana" charset="0"/>
-                <a:ea typeface="MS PGothic" charset="0"/>
-                <a:cs typeface="MS PGothic" charset="0"/>
-              </a:defRPr>
-            </a:lvl6pPr>
-            <a:lvl7pPr marL="2971800" indent="-228600" defTabSz="923925" eaLnBrk="0" fontAlgn="base" hangingPunct="0">
-              <a:spcBef>
-                <a:spcPct val="0"/>
-              </a:spcBef>
-              <a:spcAft>
-                <a:spcPct val="0"/>
-              </a:spcAft>
-              <a:defRPr>
-                <a:solidFill>
-                  <a:schemeClr val="tx1"/>
-                </a:solidFill>
-                <a:latin typeface="Verdana" charset="0"/>
-                <a:ea typeface="MS PGothic" charset="0"/>
-                <a:cs typeface="MS PGothic" charset="0"/>
-              </a:defRPr>
-            </a:lvl7pPr>
-            <a:lvl8pPr marL="3429000" indent="-228600" defTabSz="923925" eaLnBrk="0" fontAlgn="base" hangingPunct="0">
-              <a:spcBef>
-                <a:spcPct val="0"/>
-              </a:spcBef>
-              <a:spcAft>
-                <a:spcPct val="0"/>
-              </a:spcAft>
-              <a:defRPr>
-                <a:solidFill>
-                  <a:schemeClr val="tx1"/>
-                </a:solidFill>
-                <a:latin typeface="Verdana" charset="0"/>
-                <a:ea typeface="MS PGothic" charset="0"/>
-                <a:cs typeface="MS PGothic" charset="0"/>
-              </a:defRPr>
-            </a:lvl8pPr>
-            <a:lvl9pPr marL="3886200" indent="-228600" defTabSz="923925" eaLnBrk="0" fontAlgn="base" hangingPunct="0">
-              <a:spcBef>
-                <a:spcPct val="0"/>
-              </a:spcBef>
-              <a:spcAft>
-                <a:spcPct val="0"/>
-              </a:spcAft>
-              <a:defRPr>
-                <a:solidFill>
-                  <a:schemeClr val="tx1"/>
-                </a:solidFill>
-                <a:latin typeface="Verdana" charset="0"/>
-                <a:ea typeface="MS PGothic" charset="0"/>
-                <a:cs typeface="MS PGothic" charset="0"/>
-              </a:defRPr>
-            </a:lvl9pPr>
-          </a:lstStyle>
-          <a:p>
-            <a:fld id="{D99B1172-1011-1449-9315-F0995D43A5FC}" type="slidenum">
-              <a:rPr lang="en-US">
-                <a:latin typeface="Times New Roman" charset="0"/>
-              </a:rPr>
-              <a:pPr/>
-              <a:t>21</a:t>
-            </a:fld>
-            <a:endParaRPr lang="en-US">
-              <a:latin typeface="Times New Roman" charset="0"/>
-            </a:endParaRPr>
-          </a:p>
-        </p:txBody>
-      </p:sp>
-      <p:sp>
-        <p:nvSpPr>
-          <p:cNvPr id="88067" name="Rectangle 2"/>
-          <p:cNvSpPr>
-            <a:spLocks noGrp="1" noRot="1" noChangeAspect="1" noChangeArrowheads="1" noTextEdit="1"/>
-          </p:cNvSpPr>
-          <p:nvPr>
-            <p:ph type="sldImg"/>
-          </p:nvPr>
-        </p:nvSpPr>
-        <p:spPr>
-          <a:ln/>
-        </p:spPr>
-      </p:sp>
-      <p:sp>
-        <p:nvSpPr>
-          <p:cNvPr id="88068" name="Rectangle 3"/>
-          <p:cNvSpPr>
-            <a:spLocks noGrp="1" noChangeArrowheads="1"/>
-          </p:cNvSpPr>
-          <p:nvPr>
-            <p:ph type="body" idx="1"/>
-          </p:nvPr>
-        </p:nvSpPr>
-        <p:spPr>
-          <a:noFill/>
-          <a:ln/>
-          <a:extLst>
-            <a:ext uri="{909E8E84-426E-40DD-AFC4-6F175D3DCCD1}">
-              <a14:hiddenFill xmlns:a14="http://schemas.microsoft.com/office/drawing/2010/main">
-                <a:solidFill>
-                  <a:srgbClr val="FFFFFF"/>
-                </a:solidFill>
-              </a14:hiddenFill>
-            </a:ext>
-            <a:ext uri="{91240B29-F687-4F45-9708-019B960494DF}">
-              <a14:hiddenLine xmlns:a14="http://schemas.microsoft.com/office/drawing/2010/main" w="9525">
-                <a:solidFill>
-                  <a:srgbClr val="000000"/>
-                </a:solidFill>
-                <a:miter lim="800000"/>
-                <a:headEnd/>
-                <a:tailEnd/>
-              </a14:hiddenLine>
-            </a:ext>
-            <a:ext uri="{FAA26D3D-D897-4be2-8F04-BA451C77F1D7}">
-              <ma14:placeholderFlag xmlns:ma14="http://schemas.microsoft.com/office/mac/drawingml/2011/main" xmlns="" val="1"/>
-            </a:ext>
-          </a:extLst>
-        </p:spPr>
-        <p:txBody>
-          <a:bodyPr/>
-          <a:lstStyle/>
-          <a:p>
-            <a:pPr eaLnBrk="1" hangingPunct="1"/>
-            <a:endParaRPr lang="en-US">
-              <a:latin typeface="Times New Roman" charset="0"/>
-              <a:ea typeface="MS PGothic" charset="0"/>
-            </a:endParaRPr>
-          </a:p>
-        </p:txBody>
-      </p:sp>
-    </p:spTree>
-  </p:cSld>
-  <p:clrMapOvr>
-    <a:masterClrMapping/>
-  </p:clrMapOvr>
-</p:notes>
-</file>
-
-<file path=ppt/notesSlides/notesSlide16.xml><?xml version="1.0" encoding="utf-8"?>
-<p:notes xmlns:a="http://schemas.openxmlformats.org/drawingml/2006/main" xmlns:r="http://schemas.openxmlformats.org/officeDocument/2006/relationships" xmlns:p="http://schemas.openxmlformats.org/presentationml/2006/main">
-  <p:cSld>
-    <p:spTree>
-      <p:nvGrpSpPr>
-        <p:cNvPr id="1" name=""/>
-        <p:cNvGrpSpPr/>
-        <p:nvPr/>
-      </p:nvGrpSpPr>
-      <p:grpSpPr>
-        <a:xfrm>
-          <a:off x="0" y="0"/>
-          <a:ext cx="0" cy="0"/>
-          <a:chOff x="0" y="0"/>
-          <a:chExt cx="0" cy="0"/>
-        </a:xfrm>
-      </p:grpSpPr>
-      <p:sp>
-        <p:nvSpPr>
-          <p:cNvPr id="89090" name="Rectangle 7"/>
-          <p:cNvSpPr>
-            <a:spLocks noGrp="1" noChangeArrowheads="1"/>
-          </p:cNvSpPr>
-          <p:nvPr>
-            <p:ph type="sldNum" sz="quarter" idx="5"/>
-          </p:nvPr>
-        </p:nvSpPr>
-        <p:spPr>
-          <a:noFill/>
-          <a:ln/>
-          <a:extLst>
-            <a:ext uri="{909E8E84-426E-40DD-AFC4-6F175D3DCCD1}">
-              <a14:hiddenFill xmlns:a14="http://schemas.microsoft.com/office/drawing/2010/main">
-                <a:solidFill>
-                  <a:srgbClr val="FFFFFF"/>
-                </a:solidFill>
-              </a14:hiddenFill>
-            </a:ext>
-            <a:ext uri="{91240B29-F687-4F45-9708-019B960494DF}">
-              <a14:hiddenLine xmlns:a14="http://schemas.microsoft.com/office/drawing/2010/main" w="9525">
-                <a:solidFill>
-                  <a:srgbClr val="000000"/>
-                </a:solidFill>
-                <a:miter lim="800000"/>
-                <a:headEnd/>
-                <a:tailEnd/>
-              </a14:hiddenLine>
-            </a:ext>
-          </a:extLst>
-        </p:spPr>
-        <p:txBody>
-          <a:bodyPr/>
-          <a:lstStyle>
-            <a:lvl1pPr defTabSz="923925">
-              <a:defRPr>
-                <a:solidFill>
-                  <a:schemeClr val="tx1"/>
-                </a:solidFill>
-                <a:latin typeface="Verdana" charset="0"/>
-                <a:ea typeface="MS PGothic" charset="0"/>
-                <a:cs typeface="MS PGothic" charset="0"/>
-              </a:defRPr>
-            </a:lvl1pPr>
-            <a:lvl2pPr marL="742950" indent="-285750" defTabSz="923925">
-              <a:defRPr>
-                <a:solidFill>
-                  <a:schemeClr val="tx1"/>
-                </a:solidFill>
-                <a:latin typeface="Verdana" charset="0"/>
-                <a:ea typeface="MS PGothic" charset="0"/>
-                <a:cs typeface="MS PGothic" charset="0"/>
-              </a:defRPr>
-            </a:lvl2pPr>
-            <a:lvl3pPr marL="1143000" indent="-228600" defTabSz="923925">
-              <a:defRPr>
-                <a:solidFill>
-                  <a:schemeClr val="tx1"/>
-                </a:solidFill>
-                <a:latin typeface="Verdana" charset="0"/>
-                <a:ea typeface="MS PGothic" charset="0"/>
-                <a:cs typeface="MS PGothic" charset="0"/>
-              </a:defRPr>
-            </a:lvl3pPr>
-            <a:lvl4pPr marL="1600200" indent="-228600" defTabSz="923925">
-              <a:defRPr>
-                <a:solidFill>
-                  <a:schemeClr val="tx1"/>
-                </a:solidFill>
-                <a:latin typeface="Verdana" charset="0"/>
-                <a:ea typeface="MS PGothic" charset="0"/>
-                <a:cs typeface="MS PGothic" charset="0"/>
-              </a:defRPr>
-            </a:lvl4pPr>
-            <a:lvl5pPr marL="2057400" indent="-228600" defTabSz="923925">
-              <a:defRPr>
-                <a:solidFill>
-                  <a:schemeClr val="tx1"/>
-                </a:solidFill>
-                <a:latin typeface="Verdana" charset="0"/>
-                <a:ea typeface="MS PGothic" charset="0"/>
-                <a:cs typeface="MS PGothic" charset="0"/>
-              </a:defRPr>
-            </a:lvl5pPr>
-            <a:lvl6pPr marL="2514600" indent="-228600" defTabSz="923925" eaLnBrk="0" fontAlgn="base" hangingPunct="0">
-              <a:spcBef>
-                <a:spcPct val="0"/>
-              </a:spcBef>
-              <a:spcAft>
-                <a:spcPct val="0"/>
-              </a:spcAft>
-              <a:defRPr>
-                <a:solidFill>
-                  <a:schemeClr val="tx1"/>
-                </a:solidFill>
-                <a:latin typeface="Verdana" charset="0"/>
-                <a:ea typeface="MS PGothic" charset="0"/>
-                <a:cs typeface="MS PGothic" charset="0"/>
-              </a:defRPr>
-            </a:lvl6pPr>
-            <a:lvl7pPr marL="2971800" indent="-228600" defTabSz="923925" eaLnBrk="0" fontAlgn="base" hangingPunct="0">
-              <a:spcBef>
-                <a:spcPct val="0"/>
-              </a:spcBef>
-              <a:spcAft>
-                <a:spcPct val="0"/>
-              </a:spcAft>
-              <a:defRPr>
-                <a:solidFill>
-                  <a:schemeClr val="tx1"/>
-                </a:solidFill>
-                <a:latin typeface="Verdana" charset="0"/>
-                <a:ea typeface="MS PGothic" charset="0"/>
-                <a:cs typeface="MS PGothic" charset="0"/>
-              </a:defRPr>
-            </a:lvl7pPr>
-            <a:lvl8pPr marL="3429000" indent="-228600" defTabSz="923925" eaLnBrk="0" fontAlgn="base" hangingPunct="0">
-              <a:spcBef>
-                <a:spcPct val="0"/>
-              </a:spcBef>
-              <a:spcAft>
-                <a:spcPct val="0"/>
-              </a:spcAft>
-              <a:defRPr>
-                <a:solidFill>
-                  <a:schemeClr val="tx1"/>
-                </a:solidFill>
-                <a:latin typeface="Verdana" charset="0"/>
-                <a:ea typeface="MS PGothic" charset="0"/>
-                <a:cs typeface="MS PGothic" charset="0"/>
-              </a:defRPr>
-            </a:lvl8pPr>
-            <a:lvl9pPr marL="3886200" indent="-228600" defTabSz="923925" eaLnBrk="0" fontAlgn="base" hangingPunct="0">
-              <a:spcBef>
-                <a:spcPct val="0"/>
-              </a:spcBef>
-              <a:spcAft>
-                <a:spcPct val="0"/>
-              </a:spcAft>
-              <a:defRPr>
-                <a:solidFill>
-                  <a:schemeClr val="tx1"/>
-                </a:solidFill>
-                <a:latin typeface="Verdana" charset="0"/>
-                <a:ea typeface="MS PGothic" charset="0"/>
-                <a:cs typeface="MS PGothic" charset="0"/>
-              </a:defRPr>
-            </a:lvl9pPr>
-          </a:lstStyle>
-          <a:p>
-            <a:fld id="{A11ECA5E-2B40-3842-90D2-D58E4FD2BEE0}" type="slidenum">
-              <a:rPr lang="en-US">
-                <a:latin typeface="Times New Roman" charset="0"/>
-              </a:rPr>
-              <a:pPr/>
-              <a:t>22</a:t>
-            </a:fld>
-            <a:endParaRPr lang="en-US">
-              <a:latin typeface="Times New Roman" charset="0"/>
-            </a:endParaRPr>
-          </a:p>
-        </p:txBody>
-      </p:sp>
-      <p:sp>
-        <p:nvSpPr>
-          <p:cNvPr id="89091" name="Rectangle 2"/>
-          <p:cNvSpPr>
-            <a:spLocks noGrp="1" noRot="1" noChangeAspect="1" noChangeArrowheads="1" noTextEdit="1"/>
-          </p:cNvSpPr>
-          <p:nvPr>
-            <p:ph type="sldImg"/>
-          </p:nvPr>
-        </p:nvSpPr>
-        <p:spPr>
-          <a:ln/>
-        </p:spPr>
-      </p:sp>
-      <p:sp>
-        <p:nvSpPr>
-          <p:cNvPr id="89092" name="Rectangle 3"/>
-          <p:cNvSpPr>
-            <a:spLocks noGrp="1" noChangeArrowheads="1"/>
-          </p:cNvSpPr>
-          <p:nvPr>
-            <p:ph type="body" idx="1"/>
-          </p:nvPr>
-        </p:nvSpPr>
-        <p:spPr>
-          <a:noFill/>
-          <a:ln/>
-          <a:extLst>
-            <a:ext uri="{909E8E84-426E-40DD-AFC4-6F175D3DCCD1}">
-              <a14:hiddenFill xmlns:a14="http://schemas.microsoft.com/office/drawing/2010/main">
-                <a:solidFill>
-                  <a:srgbClr val="FFFFFF"/>
-                </a:solidFill>
-              </a14:hiddenFill>
-            </a:ext>
-            <a:ext uri="{91240B29-F687-4F45-9708-019B960494DF}">
-              <a14:hiddenLine xmlns:a14="http://schemas.microsoft.com/office/drawing/2010/main" w="9525">
-                <a:solidFill>
-                  <a:srgbClr val="000000"/>
-                </a:solidFill>
-                <a:miter lim="800000"/>
-                <a:headEnd/>
-                <a:tailEnd/>
-              </a14:hiddenLine>
-            </a:ext>
-            <a:ext uri="{FAA26D3D-D897-4be2-8F04-BA451C77F1D7}">
-              <ma14:placeholderFlag xmlns:ma14="http://schemas.microsoft.com/office/mac/drawingml/2011/main" xmlns="" val="1"/>
-            </a:ext>
-          </a:extLst>
-        </p:spPr>
-        <p:txBody>
-          <a:bodyPr/>
-          <a:lstStyle/>
-          <a:p>
-            <a:pPr eaLnBrk="1" hangingPunct="1"/>
-            <a:endParaRPr lang="en-US">
-              <a:latin typeface="Times New Roman" charset="0"/>
-              <a:ea typeface="MS PGothic" charset="0"/>
-            </a:endParaRPr>
-          </a:p>
-        </p:txBody>
-      </p:sp>
-    </p:spTree>
-  </p:cSld>
-  <p:clrMapOvr>
-    <a:masterClrMapping/>
-  </p:clrMapOvr>
-</p:notes>
-</file>
-
-<file path=ppt/notesSlides/notesSlide17.xml><?xml version="1.0" encoding="utf-8"?>
-<p:notes xmlns:a="http://schemas.openxmlformats.org/drawingml/2006/main" xmlns:r="http://schemas.openxmlformats.org/officeDocument/2006/relationships" xmlns:p="http://schemas.openxmlformats.org/presentationml/2006/main">
-  <p:cSld>
-    <p:spTree>
-      <p:nvGrpSpPr>
-        <p:cNvPr id="1" name=""/>
-        <p:cNvGrpSpPr/>
-        <p:nvPr/>
-      </p:nvGrpSpPr>
-      <p:grpSpPr>
-        <a:xfrm>
-          <a:off x="0" y="0"/>
-          <a:ext cx="0" cy="0"/>
-          <a:chOff x="0" y="0"/>
-          <a:chExt cx="0" cy="0"/>
-        </a:xfrm>
-      </p:grpSpPr>
-      <p:sp>
-        <p:nvSpPr>
-          <p:cNvPr id="90114" name="Rectangle 7"/>
-          <p:cNvSpPr>
-            <a:spLocks noGrp="1" noChangeArrowheads="1"/>
-          </p:cNvSpPr>
-          <p:nvPr>
-            <p:ph type="sldNum" sz="quarter" idx="5"/>
-          </p:nvPr>
-        </p:nvSpPr>
-        <p:spPr>
-          <a:noFill/>
-          <a:ln/>
-          <a:extLst>
-            <a:ext uri="{909E8E84-426E-40DD-AFC4-6F175D3DCCD1}">
-              <a14:hiddenFill xmlns:a14="http://schemas.microsoft.com/office/drawing/2010/main">
-                <a:solidFill>
-                  <a:srgbClr val="FFFFFF"/>
-                </a:solidFill>
-              </a14:hiddenFill>
-            </a:ext>
-            <a:ext uri="{91240B29-F687-4F45-9708-019B960494DF}">
-              <a14:hiddenLine xmlns:a14="http://schemas.microsoft.com/office/drawing/2010/main" w="9525">
-                <a:solidFill>
-                  <a:srgbClr val="000000"/>
-                </a:solidFill>
-                <a:miter lim="800000"/>
-                <a:headEnd/>
-                <a:tailEnd/>
-              </a14:hiddenLine>
-            </a:ext>
-          </a:extLst>
-        </p:spPr>
-        <p:txBody>
-          <a:bodyPr/>
-          <a:lstStyle>
-            <a:lvl1pPr defTabSz="923925">
-              <a:defRPr>
-                <a:solidFill>
-                  <a:schemeClr val="tx1"/>
-                </a:solidFill>
-                <a:latin typeface="Verdana" charset="0"/>
-                <a:ea typeface="MS PGothic" charset="0"/>
-                <a:cs typeface="MS PGothic" charset="0"/>
-              </a:defRPr>
-            </a:lvl1pPr>
-            <a:lvl2pPr marL="742950" indent="-285750" defTabSz="923925">
-              <a:defRPr>
-                <a:solidFill>
-                  <a:schemeClr val="tx1"/>
-                </a:solidFill>
-                <a:latin typeface="Verdana" charset="0"/>
-                <a:ea typeface="MS PGothic" charset="0"/>
-                <a:cs typeface="MS PGothic" charset="0"/>
-              </a:defRPr>
-            </a:lvl2pPr>
-            <a:lvl3pPr marL="1143000" indent="-228600" defTabSz="923925">
-              <a:defRPr>
-                <a:solidFill>
-                  <a:schemeClr val="tx1"/>
-                </a:solidFill>
-                <a:latin typeface="Verdana" charset="0"/>
-                <a:ea typeface="MS PGothic" charset="0"/>
-                <a:cs typeface="MS PGothic" charset="0"/>
-              </a:defRPr>
-            </a:lvl3pPr>
-            <a:lvl4pPr marL="1600200" indent="-228600" defTabSz="923925">
-              <a:defRPr>
-                <a:solidFill>
-                  <a:schemeClr val="tx1"/>
-                </a:solidFill>
-                <a:latin typeface="Verdana" charset="0"/>
-                <a:ea typeface="MS PGothic" charset="0"/>
-                <a:cs typeface="MS PGothic" charset="0"/>
-              </a:defRPr>
-            </a:lvl4pPr>
-            <a:lvl5pPr marL="2057400" indent="-228600" defTabSz="923925">
-              <a:defRPr>
-                <a:solidFill>
-                  <a:schemeClr val="tx1"/>
-                </a:solidFill>
-                <a:latin typeface="Verdana" charset="0"/>
-                <a:ea typeface="MS PGothic" charset="0"/>
-                <a:cs typeface="MS PGothic" charset="0"/>
-              </a:defRPr>
-            </a:lvl5pPr>
-            <a:lvl6pPr marL="2514600" indent="-228600" defTabSz="923925" eaLnBrk="0" fontAlgn="base" hangingPunct="0">
-              <a:spcBef>
-                <a:spcPct val="0"/>
-              </a:spcBef>
-              <a:spcAft>
-                <a:spcPct val="0"/>
-              </a:spcAft>
-              <a:defRPr>
-                <a:solidFill>
-                  <a:schemeClr val="tx1"/>
-                </a:solidFill>
-                <a:latin typeface="Verdana" charset="0"/>
-                <a:ea typeface="MS PGothic" charset="0"/>
-                <a:cs typeface="MS PGothic" charset="0"/>
-              </a:defRPr>
-            </a:lvl6pPr>
-            <a:lvl7pPr marL="2971800" indent="-228600" defTabSz="923925" eaLnBrk="0" fontAlgn="base" hangingPunct="0">
-              <a:spcBef>
-                <a:spcPct val="0"/>
-              </a:spcBef>
-              <a:spcAft>
-                <a:spcPct val="0"/>
-              </a:spcAft>
-              <a:defRPr>
-                <a:solidFill>
-                  <a:schemeClr val="tx1"/>
-                </a:solidFill>
-                <a:latin typeface="Verdana" charset="0"/>
-                <a:ea typeface="MS PGothic" charset="0"/>
-                <a:cs typeface="MS PGothic" charset="0"/>
-              </a:defRPr>
-            </a:lvl7pPr>
-            <a:lvl8pPr marL="3429000" indent="-228600" defTabSz="923925" eaLnBrk="0" fontAlgn="base" hangingPunct="0">
-              <a:spcBef>
-                <a:spcPct val="0"/>
-              </a:spcBef>
-              <a:spcAft>
-                <a:spcPct val="0"/>
-              </a:spcAft>
-              <a:defRPr>
-                <a:solidFill>
-                  <a:schemeClr val="tx1"/>
-                </a:solidFill>
-                <a:latin typeface="Verdana" charset="0"/>
-                <a:ea typeface="MS PGothic" charset="0"/>
-                <a:cs typeface="MS PGothic" charset="0"/>
-              </a:defRPr>
-            </a:lvl8pPr>
-            <a:lvl9pPr marL="3886200" indent="-228600" defTabSz="923925" eaLnBrk="0" fontAlgn="base" hangingPunct="0">
-              <a:spcBef>
-                <a:spcPct val="0"/>
-              </a:spcBef>
-              <a:spcAft>
-                <a:spcPct val="0"/>
-              </a:spcAft>
-              <a:defRPr>
-                <a:solidFill>
-                  <a:schemeClr val="tx1"/>
-                </a:solidFill>
-                <a:latin typeface="Verdana" charset="0"/>
-                <a:ea typeface="MS PGothic" charset="0"/>
-                <a:cs typeface="MS PGothic" charset="0"/>
-              </a:defRPr>
-            </a:lvl9pPr>
-          </a:lstStyle>
-          <a:p>
-            <a:fld id="{E8647B34-1159-844D-96DA-45FE1B051995}" type="slidenum">
-              <a:rPr lang="en-US">
-                <a:latin typeface="Times New Roman" charset="0"/>
-              </a:rPr>
-              <a:pPr/>
-              <a:t>23</a:t>
-            </a:fld>
-            <a:endParaRPr lang="en-US">
-              <a:latin typeface="Times New Roman" charset="0"/>
-            </a:endParaRPr>
-          </a:p>
-        </p:txBody>
-      </p:sp>
-      <p:sp>
-        <p:nvSpPr>
-          <p:cNvPr id="90115" name="Rectangle 2"/>
-          <p:cNvSpPr>
-            <a:spLocks noGrp="1" noRot="1" noChangeAspect="1" noChangeArrowheads="1" noTextEdit="1"/>
-          </p:cNvSpPr>
-          <p:nvPr>
-            <p:ph type="sldImg"/>
-          </p:nvPr>
-        </p:nvSpPr>
-        <p:spPr>
-          <a:ln/>
-        </p:spPr>
-      </p:sp>
-      <p:sp>
-        <p:nvSpPr>
-          <p:cNvPr id="90116" name="Rectangle 3"/>
-          <p:cNvSpPr>
-            <a:spLocks noGrp="1" noChangeArrowheads="1"/>
-          </p:cNvSpPr>
-          <p:nvPr>
-            <p:ph type="body" idx="1"/>
-          </p:nvPr>
-        </p:nvSpPr>
-        <p:spPr>
-          <a:noFill/>
-          <a:ln/>
-          <a:extLst>
-            <a:ext uri="{909E8E84-426E-40DD-AFC4-6F175D3DCCD1}">
-              <a14:hiddenFill xmlns:a14="http://schemas.microsoft.com/office/drawing/2010/main">
-                <a:solidFill>
-                  <a:srgbClr val="FFFFFF"/>
-                </a:solidFill>
-              </a14:hiddenFill>
-            </a:ext>
-            <a:ext uri="{91240B29-F687-4F45-9708-019B960494DF}">
-              <a14:hiddenLine xmlns:a14="http://schemas.microsoft.com/office/drawing/2010/main" w="9525">
-                <a:solidFill>
-                  <a:srgbClr val="000000"/>
-                </a:solidFill>
-                <a:miter lim="800000"/>
-                <a:headEnd/>
-                <a:tailEnd/>
-              </a14:hiddenLine>
-            </a:ext>
-            <a:ext uri="{FAA26D3D-D897-4be2-8F04-BA451C77F1D7}">
-              <ma14:placeholderFlag xmlns:ma14="http://schemas.microsoft.com/office/mac/drawingml/2011/main" xmlns="" val="1"/>
-            </a:ext>
-          </a:extLst>
-        </p:spPr>
-        <p:txBody>
-          <a:bodyPr/>
-          <a:lstStyle/>
-          <a:p>
-            <a:pPr eaLnBrk="1" hangingPunct="1"/>
-            <a:endParaRPr lang="en-US">
-              <a:latin typeface="Times New Roman" charset="0"/>
-              <a:ea typeface="MS PGothic" charset="0"/>
-            </a:endParaRPr>
-          </a:p>
-        </p:txBody>
-      </p:sp>
-    </p:spTree>
-  </p:cSld>
-  <p:clrMapOvr>
-    <a:masterClrMapping/>
-  </p:clrMapOvr>
-</p:notes>
-</file>
-
-<file path=ppt/notesSlides/notesSlide18.xml><?xml version="1.0" encoding="utf-8"?>
-<p:notes xmlns:a="http://schemas.openxmlformats.org/drawingml/2006/main" xmlns:r="http://schemas.openxmlformats.org/officeDocument/2006/relationships" xmlns:p="http://schemas.openxmlformats.org/presentationml/2006/main">
-  <p:cSld>
-    <p:spTree>
-      <p:nvGrpSpPr>
-        <p:cNvPr id="1" name=""/>
-        <p:cNvGrpSpPr/>
-        <p:nvPr/>
-      </p:nvGrpSpPr>
-      <p:grpSpPr>
-        <a:xfrm>
-          <a:off x="0" y="0"/>
-          <a:ext cx="0" cy="0"/>
-          <a:chOff x="0" y="0"/>
-          <a:chExt cx="0" cy="0"/>
-        </a:xfrm>
-      </p:grpSpPr>
-      <p:sp>
-        <p:nvSpPr>
-          <p:cNvPr id="91138" name="Rectangle 7"/>
-          <p:cNvSpPr>
-            <a:spLocks noGrp="1" noChangeArrowheads="1"/>
-          </p:cNvSpPr>
-          <p:nvPr>
-            <p:ph type="sldNum" sz="quarter" idx="5"/>
-          </p:nvPr>
-        </p:nvSpPr>
-        <p:spPr>
-          <a:noFill/>
-          <a:ln/>
-          <a:extLst>
-            <a:ext uri="{909E8E84-426E-40DD-AFC4-6F175D3DCCD1}">
-              <a14:hiddenFill xmlns:a14="http://schemas.microsoft.com/office/drawing/2010/main">
-                <a:solidFill>
-                  <a:srgbClr val="FFFFFF"/>
-                </a:solidFill>
-              </a14:hiddenFill>
-            </a:ext>
-            <a:ext uri="{91240B29-F687-4F45-9708-019B960494DF}">
-              <a14:hiddenLine xmlns:a14="http://schemas.microsoft.com/office/drawing/2010/main" w="9525">
-                <a:solidFill>
-                  <a:srgbClr val="000000"/>
-                </a:solidFill>
-                <a:miter lim="800000"/>
-                <a:headEnd/>
-                <a:tailEnd/>
-              </a14:hiddenLine>
-            </a:ext>
-          </a:extLst>
-        </p:spPr>
-        <p:txBody>
-          <a:bodyPr/>
-          <a:lstStyle>
-            <a:lvl1pPr defTabSz="923925">
-              <a:defRPr>
-                <a:solidFill>
-                  <a:schemeClr val="tx1"/>
-                </a:solidFill>
-                <a:latin typeface="Verdana" charset="0"/>
-                <a:ea typeface="MS PGothic" charset="0"/>
-                <a:cs typeface="MS PGothic" charset="0"/>
-              </a:defRPr>
-            </a:lvl1pPr>
-            <a:lvl2pPr marL="742950" indent="-285750" defTabSz="923925">
-              <a:defRPr>
-                <a:solidFill>
-                  <a:schemeClr val="tx1"/>
-                </a:solidFill>
-                <a:latin typeface="Verdana" charset="0"/>
-                <a:ea typeface="MS PGothic" charset="0"/>
-                <a:cs typeface="MS PGothic" charset="0"/>
-              </a:defRPr>
-            </a:lvl2pPr>
-            <a:lvl3pPr marL="1143000" indent="-228600" defTabSz="923925">
-              <a:defRPr>
-                <a:solidFill>
-                  <a:schemeClr val="tx1"/>
-                </a:solidFill>
-                <a:latin typeface="Verdana" charset="0"/>
-                <a:ea typeface="MS PGothic" charset="0"/>
-                <a:cs typeface="MS PGothic" charset="0"/>
-              </a:defRPr>
-            </a:lvl3pPr>
-            <a:lvl4pPr marL="1600200" indent="-228600" defTabSz="923925">
-              <a:defRPr>
-                <a:solidFill>
-                  <a:schemeClr val="tx1"/>
-                </a:solidFill>
-                <a:latin typeface="Verdana" charset="0"/>
-                <a:ea typeface="MS PGothic" charset="0"/>
-                <a:cs typeface="MS PGothic" charset="0"/>
-              </a:defRPr>
-            </a:lvl4pPr>
-            <a:lvl5pPr marL="2057400" indent="-228600" defTabSz="923925">
-              <a:defRPr>
-                <a:solidFill>
-                  <a:schemeClr val="tx1"/>
-                </a:solidFill>
-                <a:latin typeface="Verdana" charset="0"/>
-                <a:ea typeface="MS PGothic" charset="0"/>
-                <a:cs typeface="MS PGothic" charset="0"/>
-              </a:defRPr>
-            </a:lvl5pPr>
-            <a:lvl6pPr marL="2514600" indent="-228600" defTabSz="923925" eaLnBrk="0" fontAlgn="base" hangingPunct="0">
-              <a:spcBef>
-                <a:spcPct val="0"/>
-              </a:spcBef>
-              <a:spcAft>
-                <a:spcPct val="0"/>
-              </a:spcAft>
-              <a:defRPr>
-                <a:solidFill>
-                  <a:schemeClr val="tx1"/>
-                </a:solidFill>
-                <a:latin typeface="Verdana" charset="0"/>
-                <a:ea typeface="MS PGothic" charset="0"/>
-                <a:cs typeface="MS PGothic" charset="0"/>
-              </a:defRPr>
-            </a:lvl6pPr>
-            <a:lvl7pPr marL="2971800" indent="-228600" defTabSz="923925" eaLnBrk="0" fontAlgn="base" hangingPunct="0">
-              <a:spcBef>
-                <a:spcPct val="0"/>
-              </a:spcBef>
-              <a:spcAft>
-                <a:spcPct val="0"/>
-              </a:spcAft>
-              <a:defRPr>
-                <a:solidFill>
-                  <a:schemeClr val="tx1"/>
-                </a:solidFill>
-                <a:latin typeface="Verdana" charset="0"/>
-                <a:ea typeface="MS PGothic" charset="0"/>
-                <a:cs typeface="MS PGothic" charset="0"/>
-              </a:defRPr>
-            </a:lvl7pPr>
-            <a:lvl8pPr marL="3429000" indent="-228600" defTabSz="923925" eaLnBrk="0" fontAlgn="base" hangingPunct="0">
-              <a:spcBef>
-                <a:spcPct val="0"/>
-              </a:spcBef>
-              <a:spcAft>
-                <a:spcPct val="0"/>
-              </a:spcAft>
-              <a:defRPr>
-                <a:solidFill>
-                  <a:schemeClr val="tx1"/>
-                </a:solidFill>
-                <a:latin typeface="Verdana" charset="0"/>
-                <a:ea typeface="MS PGothic" charset="0"/>
-                <a:cs typeface="MS PGothic" charset="0"/>
-              </a:defRPr>
-            </a:lvl8pPr>
-            <a:lvl9pPr marL="3886200" indent="-228600" defTabSz="923925" eaLnBrk="0" fontAlgn="base" hangingPunct="0">
-              <a:spcBef>
-                <a:spcPct val="0"/>
-              </a:spcBef>
-              <a:spcAft>
-                <a:spcPct val="0"/>
-              </a:spcAft>
-              <a:defRPr>
-                <a:solidFill>
-                  <a:schemeClr val="tx1"/>
-                </a:solidFill>
-                <a:latin typeface="Verdana" charset="0"/>
-                <a:ea typeface="MS PGothic" charset="0"/>
-                <a:cs typeface="MS PGothic" charset="0"/>
-              </a:defRPr>
-            </a:lvl9pPr>
-          </a:lstStyle>
-          <a:p>
-            <a:fld id="{75418FC8-AA49-FF4D-9A05-5BB53B7C4E7A}" type="slidenum">
-              <a:rPr lang="en-US">
-                <a:latin typeface="Times New Roman" charset="0"/>
-              </a:rPr>
-              <a:pPr/>
-              <a:t>24</a:t>
-            </a:fld>
-            <a:endParaRPr lang="en-US">
-              <a:latin typeface="Times New Roman" charset="0"/>
-            </a:endParaRPr>
-          </a:p>
-        </p:txBody>
-      </p:sp>
-      <p:sp>
-        <p:nvSpPr>
-          <p:cNvPr id="91139" name="Rectangle 2"/>
-          <p:cNvSpPr>
-            <a:spLocks noGrp="1" noRot="1" noChangeAspect="1" noChangeArrowheads="1" noTextEdit="1"/>
-          </p:cNvSpPr>
-          <p:nvPr>
-            <p:ph type="sldImg"/>
-          </p:nvPr>
-        </p:nvSpPr>
-        <p:spPr>
-          <a:ln/>
-        </p:spPr>
-      </p:sp>
-      <p:sp>
-        <p:nvSpPr>
-          <p:cNvPr id="91140" name="Rectangle 3"/>
-          <p:cNvSpPr>
-            <a:spLocks noGrp="1" noChangeArrowheads="1"/>
-          </p:cNvSpPr>
-          <p:nvPr>
-            <p:ph type="body" idx="1"/>
-          </p:nvPr>
-        </p:nvSpPr>
-        <p:spPr>
-          <a:noFill/>
-          <a:ln/>
-          <a:extLst>
-            <a:ext uri="{909E8E84-426E-40DD-AFC4-6F175D3DCCD1}">
-              <a14:hiddenFill xmlns:a14="http://schemas.microsoft.com/office/drawing/2010/main">
-                <a:solidFill>
-                  <a:srgbClr val="FFFFFF"/>
-                </a:solidFill>
-              </a14:hiddenFill>
-            </a:ext>
-            <a:ext uri="{91240B29-F687-4F45-9708-019B960494DF}">
-              <a14:hiddenLine xmlns:a14="http://schemas.microsoft.com/office/drawing/2010/main" w="9525">
-                <a:solidFill>
-                  <a:srgbClr val="000000"/>
-                </a:solidFill>
-                <a:miter lim="800000"/>
-                <a:headEnd/>
-                <a:tailEnd/>
-              </a14:hiddenLine>
-            </a:ext>
-            <a:ext uri="{FAA26D3D-D897-4be2-8F04-BA451C77F1D7}">
-              <ma14:placeholderFlag xmlns:ma14="http://schemas.microsoft.com/office/mac/drawingml/2011/main" xmlns="" val="1"/>
-            </a:ext>
-          </a:extLst>
-        </p:spPr>
-        <p:txBody>
-          <a:bodyPr/>
-          <a:lstStyle/>
-          <a:p>
-            <a:pPr eaLnBrk="1" hangingPunct="1"/>
-            <a:endParaRPr lang="en-US">
-              <a:latin typeface="Times New Roman" charset="0"/>
-              <a:ea typeface="MS PGothic" charset="0"/>
-            </a:endParaRPr>
-          </a:p>
-        </p:txBody>
-      </p:sp>
-    </p:spTree>
-  </p:cSld>
-  <p:clrMapOvr>
-    <a:masterClrMapping/>
-  </p:clrMapOvr>
-</p:notes>
-</file>
-
-<file path=ppt/notesSlides/notesSlide19.xml><?xml version="1.0" encoding="utf-8"?>
-<p:notes xmlns:a="http://schemas.openxmlformats.org/drawingml/2006/main" xmlns:r="http://schemas.openxmlformats.org/officeDocument/2006/relationships" xmlns:p="http://schemas.openxmlformats.org/presentationml/2006/main">
-  <p:cSld>
-    <p:spTree>
-      <p:nvGrpSpPr>
-        <p:cNvPr id="1" name=""/>
-        <p:cNvGrpSpPr/>
-        <p:nvPr/>
-      </p:nvGrpSpPr>
-      <p:grpSpPr>
-        <a:xfrm>
-          <a:off x="0" y="0"/>
-          <a:ext cx="0" cy="0"/>
-          <a:chOff x="0" y="0"/>
-          <a:chExt cx="0" cy="0"/>
-        </a:xfrm>
-      </p:grpSpPr>
-      <p:sp>
-        <p:nvSpPr>
-          <p:cNvPr id="92162" name="Rectangle 7"/>
-          <p:cNvSpPr>
-            <a:spLocks noGrp="1" noChangeArrowheads="1"/>
-          </p:cNvSpPr>
-          <p:nvPr>
-            <p:ph type="sldNum" sz="quarter" idx="5"/>
-          </p:nvPr>
-        </p:nvSpPr>
-        <p:spPr>
-          <a:noFill/>
-          <a:ln/>
-          <a:extLst>
-            <a:ext uri="{909E8E84-426E-40DD-AFC4-6F175D3DCCD1}">
-              <a14:hiddenFill xmlns:a14="http://schemas.microsoft.com/office/drawing/2010/main">
-                <a:solidFill>
-                  <a:srgbClr val="FFFFFF"/>
-                </a:solidFill>
-              </a14:hiddenFill>
-            </a:ext>
-            <a:ext uri="{91240B29-F687-4F45-9708-019B960494DF}">
-              <a14:hiddenLine xmlns:a14="http://schemas.microsoft.com/office/drawing/2010/main" w="9525">
-                <a:solidFill>
-                  <a:srgbClr val="000000"/>
-                </a:solidFill>
-                <a:miter lim="800000"/>
-                <a:headEnd/>
-                <a:tailEnd/>
-              </a14:hiddenLine>
-            </a:ext>
-          </a:extLst>
-        </p:spPr>
-        <p:txBody>
-          <a:bodyPr/>
-          <a:lstStyle>
-            <a:lvl1pPr defTabSz="923925">
-              <a:defRPr>
-                <a:solidFill>
-                  <a:schemeClr val="tx1"/>
-                </a:solidFill>
-                <a:latin typeface="Verdana" charset="0"/>
-                <a:ea typeface="MS PGothic" charset="0"/>
-                <a:cs typeface="MS PGothic" charset="0"/>
-              </a:defRPr>
-            </a:lvl1pPr>
-            <a:lvl2pPr marL="742950" indent="-285750" defTabSz="923925">
-              <a:defRPr>
-                <a:solidFill>
-                  <a:schemeClr val="tx1"/>
-                </a:solidFill>
-                <a:latin typeface="Verdana" charset="0"/>
-                <a:ea typeface="MS PGothic" charset="0"/>
-                <a:cs typeface="MS PGothic" charset="0"/>
-              </a:defRPr>
-            </a:lvl2pPr>
-            <a:lvl3pPr marL="1143000" indent="-228600" defTabSz="923925">
-              <a:defRPr>
-                <a:solidFill>
-                  <a:schemeClr val="tx1"/>
-                </a:solidFill>
-                <a:latin typeface="Verdana" charset="0"/>
-                <a:ea typeface="MS PGothic" charset="0"/>
-                <a:cs typeface="MS PGothic" charset="0"/>
-              </a:defRPr>
-            </a:lvl3pPr>
-            <a:lvl4pPr marL="1600200" indent="-228600" defTabSz="923925">
-              <a:defRPr>
-                <a:solidFill>
-                  <a:schemeClr val="tx1"/>
-                </a:solidFill>
-                <a:latin typeface="Verdana" charset="0"/>
-                <a:ea typeface="MS PGothic" charset="0"/>
-                <a:cs typeface="MS PGothic" charset="0"/>
-              </a:defRPr>
-            </a:lvl4pPr>
-            <a:lvl5pPr marL="2057400" indent="-228600" defTabSz="923925">
-              <a:defRPr>
-                <a:solidFill>
-                  <a:schemeClr val="tx1"/>
-                </a:solidFill>
-                <a:latin typeface="Verdana" charset="0"/>
-                <a:ea typeface="MS PGothic" charset="0"/>
-                <a:cs typeface="MS PGothic" charset="0"/>
-              </a:defRPr>
-            </a:lvl5pPr>
-            <a:lvl6pPr marL="2514600" indent="-228600" defTabSz="923925" eaLnBrk="0" fontAlgn="base" hangingPunct="0">
-              <a:spcBef>
-                <a:spcPct val="0"/>
-              </a:spcBef>
-              <a:spcAft>
-                <a:spcPct val="0"/>
-              </a:spcAft>
-              <a:defRPr>
-                <a:solidFill>
-                  <a:schemeClr val="tx1"/>
-                </a:solidFill>
-                <a:latin typeface="Verdana" charset="0"/>
-                <a:ea typeface="MS PGothic" charset="0"/>
-                <a:cs typeface="MS PGothic" charset="0"/>
-              </a:defRPr>
-            </a:lvl6pPr>
-            <a:lvl7pPr marL="2971800" indent="-228600" defTabSz="923925" eaLnBrk="0" fontAlgn="base" hangingPunct="0">
-              <a:spcBef>
-                <a:spcPct val="0"/>
-              </a:spcBef>
-              <a:spcAft>
-                <a:spcPct val="0"/>
-              </a:spcAft>
-              <a:defRPr>
-                <a:solidFill>
-                  <a:schemeClr val="tx1"/>
-                </a:solidFill>
-                <a:latin typeface="Verdana" charset="0"/>
-                <a:ea typeface="MS PGothic" charset="0"/>
-                <a:cs typeface="MS PGothic" charset="0"/>
-              </a:defRPr>
-            </a:lvl7pPr>
-            <a:lvl8pPr marL="3429000" indent="-228600" defTabSz="923925" eaLnBrk="0" fontAlgn="base" hangingPunct="0">
-              <a:spcBef>
-                <a:spcPct val="0"/>
-              </a:spcBef>
-              <a:spcAft>
-                <a:spcPct val="0"/>
-              </a:spcAft>
-              <a:defRPr>
-                <a:solidFill>
-                  <a:schemeClr val="tx1"/>
-                </a:solidFill>
-                <a:latin typeface="Verdana" charset="0"/>
-                <a:ea typeface="MS PGothic" charset="0"/>
-                <a:cs typeface="MS PGothic" charset="0"/>
-              </a:defRPr>
-            </a:lvl8pPr>
-            <a:lvl9pPr marL="3886200" indent="-228600" defTabSz="923925" eaLnBrk="0" fontAlgn="base" hangingPunct="0">
-              <a:spcBef>
-                <a:spcPct val="0"/>
-              </a:spcBef>
-              <a:spcAft>
-                <a:spcPct val="0"/>
-              </a:spcAft>
-              <a:defRPr>
-                <a:solidFill>
-                  <a:schemeClr val="tx1"/>
-                </a:solidFill>
-                <a:latin typeface="Verdana" charset="0"/>
-                <a:ea typeface="MS PGothic" charset="0"/>
-                <a:cs typeface="MS PGothic" charset="0"/>
-              </a:defRPr>
-            </a:lvl9pPr>
-          </a:lstStyle>
-          <a:p>
-            <a:fld id="{A00097F5-5BB6-BF4F-B6A9-2BC9239FDEE2}" type="slidenum">
-              <a:rPr lang="en-US">
-                <a:latin typeface="Times New Roman" charset="0"/>
-              </a:rPr>
-              <a:pPr/>
-              <a:t>25</a:t>
-            </a:fld>
-            <a:endParaRPr lang="en-US">
-              <a:latin typeface="Times New Roman" charset="0"/>
-            </a:endParaRPr>
-          </a:p>
-        </p:txBody>
-      </p:sp>
-      <p:sp>
-        <p:nvSpPr>
-          <p:cNvPr id="92163" name="Rectangle 2"/>
-          <p:cNvSpPr>
-            <a:spLocks noGrp="1" noRot="1" noChangeAspect="1" noChangeArrowheads="1" noTextEdit="1"/>
-          </p:cNvSpPr>
-          <p:nvPr>
-            <p:ph type="sldImg"/>
-          </p:nvPr>
-        </p:nvSpPr>
-        <p:spPr>
-          <a:ln/>
-        </p:spPr>
-      </p:sp>
-      <p:sp>
-        <p:nvSpPr>
-          <p:cNvPr id="92164" name="Rectangle 3"/>
-          <p:cNvSpPr>
-            <a:spLocks noGrp="1" noChangeArrowheads="1"/>
-          </p:cNvSpPr>
-          <p:nvPr>
-            <p:ph type="body" idx="1"/>
-          </p:nvPr>
-        </p:nvSpPr>
-        <p:spPr>
-          <a:noFill/>
-          <a:ln/>
-          <a:extLst>
-            <a:ext uri="{909E8E84-426E-40DD-AFC4-6F175D3DCCD1}">
-              <a14:hiddenFill xmlns:a14="http://schemas.microsoft.com/office/drawing/2010/main">
-                <a:solidFill>
-                  <a:srgbClr val="FFFFFF"/>
-                </a:solidFill>
-              </a14:hiddenFill>
-            </a:ext>
-            <a:ext uri="{91240B29-F687-4F45-9708-019B960494DF}">
-              <a14:hiddenLine xmlns:a14="http://schemas.microsoft.com/office/drawing/2010/main" w="9525">
-                <a:solidFill>
-                  <a:srgbClr val="000000"/>
-                </a:solidFill>
-                <a:miter lim="800000"/>
-                <a:headEnd/>
-                <a:tailEnd/>
-              </a14:hiddenLine>
-            </a:ext>
-            <a:ext uri="{FAA26D3D-D897-4be2-8F04-BA451C77F1D7}">
-              <ma14:placeholderFlag xmlns:ma14="http://schemas.microsoft.com/office/mac/drawingml/2011/main" xmlns="" val="1"/>
-            </a:ext>
-          </a:extLst>
-        </p:spPr>
-        <p:txBody>
-          <a:bodyPr/>
-          <a:lstStyle/>
-          <a:p>
-            <a:pPr eaLnBrk="1" hangingPunct="1"/>
-            <a:endParaRPr lang="en-US">
-              <a:latin typeface="Times New Roman" charset="0"/>
-              <a:ea typeface="MS PGothic" charset="0"/>
-            </a:endParaRPr>
-          </a:p>
-        </p:txBody>
-      </p:sp>
-    </p:spTree>
+    <p:extLst>
+      <p:ext uri="{BB962C8B-B14F-4D97-AF65-F5344CB8AC3E}">
+        <p14:creationId xmlns:p14="http://schemas.microsoft.com/office/powerpoint/2010/main" val="1518515410"/>
+      </p:ext>
+    </p:extLst>
   </p:cSld>
   <p:clrMapOvr>
     <a:masterClrMapping/>
@@ -3867,7 +2145,7 @@
               </a14:hiddenLine>
             </a:ext>
             <a:ext uri="{FAA26D3D-D897-4be2-8F04-BA451C77F1D7}">
-              <ma14:placeholderFlag xmlns:ma14="http://schemas.microsoft.com/office/mac/drawingml/2011/main" xmlns="" val="1"/>
+              <ma14:placeholderFlag xmlns:ma14="http://schemas.microsoft.com/office/mac/drawingml/2011/main" val="1"/>
             </a:ext>
           </a:extLst>
         </p:spPr>
@@ -3884,6 +2162,11 @@
         </p:txBody>
       </p:sp>
     </p:spTree>
+    <p:extLst>
+      <p:ext uri="{BB962C8B-B14F-4D97-AF65-F5344CB8AC3E}">
+        <p14:creationId xmlns:p14="http://schemas.microsoft.com/office/powerpoint/2010/main" val="223359610"/>
+      </p:ext>
+    </p:extLst>
   </p:cSld>
   <p:clrMapOvr>
     <a:masterClrMapping/>
@@ -4119,7 +2402,7 @@
               </a14:hiddenLine>
             </a:ext>
             <a:ext uri="{FAA26D3D-D897-4be2-8F04-BA451C77F1D7}">
-              <ma14:placeholderFlag xmlns:ma14="http://schemas.microsoft.com/office/mac/drawingml/2011/main" xmlns="" val="1"/>
+              <ma14:placeholderFlag xmlns:ma14="http://schemas.microsoft.com/office/mac/drawingml/2011/main" val="1"/>
             </a:ext>
           </a:extLst>
         </p:spPr>
@@ -4136,6 +2419,11 @@
         </p:txBody>
       </p:sp>
     </p:spTree>
+    <p:extLst>
+      <p:ext uri="{BB962C8B-B14F-4D97-AF65-F5344CB8AC3E}">
+        <p14:creationId xmlns:p14="http://schemas.microsoft.com/office/powerpoint/2010/main" val="203550314"/>
+      </p:ext>
+    </p:extLst>
   </p:cSld>
   <p:clrMapOvr>
     <a:masterClrMapping/>
@@ -4371,7 +2659,7 @@
               </a14:hiddenLine>
             </a:ext>
             <a:ext uri="{FAA26D3D-D897-4be2-8F04-BA451C77F1D7}">
-              <ma14:placeholderFlag xmlns:ma14="http://schemas.microsoft.com/office/mac/drawingml/2011/main" xmlns="" val="1"/>
+              <ma14:placeholderFlag xmlns:ma14="http://schemas.microsoft.com/office/mac/drawingml/2011/main" val="1"/>
             </a:ext>
           </a:extLst>
         </p:spPr>
@@ -4388,6 +2676,11 @@
         </p:txBody>
       </p:sp>
     </p:spTree>
+    <p:extLst>
+      <p:ext uri="{BB962C8B-B14F-4D97-AF65-F5344CB8AC3E}">
+        <p14:creationId xmlns:p14="http://schemas.microsoft.com/office/powerpoint/2010/main" val="128677727"/>
+      </p:ext>
+    </p:extLst>
   </p:cSld>
   <p:clrMapOvr>
     <a:masterClrMapping/>
@@ -4623,7 +2916,7 @@
               </a14:hiddenLine>
             </a:ext>
             <a:ext uri="{FAA26D3D-D897-4be2-8F04-BA451C77F1D7}">
-              <ma14:placeholderFlag xmlns:ma14="http://schemas.microsoft.com/office/mac/drawingml/2011/main" xmlns="" val="1"/>
+              <ma14:placeholderFlag xmlns:ma14="http://schemas.microsoft.com/office/mac/drawingml/2011/main" val="1"/>
             </a:ext>
           </a:extLst>
         </p:spPr>
@@ -4640,6 +2933,11 @@
         </p:txBody>
       </p:sp>
     </p:spTree>
+    <p:extLst>
+      <p:ext uri="{BB962C8B-B14F-4D97-AF65-F5344CB8AC3E}">
+        <p14:creationId xmlns:p14="http://schemas.microsoft.com/office/powerpoint/2010/main" val="170525160"/>
+      </p:ext>
+    </p:extLst>
   </p:cSld>
   <p:clrMapOvr>
     <a:masterClrMapping/>
@@ -4875,7 +3173,7 @@
               </a14:hiddenLine>
             </a:ext>
             <a:ext uri="{FAA26D3D-D897-4be2-8F04-BA451C77F1D7}">
-              <ma14:placeholderFlag xmlns:ma14="http://schemas.microsoft.com/office/mac/drawingml/2011/main" xmlns="" val="1"/>
+              <ma14:placeholderFlag xmlns:ma14="http://schemas.microsoft.com/office/mac/drawingml/2011/main" val="1"/>
             </a:ext>
           </a:extLst>
         </p:spPr>
@@ -4892,6 +3190,11 @@
         </p:txBody>
       </p:sp>
     </p:spTree>
+    <p:extLst>
+      <p:ext uri="{BB962C8B-B14F-4D97-AF65-F5344CB8AC3E}">
+        <p14:creationId xmlns:p14="http://schemas.microsoft.com/office/powerpoint/2010/main" val="1273179022"/>
+      </p:ext>
+    </p:extLst>
   </p:cSld>
   <p:clrMapOvr>
     <a:masterClrMapping/>
@@ -5127,7 +3430,7 @@
               </a14:hiddenLine>
             </a:ext>
             <a:ext uri="{FAA26D3D-D897-4be2-8F04-BA451C77F1D7}">
-              <ma14:placeholderFlag xmlns:ma14="http://schemas.microsoft.com/office/mac/drawingml/2011/main" xmlns="" val="1"/>
+              <ma14:placeholderFlag xmlns:ma14="http://schemas.microsoft.com/office/mac/drawingml/2011/main" val="1"/>
             </a:ext>
           </a:extLst>
         </p:spPr>
@@ -5144,6 +3447,11 @@
         </p:txBody>
       </p:sp>
     </p:spTree>
+    <p:extLst>
+      <p:ext uri="{BB962C8B-B14F-4D97-AF65-F5344CB8AC3E}">
+        <p14:creationId xmlns:p14="http://schemas.microsoft.com/office/powerpoint/2010/main" val="792764046"/>
+      </p:ext>
+    </p:extLst>
   </p:cSld>
   <p:clrMapOvr>
     <a:masterClrMapping/>
@@ -5379,7 +3687,7 @@
               </a14:hiddenLine>
             </a:ext>
             <a:ext uri="{FAA26D3D-D897-4be2-8F04-BA451C77F1D7}">
-              <ma14:placeholderFlag xmlns:ma14="http://schemas.microsoft.com/office/mac/drawingml/2011/main" xmlns="" val="1"/>
+              <ma14:placeholderFlag xmlns:ma14="http://schemas.microsoft.com/office/mac/drawingml/2011/main" val="1"/>
             </a:ext>
           </a:extLst>
         </p:spPr>
@@ -5396,6 +3704,11 @@
         </p:txBody>
       </p:sp>
     </p:spTree>
+    <p:extLst>
+      <p:ext uri="{BB962C8B-B14F-4D97-AF65-F5344CB8AC3E}">
+        <p14:creationId xmlns:p14="http://schemas.microsoft.com/office/powerpoint/2010/main" val="996775134"/>
+      </p:ext>
+    </p:extLst>
   </p:cSld>
   <p:clrMapOvr>
     <a:masterClrMapping/>
@@ -5631,7 +3944,7 @@
               </a14:hiddenLine>
             </a:ext>
             <a:ext uri="{FAA26D3D-D897-4be2-8F04-BA451C77F1D7}">
-              <ma14:placeholderFlag xmlns:ma14="http://schemas.microsoft.com/office/mac/drawingml/2011/main" xmlns="" val="1"/>
+              <ma14:placeholderFlag xmlns:ma14="http://schemas.microsoft.com/office/mac/drawingml/2011/main" val="1"/>
             </a:ext>
           </a:extLst>
         </p:spPr>
@@ -5648,6 +3961,11 @@
         </p:txBody>
       </p:sp>
     </p:spTree>
+    <p:extLst>
+      <p:ext uri="{BB962C8B-B14F-4D97-AF65-F5344CB8AC3E}">
+        <p14:creationId xmlns:p14="http://schemas.microsoft.com/office/powerpoint/2010/main" val="279746891"/>
+      </p:ext>
+    </p:extLst>
   </p:cSld>
   <p:clrMapOvr>
     <a:masterClrMapping/>
@@ -5879,7 +4197,7 @@
           <a:p>
             <a:fld id="{44FDF1E6-234B-764F-B1B5-73274C3D5864}" type="datetime1">
               <a:rPr lang="en-US" smtClean="0"/>
-              <a:t>4/18/2018</a:t>
+              <a:t>4/27/18</a:t>
             </a:fld>
             <a:endParaRPr lang="en-US"/>
           </a:p>
@@ -6076,7 +4394,7 @@
           <a:p>
             <a:fld id="{5675182C-4577-8F42-BBA2-0B2512260088}" type="datetime1">
               <a:rPr lang="en-US" smtClean="0"/>
-              <a:t>4/18/2018</a:t>
+              <a:t>4/27/18</a:t>
             </a:fld>
             <a:endParaRPr lang="en-US"/>
           </a:p>
@@ -6282,7 +4600,7 @@
           <a:p>
             <a:fld id="{AC251FBC-9AB2-BB49-991E-664235E19CEA}" type="datetime1">
               <a:rPr lang="en-US" smtClean="0"/>
-              <a:t>4/18/2018</a:t>
+              <a:t>4/27/18</a:t>
             </a:fld>
             <a:endParaRPr lang="en-US"/>
           </a:p>
@@ -6545,7 +4863,7 @@
           <a:p>
             <a:fld id="{6A751FA7-4794-DA42-853B-C4241AAC5612}" type="datetime1">
               <a:rPr lang="en-US" smtClean="0"/>
-              <a:t>4/18/2018</a:t>
+              <a:t>4/27/18</a:t>
             </a:fld>
             <a:endParaRPr lang="en-US"/>
           </a:p>
@@ -6808,7 +5126,7 @@
           <a:p>
             <a:fld id="{33C40266-45D1-FB49-AD08-011F68E95263}" type="datetime1">
               <a:rPr lang="en-US" smtClean="0"/>
-              <a:t>4/18/2018</a:t>
+              <a:t>4/27/18</a:t>
             </a:fld>
             <a:endParaRPr lang="en-US"/>
           </a:p>
@@ -7004,7 +5322,7 @@
           <a:p>
             <a:fld id="{1896BEC9-0581-CD4D-9F74-957C4C83218A}" type="datetime1">
               <a:rPr lang="en-US" smtClean="0"/>
-              <a:t>4/18/2018</a:t>
+              <a:t>4/27/18</a:t>
             </a:fld>
             <a:endParaRPr lang="en-US"/>
           </a:p>
@@ -7222,7 +5540,7 @@
           <a:p>
             <a:fld id="{8A9BBBE4-70BF-C646-AF20-24E9864F95F0}" type="datetime1">
               <a:rPr lang="en-US" smtClean="0"/>
-              <a:t>4/18/2018</a:t>
+              <a:t>4/27/18</a:t>
             </a:fld>
             <a:endParaRPr lang="en-US"/>
           </a:p>
@@ -7536,7 +5854,7 @@
           <a:p>
             <a:fld id="{F4B8FAAB-3D12-4D4B-9291-70FAF3497F92}" type="datetime1">
               <a:rPr lang="en-US" smtClean="0"/>
-              <a:t>4/18/2018</a:t>
+              <a:t>4/27/18</a:t>
             </a:fld>
             <a:endParaRPr lang="en-US"/>
           </a:p>
@@ -7989,7 +6307,7 @@
           <a:p>
             <a:fld id="{C23A78F9-9CCD-6B41-9B17-C01EDB57DF3B}" type="datetime1">
               <a:rPr lang="en-US" smtClean="0"/>
-              <a:t>4/18/2018</a:t>
+              <a:t>4/27/18</a:t>
             </a:fld>
             <a:endParaRPr lang="en-US"/>
           </a:p>
@@ -8133,7 +6451,7 @@
           <a:p>
             <a:fld id="{A1271DBA-65F7-ED46-AA2D-73FCF4DDAB1A}" type="datetime1">
               <a:rPr lang="en-US" smtClean="0"/>
-              <a:t>4/18/2018</a:t>
+              <a:t>4/27/18</a:t>
             </a:fld>
             <a:endParaRPr lang="en-US"/>
           </a:p>
@@ -8254,7 +6572,7 @@
           <a:p>
             <a:fld id="{92B7FC6A-204E-0142-8C2A-A1FAF5274476}" type="datetime1">
               <a:rPr lang="en-US" smtClean="0"/>
-              <a:t>4/18/2018</a:t>
+              <a:t>4/27/18</a:t>
             </a:fld>
             <a:endParaRPr lang="en-US"/>
           </a:p>
@@ -8557,7 +6875,7 @@
           <a:p>
             <a:fld id="{8910E254-4220-5F4A-96F5-8C4049BCBF5D}" type="datetime1">
               <a:rPr lang="en-US" smtClean="0"/>
-              <a:t>4/18/2018</a:t>
+              <a:t>4/27/18</a:t>
             </a:fld>
             <a:endParaRPr lang="en-US"/>
           </a:p>
@@ -8837,7 +7155,7 @@
           <a:p>
             <a:fld id="{D9E281D4-1B2B-5042-B1B4-6FB4E95B6D50}" type="datetime1">
               <a:rPr lang="en-US" smtClean="0"/>
-              <a:t>4/18/2018</a:t>
+              <a:t>4/27/18</a:t>
             </a:fld>
             <a:endParaRPr lang="en-US"/>
           </a:p>
@@ -8984,7 +7302,7 @@
               </a14:hiddenLine>
             </a:ext>
             <a:ext uri="{FAA26D3D-D897-4be2-8F04-BA451C77F1D7}">
-              <ma14:placeholderFlag xmlns:ma14="http://schemas.microsoft.com/office/mac/drawingml/2011/main" xmlns="" val="1"/>
+              <ma14:placeholderFlag xmlns:ma14="http://schemas.microsoft.com/office/mac/drawingml/2011/main" val="1"/>
             </a:ext>
           </a:extLst>
         </p:spPr>
@@ -9045,7 +7363,7 @@
               </a14:hiddenLine>
             </a:ext>
             <a:ext uri="{FAA26D3D-D897-4be2-8F04-BA451C77F1D7}">
-              <ma14:placeholderFlag xmlns:ma14="http://schemas.microsoft.com/office/mac/drawingml/2011/main" xmlns="" val="1"/>
+              <ma14:placeholderFlag xmlns:ma14="http://schemas.microsoft.com/office/mac/drawingml/2011/main" val="1"/>
             </a:ext>
           </a:extLst>
         </p:spPr>
@@ -9136,7 +7454,7 @@
           <a:p>
             <a:fld id="{32528A05-66BD-BF47-8D0A-191F159C9D2F}" type="datetime1">
               <a:rPr lang="en-US" smtClean="0"/>
-              <a:t>4/18/2018</a:t>
+              <a:t>4/27/18</a:t>
             </a:fld>
             <a:endParaRPr lang="en-US"/>
           </a:p>
@@ -10003,16 +8321,7 @@
                 </a:solidFill>
                 <a:latin typeface="Arial" charset="0"/>
               </a:rPr>
-              <a:t>20</a:t>
-            </a:r>
-            <a:r>
-              <a:rPr lang="en-US" b="1" dirty="0" smtClean="0">
-                <a:solidFill>
-                  <a:srgbClr val="0000FF"/>
-                </a:solidFill>
-                <a:latin typeface="Arial" charset="0"/>
-              </a:rPr>
-              <a:t>:</a:t>
+              <a:t>20:</a:t>
             </a:r>
             <a:endParaRPr lang="en-US" b="1" dirty="0">
               <a:solidFill>
@@ -10033,23 +8342,8 @@
               <a:rPr lang="en-US" dirty="0" smtClean="0">
                 <a:latin typeface="Arial" charset="0"/>
               </a:rPr>
-              <a:t>File </a:t>
-            </a:r>
-            <a:r>
-              <a:rPr lang="en-US" dirty="0" smtClean="0">
-                <a:latin typeface="Arial" charset="0"/>
-              </a:rPr>
-              <a:t>systems </a:t>
-            </a:r>
-            <a:r>
-              <a:rPr lang="en-US" dirty="0" smtClean="0">
-                <a:latin typeface="Arial" charset="0"/>
-              </a:rPr>
-              <a:t>(continued)</a:t>
-            </a:r>
-            <a:endParaRPr lang="en-US" dirty="0" smtClean="0">
-              <a:latin typeface="Arial" charset="0"/>
-            </a:endParaRPr>
+              <a:t>File systems (continued)</a:t>
+            </a:r>
           </a:p>
           <a:p>
             <a:pPr algn="ctr" eaLnBrk="1" hangingPunct="1">
@@ -10239,7 +8533,7 @@
           <a:p>
             <a:fld id="{7A7EF80E-A346-BB48-B53B-19A905E3F121}" type="datetime1">
               <a:rPr lang="en-US" smtClean="0"/>
-              <a:t>4/18/2018</a:t>
+              <a:t>4/27/18</a:t>
             </a:fld>
             <a:endParaRPr lang="en-US"/>
           </a:p>
@@ -10504,7 +8798,7 @@
           <a:p>
             <a:fld id="{8CAD8744-B9A8-4740-A6F2-96A86C5EAD9B}" type="datetime1">
               <a:rPr lang="en-US" smtClean="0"/>
-              <a:t>4/18/2018</a:t>
+              <a:t>4/27/18</a:t>
             </a:fld>
             <a:endParaRPr lang="en-US"/>
           </a:p>
@@ -10953,7 +9247,7 @@
           <a:p>
             <a:fld id="{AE902A17-50D2-504F-944D-F9E764A659B5}" type="datetime1">
               <a:rPr lang="en-US" smtClean="0"/>
-              <a:t>4/18/2018</a:t>
+              <a:t>4/27/18</a:t>
             </a:fld>
             <a:endParaRPr lang="en-US"/>
           </a:p>
@@ -11209,7 +9503,7 @@
           <a:p>
             <a:fld id="{C62049B4-23D1-7C46-AA6B-AF0A5009F122}" type="datetime1">
               <a:rPr lang="en-US" smtClean="0"/>
-              <a:t>4/18/2018</a:t>
+              <a:t>4/27/18</a:t>
             </a:fld>
             <a:endParaRPr lang="en-US"/>
           </a:p>
@@ -11597,7 +9891,7 @@
           <a:p>
             <a:fld id="{F14F95E1-E348-034D-8C15-14BED12D5C8C}" type="datetime1">
               <a:rPr lang="en-US" smtClean="0"/>
-              <a:t>4/18/2018</a:t>
+              <a:t>4/27/18</a:t>
             </a:fld>
             <a:endParaRPr lang="en-US"/>
           </a:p>
@@ -11964,7 +10258,7 @@
           <a:p>
             <a:fld id="{D98BB1B5-6C61-7546-AFD6-6A7043EA597E}" type="datetime1">
               <a:rPr lang="en-US" smtClean="0"/>
-              <a:t>4/18/2018</a:t>
+              <a:t>4/27/18</a:t>
             </a:fld>
             <a:endParaRPr lang="en-US"/>
           </a:p>
@@ -12514,7 +10808,7 @@
           <a:p>
             <a:fld id="{7CCAD158-F80C-9148-BDCC-3D1EA7550C7F}" type="datetime1">
               <a:rPr lang="en-US" smtClean="0"/>
-              <a:t>4/18/2018</a:t>
+              <a:t>4/27/18</a:t>
             </a:fld>
             <a:endParaRPr lang="en-US"/>
           </a:p>
@@ -12837,7 +11131,7 @@
           <a:p>
             <a:fld id="{CE46C276-3CB8-AA4B-927C-90EF7D9E2204}" type="datetime1">
               <a:rPr lang="en-US" smtClean="0"/>
-              <a:t>4/18/2018</a:t>
+              <a:t>4/27/18</a:t>
             </a:fld>
             <a:endParaRPr lang="en-US"/>
           </a:p>
@@ -13198,7 +11492,7 @@
           <a:p>
             <a:fld id="{7D8D19B8-678C-8E44-ABF6-4AE90F1E3017}" type="datetime1">
               <a:rPr lang="en-US" smtClean="0"/>
-              <a:t>4/18/2018</a:t>
+              <a:t>4/27/18</a:t>
             </a:fld>
             <a:endParaRPr lang="en-US"/>
           </a:p>
@@ -13286,9 +11580,9 @@
       </p:grpSpPr>
       <p:sp>
         <p:nvSpPr>
-          <p:cNvPr id="38914" name="Rectangle 2"/>
-          <p:cNvSpPr>
-            <a:spLocks noGrp="1" noChangeArrowheads="1"/>
+          <p:cNvPr id="25602" name="Title 1"/>
+          <p:cNvSpPr>
+            <a:spLocks noGrp="1"/>
           </p:cNvSpPr>
           <p:nvPr>
             <p:ph type="title"/>
@@ -13299,21 +11593,19 @@
           <a:bodyPr/>
           <a:lstStyle/>
           <a:p>
-            <a:pPr eaLnBrk="1" hangingPunct="1"/>
-            <a:r>
-              <a:rPr lang="en-US" dirty="0">
-                <a:ea typeface="MS PGothic" charset="0"/>
-              </a:rPr>
-              <a:t>File Sharing</a:t>
-            </a:r>
-          </a:p>
-        </p:txBody>
-      </p:sp>
-      <p:sp>
-        <p:nvSpPr>
-          <p:cNvPr id="38915" name="Rectangle 3"/>
-          <p:cNvSpPr>
-            <a:spLocks noGrp="1" noChangeArrowheads="1"/>
+            <a:r>
+              <a:rPr lang="en-US" smtClean="0"/>
+              <a:t>Final notes</a:t>
+            </a:r>
+            <a:endParaRPr lang="en-US"/>
+          </a:p>
+        </p:txBody>
+      </p:sp>
+      <p:sp>
+        <p:nvSpPr>
+          <p:cNvPr id="25603" name="Content Placeholder 2"/>
+          <p:cNvSpPr>
+            <a:spLocks noGrp="1"/>
           </p:cNvSpPr>
           <p:nvPr>
             <p:ph idx="1"/>
@@ -13322,145 +11614,77 @@
         <p:spPr/>
         <p:txBody>
           <a:bodyPr>
-            <a:normAutofit fontScale="85000" lnSpcReduction="10000"/>
+            <a:normAutofit/>
           </a:bodyPr>
           <a:lstStyle/>
           <a:p>
             <a:r>
-              <a:rPr lang="en-US" dirty="0">
-                <a:latin typeface="Helvetica" charset="0"/>
-                <a:ea typeface="MS PGothic" charset="0"/>
-              </a:rPr>
-              <a:t>Sharing of files on multi-user systems is desirable</a:t>
-            </a:r>
-          </a:p>
-          <a:p>
-            <a:r>
-              <a:rPr lang="en-US" dirty="0">
-                <a:latin typeface="Helvetica" charset="0"/>
-                <a:ea typeface="MS PGothic" charset="0"/>
-              </a:rPr>
-              <a:t>Sharing may be done through a </a:t>
-            </a:r>
-            <a:r>
-              <a:rPr lang="en-US" b="1" dirty="0">
-                <a:solidFill>
-                  <a:srgbClr val="3366FF"/>
-                </a:solidFill>
-                <a:latin typeface="Helvetica" charset="0"/>
-                <a:ea typeface="MS PGothic" charset="0"/>
-              </a:rPr>
-              <a:t>protection</a:t>
-            </a:r>
-            <a:r>
-              <a:rPr lang="en-US" dirty="0">
-                <a:latin typeface="Helvetica" charset="0"/>
-                <a:ea typeface="MS PGothic" charset="0"/>
-              </a:rPr>
-              <a:t> scheme</a:t>
-            </a:r>
-          </a:p>
-          <a:p>
-            <a:r>
-              <a:rPr lang="en-US" dirty="0">
-                <a:latin typeface="Helvetica" charset="0"/>
-                <a:ea typeface="MS PGothic" charset="0"/>
-              </a:rPr>
-              <a:t>On distributed systems, files may be shared across a network</a:t>
-            </a:r>
-          </a:p>
-          <a:p>
-            <a:r>
-              <a:rPr lang="en-US" dirty="0">
-                <a:latin typeface="Helvetica" charset="0"/>
-                <a:ea typeface="MS PGothic" charset="0"/>
-              </a:rPr>
-              <a:t>Network File System (NFS) is a common distributed file-sharing method</a:t>
-            </a:r>
-          </a:p>
-          <a:p>
-            <a:r>
-              <a:rPr lang="en-US" dirty="0">
-                <a:latin typeface="Helvetica" charset="0"/>
-                <a:ea typeface="MS PGothic" charset="0"/>
-              </a:rPr>
-              <a:t>If multi-user system</a:t>
+              <a:rPr lang="en-US" dirty="0" smtClean="0"/>
+              <a:t>Next </a:t>
+            </a:r>
+            <a:r>
+              <a:rPr lang="en-US" smtClean="0"/>
+              <a:t>time </a:t>
             </a:r>
           </a:p>
           <a:p>
             <a:pPr lvl="1"/>
             <a:r>
-              <a:rPr lang="en-US" b="1" dirty="0">
-                <a:solidFill>
-                  <a:srgbClr val="3366FF"/>
-                </a:solidFill>
-                <a:latin typeface="Helvetica" charset="0"/>
-                <a:ea typeface="MS PGothic" charset="0"/>
-              </a:rPr>
-              <a:t>User IDs </a:t>
-            </a:r>
-            <a:r>
-              <a:rPr lang="en-US" dirty="0">
-                <a:latin typeface="Helvetica" charset="0"/>
-                <a:ea typeface="MS PGothic" charset="0"/>
-              </a:rPr>
-              <a:t>identify users, allowing permissions and protections to be per-user</a:t>
-            </a:r>
-            <a:br>
-              <a:rPr lang="en-US" dirty="0">
-                <a:latin typeface="Helvetica" charset="0"/>
-                <a:ea typeface="MS PGothic" charset="0"/>
-              </a:rPr>
-            </a:br>
-            <a:r>
-              <a:rPr lang="en-US" b="1" dirty="0">
-                <a:solidFill>
-                  <a:srgbClr val="3366FF"/>
-                </a:solidFill>
-                <a:latin typeface="Helvetica" charset="0"/>
-                <a:ea typeface="MS PGothic" charset="0"/>
-              </a:rPr>
-              <a:t>Group IDs </a:t>
-            </a:r>
-            <a:r>
-              <a:rPr lang="en-US" dirty="0">
-                <a:latin typeface="Helvetica" charset="0"/>
-                <a:ea typeface="MS PGothic" charset="0"/>
-              </a:rPr>
-              <a:t>allow users to be in groups, permitting group access rights</a:t>
+              <a:rPr lang="en-US" smtClean="0"/>
+              <a:t>Continue </a:t>
+            </a:r>
+            <a:r>
+              <a:rPr lang="en-US" dirty="0" smtClean="0"/>
+              <a:t>file system discussion</a:t>
+            </a:r>
+          </a:p>
+          <a:p>
+            <a:pPr marL="0" indent="0">
+              <a:buNone/>
+            </a:pPr>
+            <a:endParaRPr lang="en-US" dirty="0" smtClean="0"/>
+          </a:p>
+          <a:p>
+            <a:r>
+              <a:rPr lang="en-US" dirty="0" smtClean="0"/>
+              <a:t>Reminders:</a:t>
             </a:r>
           </a:p>
           <a:p>
             <a:pPr lvl="1"/>
             <a:r>
-              <a:rPr lang="en-US" dirty="0">
-                <a:latin typeface="Helvetica" charset="0"/>
-                <a:ea typeface="MS PGothic" charset="0"/>
-              </a:rPr>
-              <a:t>Owner of a file / directory</a:t>
+              <a:rPr lang="en-US" dirty="0" smtClean="0"/>
+              <a:t>Program </a:t>
+            </a:r>
+            <a:r>
+              <a:rPr lang="en-US" dirty="0"/>
+              <a:t>3 </a:t>
+            </a:r>
+            <a:r>
+              <a:rPr lang="en-US" dirty="0" smtClean="0"/>
+              <a:t>due 4/18</a:t>
             </a:r>
           </a:p>
           <a:p>
             <a:pPr lvl="1"/>
             <a:r>
-              <a:rPr lang="en-US" dirty="0">
-                <a:latin typeface="Helvetica" charset="0"/>
-                <a:ea typeface="MS PGothic" charset="0"/>
-              </a:rPr>
-              <a:t>Group of a file / directory</a:t>
-            </a:r>
-          </a:p>
-          <a:p>
-            <a:endParaRPr lang="en-US" dirty="0">
-              <a:latin typeface="Helvetica" charset="0"/>
-              <a:ea typeface="MS PGothic" charset="0"/>
-            </a:endParaRPr>
-          </a:p>
-        </p:txBody>
-      </p:sp>
-      <p:sp>
-        <p:nvSpPr>
-          <p:cNvPr id="2" name="Date Placeholder 1"/>
+              <a:rPr lang="en-US" dirty="0"/>
+              <a:t>No lecture Monday, 4/16 (Patriots Day)</a:t>
+            </a:r>
+          </a:p>
+          <a:p>
+            <a:pPr lvl="1"/>
+            <a:endParaRPr lang="en-US" dirty="0"/>
+          </a:p>
+          <a:p>
+            <a:pPr lvl="1"/>
+            <a:endParaRPr lang="en-US" dirty="0"/>
+          </a:p>
+        </p:txBody>
+      </p:sp>
+      <p:sp>
+        <p:nvSpPr>
+          <p:cNvPr id="4" name="Date Placeholder 3"/>
           <p:cNvSpPr>
             <a:spLocks noGrp="1"/>
           </p:cNvSpPr>
@@ -13471,11 +11695,126 @@
         <p:spPr/>
         <p:txBody>
           <a:bodyPr/>
-          <a:lstStyle/>
-          <a:p>
-            <a:fld id="{7375B047-FA13-3447-AC05-DB4AD0CC5545}" type="datetime1">
+          <a:lstStyle>
+            <a:lvl1pPr eaLnBrk="0" hangingPunct="0">
+              <a:defRPr>
+                <a:solidFill>
+                  <a:schemeClr val="tx1"/>
+                </a:solidFill>
+                <a:latin typeface="Arial" charset="0"/>
+                <a:ea typeface="ＭＳ Ｐゴシック" charset="0"/>
+                <a:cs typeface="Arial" charset="0"/>
+              </a:defRPr>
+            </a:lvl1pPr>
+            <a:lvl2pPr marL="742950" indent="-285750" eaLnBrk="0" hangingPunct="0">
+              <a:defRPr>
+                <a:solidFill>
+                  <a:schemeClr val="tx1"/>
+                </a:solidFill>
+                <a:latin typeface="Arial" charset="0"/>
+                <a:ea typeface="Arial" charset="0"/>
+                <a:cs typeface="Arial" charset="0"/>
+              </a:defRPr>
+            </a:lvl2pPr>
+            <a:lvl3pPr marL="1143000" indent="-228600" eaLnBrk="0" hangingPunct="0">
+              <a:defRPr>
+                <a:solidFill>
+                  <a:schemeClr val="tx1"/>
+                </a:solidFill>
+                <a:latin typeface="Arial" charset="0"/>
+                <a:ea typeface="Arial" charset="0"/>
+                <a:cs typeface="Arial" charset="0"/>
+              </a:defRPr>
+            </a:lvl3pPr>
+            <a:lvl4pPr marL="1600200" indent="-228600" eaLnBrk="0" hangingPunct="0">
+              <a:defRPr>
+                <a:solidFill>
+                  <a:schemeClr val="tx1"/>
+                </a:solidFill>
+                <a:latin typeface="Arial" charset="0"/>
+                <a:ea typeface="Arial" charset="0"/>
+                <a:cs typeface="Arial" charset="0"/>
+              </a:defRPr>
+            </a:lvl4pPr>
+            <a:lvl5pPr marL="2057400" indent="-228600" eaLnBrk="0" hangingPunct="0">
+              <a:defRPr>
+                <a:solidFill>
+                  <a:schemeClr val="tx1"/>
+                </a:solidFill>
+                <a:latin typeface="Arial" charset="0"/>
+                <a:ea typeface="Arial" charset="0"/>
+                <a:cs typeface="Arial" charset="0"/>
+              </a:defRPr>
+            </a:lvl5pPr>
+            <a:lvl6pPr marL="2514600" indent="-228600" eaLnBrk="0" fontAlgn="base" hangingPunct="0">
+              <a:spcBef>
+                <a:spcPct val="0"/>
+              </a:spcBef>
+              <a:spcAft>
+                <a:spcPct val="0"/>
+              </a:spcAft>
+              <a:defRPr>
+                <a:solidFill>
+                  <a:schemeClr val="tx1"/>
+                </a:solidFill>
+                <a:latin typeface="Arial" charset="0"/>
+                <a:ea typeface="Arial" charset="0"/>
+                <a:cs typeface="Arial" charset="0"/>
+              </a:defRPr>
+            </a:lvl6pPr>
+            <a:lvl7pPr marL="2971800" indent="-228600" eaLnBrk="0" fontAlgn="base" hangingPunct="0">
+              <a:spcBef>
+                <a:spcPct val="0"/>
+              </a:spcBef>
+              <a:spcAft>
+                <a:spcPct val="0"/>
+              </a:spcAft>
+              <a:defRPr>
+                <a:solidFill>
+                  <a:schemeClr val="tx1"/>
+                </a:solidFill>
+                <a:latin typeface="Arial" charset="0"/>
+                <a:ea typeface="Arial" charset="0"/>
+                <a:cs typeface="Arial" charset="0"/>
+              </a:defRPr>
+            </a:lvl7pPr>
+            <a:lvl8pPr marL="3429000" indent="-228600" eaLnBrk="0" fontAlgn="base" hangingPunct="0">
+              <a:spcBef>
+                <a:spcPct val="0"/>
+              </a:spcBef>
+              <a:spcAft>
+                <a:spcPct val="0"/>
+              </a:spcAft>
+              <a:defRPr>
+                <a:solidFill>
+                  <a:schemeClr val="tx1"/>
+                </a:solidFill>
+                <a:latin typeface="Arial" charset="0"/>
+                <a:ea typeface="Arial" charset="0"/>
+                <a:cs typeface="Arial" charset="0"/>
+              </a:defRPr>
+            </a:lvl8pPr>
+            <a:lvl9pPr marL="3886200" indent="-228600" eaLnBrk="0" fontAlgn="base" hangingPunct="0">
+              <a:spcBef>
+                <a:spcPct val="0"/>
+              </a:spcBef>
+              <a:spcAft>
+                <a:spcPct val="0"/>
+              </a:spcAft>
+              <a:defRPr>
+                <a:solidFill>
+                  <a:schemeClr val="tx1"/>
+                </a:solidFill>
+                <a:latin typeface="Arial" charset="0"/>
+                <a:ea typeface="Arial" charset="0"/>
+                <a:cs typeface="Arial" charset="0"/>
+              </a:defRPr>
+            </a:lvl9pPr>
+          </a:lstStyle>
+          <a:p>
+            <a:fld id="{CA077339-8834-1548-8125-0C7968980E9D}" type="datetime1">
               <a:rPr lang="en-US" smtClean="0"/>
-              <a:t>4/18/2018</a:t>
+              <a:t>4/27/18</a:t>
             </a:fld>
             <a:endParaRPr lang="en-US"/>
           </a:p>
@@ -13483,7 +11822,7 @@
       </p:sp>
       <p:sp>
         <p:nvSpPr>
-          <p:cNvPr id="3" name="Footer Placeholder 2"/>
+          <p:cNvPr id="5" name="Footer Placeholder 4"/>
           <p:cNvSpPr>
             <a:spLocks noGrp="1"/>
           </p:cNvSpPr>
@@ -13496,12 +11835,9 @@
           <a:bodyPr/>
           <a:lstStyle/>
           <a:p>
-            <a:pPr>
-              <a:defRPr/>
-            </a:pPr>
             <a:r>
               <a:rPr lang="en-US" altLang="en-US" smtClean="0"/>
-              <a:t>Operating Systems: Lecture 15</a:t>
+              <a:t>Operating Systems: Lecture 19</a:t>
             </a:r>
             <a:endParaRPr lang="en-US" altLang="en-US"/>
           </a:p>
@@ -13509,7 +11845,7 @@
       </p:sp>
       <p:sp>
         <p:nvSpPr>
-          <p:cNvPr id="4" name="Slide Number Placeholder 3"/>
+          <p:cNvPr id="6" name="Slide Number Placeholder 5"/>
           <p:cNvSpPr>
             <a:spLocks noGrp="1"/>
           </p:cNvSpPr>
@@ -13520,9 +11856,124 @@
         <p:spPr/>
         <p:txBody>
           <a:bodyPr/>
-          <a:lstStyle/>
-          <a:p>
-            <a:fld id="{2907D84A-D9E1-964C-B1EF-5C5C24A64F29}" type="slidenum">
+          <a:lstStyle>
+            <a:lvl1pPr eaLnBrk="0" hangingPunct="0">
+              <a:defRPr>
+                <a:solidFill>
+                  <a:schemeClr val="tx1"/>
+                </a:solidFill>
+                <a:latin typeface="Arial" charset="0"/>
+                <a:ea typeface="ＭＳ Ｐゴシック" charset="0"/>
+                <a:cs typeface="Arial" charset="0"/>
+              </a:defRPr>
+            </a:lvl1pPr>
+            <a:lvl2pPr marL="742950" indent="-285750" eaLnBrk="0" hangingPunct="0">
+              <a:defRPr>
+                <a:solidFill>
+                  <a:schemeClr val="tx1"/>
+                </a:solidFill>
+                <a:latin typeface="Arial" charset="0"/>
+                <a:ea typeface="Arial" charset="0"/>
+                <a:cs typeface="Arial" charset="0"/>
+              </a:defRPr>
+            </a:lvl2pPr>
+            <a:lvl3pPr marL="1143000" indent="-228600" eaLnBrk="0" hangingPunct="0">
+              <a:defRPr>
+                <a:solidFill>
+                  <a:schemeClr val="tx1"/>
+                </a:solidFill>
+                <a:latin typeface="Arial" charset="0"/>
+                <a:ea typeface="Arial" charset="0"/>
+                <a:cs typeface="Arial" charset="0"/>
+              </a:defRPr>
+            </a:lvl3pPr>
+            <a:lvl4pPr marL="1600200" indent="-228600" eaLnBrk="0" hangingPunct="0">
+              <a:defRPr>
+                <a:solidFill>
+                  <a:schemeClr val="tx1"/>
+                </a:solidFill>
+                <a:latin typeface="Arial" charset="0"/>
+                <a:ea typeface="Arial" charset="0"/>
+                <a:cs typeface="Arial" charset="0"/>
+              </a:defRPr>
+            </a:lvl4pPr>
+            <a:lvl5pPr marL="2057400" indent="-228600" eaLnBrk="0" hangingPunct="0">
+              <a:defRPr>
+                <a:solidFill>
+                  <a:schemeClr val="tx1"/>
+                </a:solidFill>
+                <a:latin typeface="Arial" charset="0"/>
+                <a:ea typeface="Arial" charset="0"/>
+                <a:cs typeface="Arial" charset="0"/>
+              </a:defRPr>
+            </a:lvl5pPr>
+            <a:lvl6pPr marL="2514600" indent="-228600" eaLnBrk="0" fontAlgn="base" hangingPunct="0">
+              <a:spcBef>
+                <a:spcPct val="0"/>
+              </a:spcBef>
+              <a:spcAft>
+                <a:spcPct val="0"/>
+              </a:spcAft>
+              <a:defRPr>
+                <a:solidFill>
+                  <a:schemeClr val="tx1"/>
+                </a:solidFill>
+                <a:latin typeface="Arial" charset="0"/>
+                <a:ea typeface="Arial" charset="0"/>
+                <a:cs typeface="Arial" charset="0"/>
+              </a:defRPr>
+            </a:lvl6pPr>
+            <a:lvl7pPr marL="2971800" indent="-228600" eaLnBrk="0" fontAlgn="base" hangingPunct="0">
+              <a:spcBef>
+                <a:spcPct val="0"/>
+              </a:spcBef>
+              <a:spcAft>
+                <a:spcPct val="0"/>
+              </a:spcAft>
+              <a:defRPr>
+                <a:solidFill>
+                  <a:schemeClr val="tx1"/>
+                </a:solidFill>
+                <a:latin typeface="Arial" charset="0"/>
+                <a:ea typeface="Arial" charset="0"/>
+                <a:cs typeface="Arial" charset="0"/>
+              </a:defRPr>
+            </a:lvl7pPr>
+            <a:lvl8pPr marL="3429000" indent="-228600" eaLnBrk="0" fontAlgn="base" hangingPunct="0">
+              <a:spcBef>
+                <a:spcPct val="0"/>
+              </a:spcBef>
+              <a:spcAft>
+                <a:spcPct val="0"/>
+              </a:spcAft>
+              <a:defRPr>
+                <a:solidFill>
+                  <a:schemeClr val="tx1"/>
+                </a:solidFill>
+                <a:latin typeface="Arial" charset="0"/>
+                <a:ea typeface="Arial" charset="0"/>
+                <a:cs typeface="Arial" charset="0"/>
+              </a:defRPr>
+            </a:lvl8pPr>
+            <a:lvl9pPr marL="3886200" indent="-228600" eaLnBrk="0" fontAlgn="base" hangingPunct="0">
+              <a:spcBef>
+                <a:spcPct val="0"/>
+              </a:spcBef>
+              <a:spcAft>
+                <a:spcPct val="0"/>
+              </a:spcAft>
+              <a:defRPr>
+                <a:solidFill>
+                  <a:schemeClr val="tx1"/>
+                </a:solidFill>
+                <a:latin typeface="Arial" charset="0"/>
+                <a:ea typeface="Arial" charset="0"/>
+                <a:cs typeface="Arial" charset="0"/>
+              </a:defRPr>
+            </a:lvl9pPr>
+          </a:lstStyle>
+          <a:p>
+            <a:fld id="{654581FB-8797-014C-8491-7A0C59EBED1B}" type="slidenum">
               <a:rPr lang="en-US" smtClean="0"/>
               <a:pPr/>
               <a:t>19</a:t>
@@ -13534,13 +11985,20 @@
     </p:spTree>
     <p:extLst>
       <p:ext uri="{BB962C8B-B14F-4D97-AF65-F5344CB8AC3E}">
-        <p14:creationId xmlns:p14="http://schemas.microsoft.com/office/powerpoint/2010/main" val="2271523252"/>
+        <p14:creationId xmlns:p14="http://schemas.microsoft.com/office/powerpoint/2010/main" val="3826228519"/>
       </p:ext>
     </p:extLst>
   </p:cSld>
   <p:clrMapOvr>
     <a:masterClrMapping/>
   </p:clrMapOvr>
+  <p:timing>
+    <p:tnLst>
+      <p:par>
+        <p:cTn id="1" dur="indefinite" restart="never" nodeType="tmRoot"/>
+      </p:par>
+    </p:tnLst>
+  </p:timing>
 </p:sld>
 </file>
 
@@ -13641,11 +12099,7 @@
             <a:pPr lvl="1"/>
             <a:r>
               <a:rPr lang="en-US" dirty="0" smtClean="0"/>
-              <a:t>Review: File system </a:t>
-            </a:r>
-            <a:r>
-              <a:rPr lang="en-US" dirty="0" smtClean="0"/>
-              <a:t>basics</a:t>
+              <a:t>Review: File system basics</a:t>
             </a:r>
           </a:p>
           <a:p>
@@ -13804,7 +12258,7 @@
               <a:rPr lang="en-US" smtClean="0">
                 <a:latin typeface="Garamond"/>
               </a:rPr>
-              <a:t>4/18/2018</a:t>
+              <a:t>4/27/18</a:t>
             </a:fld>
             <a:endParaRPr lang="en-US" dirty="0">
               <a:latin typeface="Garamond"/>
@@ -14015,9 +12469,9 @@
       </p:grpSpPr>
       <p:sp>
         <p:nvSpPr>
-          <p:cNvPr id="39938" name="Rectangle 2"/>
-          <p:cNvSpPr>
-            <a:spLocks noGrp="1" noChangeArrowheads="1"/>
+          <p:cNvPr id="2" name="Title 1"/>
+          <p:cNvSpPr>
+            <a:spLocks noGrp="1"/>
           </p:cNvSpPr>
           <p:nvPr>
             <p:ph type="title"/>
@@ -14025,26 +12479,22 @@
         </p:nvSpPr>
         <p:spPr/>
         <p:txBody>
-          <a:bodyPr>
-            <a:normAutofit fontScale="90000"/>
-          </a:bodyPr>
+          <a:bodyPr/>
           <a:lstStyle/>
           <a:p>
-            <a:pPr eaLnBrk="1" hangingPunct="1"/>
-            <a:r>
-              <a:rPr lang="en-US" dirty="0">
-                <a:ea typeface="MS PGothic" charset="0"/>
-              </a:rPr>
-              <a:t>File Sharing – Remote File Systems</a:t>
-            </a:r>
-          </a:p>
-        </p:txBody>
-      </p:sp>
-      <p:sp>
-        <p:nvSpPr>
-          <p:cNvPr id="39939" name="Rectangle 3"/>
-          <p:cNvSpPr>
-            <a:spLocks noGrp="1" noChangeArrowheads="1"/>
+            <a:r>
+              <a:rPr lang="en-US" dirty="0" smtClean="0"/>
+              <a:t>Acknowledgements</a:t>
+            </a:r>
+            <a:endParaRPr lang="en-US" dirty="0"/>
+          </a:p>
+        </p:txBody>
+      </p:sp>
+      <p:sp>
+        <p:nvSpPr>
+          <p:cNvPr id="3" name="Content Placeholder 2"/>
+          <p:cNvSpPr>
+            <a:spLocks noGrp="1"/>
           </p:cNvSpPr>
           <p:nvPr>
             <p:ph idx="1"/>
@@ -14052,213 +12502,93 @@
         </p:nvSpPr>
         <p:spPr/>
         <p:txBody>
-          <a:bodyPr>
-            <a:normAutofit fontScale="70000" lnSpcReduction="20000"/>
-          </a:bodyPr>
+          <a:bodyPr/>
           <a:lstStyle/>
           <a:p>
             <a:r>
-              <a:rPr lang="en-US" dirty="0">
-                <a:latin typeface="Helvetica" charset="0"/>
-                <a:ea typeface="MS PGothic" charset="0"/>
-              </a:rPr>
-              <a:t>Uses networking to allow file system access between systems</a:t>
+              <a:rPr lang="en-US" dirty="0" smtClean="0"/>
+              <a:t>These slides are adapted from the following sources:</a:t>
             </a:r>
           </a:p>
           <a:p>
             <a:pPr lvl="1"/>
             <a:r>
-              <a:rPr lang="en-US" dirty="0">
-                <a:latin typeface="Helvetica" charset="0"/>
-                <a:ea typeface="MS PGothic" charset="0"/>
-              </a:rPr>
-              <a:t>Manually via programs like FTP</a:t>
+              <a:rPr lang="en-US" dirty="0" err="1" smtClean="0"/>
+              <a:t>Silberschatz</a:t>
+            </a:r>
+            <a:r>
+              <a:rPr lang="en-US" dirty="0" smtClean="0"/>
+              <a:t>, Galvin, &amp; Gagne, </a:t>
+            </a:r>
+            <a:r>
+              <a:rPr lang="en-US" i="1" dirty="0" smtClean="0"/>
+              <a:t>Operating Systems Concepts</a:t>
+            </a:r>
+            <a:r>
+              <a:rPr lang="en-US" dirty="0" smtClean="0"/>
+              <a:t>, 9</a:t>
+            </a:r>
+            <a:r>
+              <a:rPr lang="en-US" baseline="30000" dirty="0" smtClean="0"/>
+              <a:t>th</a:t>
+            </a:r>
+            <a:r>
+              <a:rPr lang="en-US" dirty="0" smtClean="0"/>
+              <a:t> edition</a:t>
             </a:r>
           </a:p>
           <a:p>
             <a:pPr lvl="1"/>
             <a:r>
-              <a:rPr lang="en-US" dirty="0">
-                <a:latin typeface="Helvetica" charset="0"/>
-                <a:ea typeface="MS PGothic" charset="0"/>
-              </a:rPr>
-              <a:t>Automatically, seamlessly using </a:t>
-            </a:r>
-            <a:r>
-              <a:rPr lang="en-US" b="1" dirty="0">
-                <a:solidFill>
-                  <a:srgbClr val="3366FF"/>
-                </a:solidFill>
-                <a:latin typeface="Helvetica" charset="0"/>
-                <a:ea typeface="MS PGothic" charset="0"/>
-              </a:rPr>
-              <a:t>distributed file systems</a:t>
+              <a:rPr lang="en-US" dirty="0" smtClean="0"/>
+              <a:t>Anderson &amp; </a:t>
+            </a:r>
+            <a:r>
+              <a:rPr lang="en-US" dirty="0" err="1" smtClean="0"/>
+              <a:t>Dahlin</a:t>
+            </a:r>
+            <a:r>
+              <a:rPr lang="en-US" dirty="0" smtClean="0"/>
+              <a:t>, </a:t>
+            </a:r>
+            <a:r>
+              <a:rPr lang="en-US" i="1" dirty="0" smtClean="0"/>
+              <a:t>Operating Systems: Principles and Practice</a:t>
+            </a:r>
+            <a:r>
+              <a:rPr lang="en-US" dirty="0" smtClean="0"/>
+              <a:t>, 2</a:t>
+            </a:r>
+            <a:r>
+              <a:rPr lang="en-US" baseline="30000" dirty="0" smtClean="0"/>
+              <a:t>nd</a:t>
+            </a:r>
+            <a:r>
+              <a:rPr lang="en-US" dirty="0" smtClean="0"/>
+              <a:t> edition</a:t>
             </a:r>
           </a:p>
           <a:p>
             <a:pPr lvl="1"/>
             <a:r>
-              <a:rPr lang="en-US" dirty="0">
-                <a:latin typeface="Helvetica" charset="0"/>
-                <a:ea typeface="MS PGothic" charset="0"/>
-              </a:rPr>
-              <a:t>Semi automatically via the</a:t>
-            </a:r>
-            <a:r>
-              <a:rPr lang="en-US" b="1" dirty="0">
-                <a:solidFill>
-                  <a:schemeClr val="tx2"/>
-                </a:solidFill>
-                <a:latin typeface="Helvetica" charset="0"/>
-                <a:ea typeface="MS PGothic" charset="0"/>
-              </a:rPr>
-              <a:t> </a:t>
-            </a:r>
-            <a:r>
-              <a:rPr lang="en-US" b="1" dirty="0">
-                <a:solidFill>
-                  <a:srgbClr val="3366FF"/>
-                </a:solidFill>
-                <a:latin typeface="Helvetica" charset="0"/>
-                <a:ea typeface="MS PGothic" charset="0"/>
-              </a:rPr>
-              <a:t>world wide web</a:t>
-            </a:r>
-          </a:p>
-          <a:p>
-            <a:r>
-              <a:rPr lang="en-US" b="1" dirty="0">
-                <a:solidFill>
-                  <a:srgbClr val="3366FF"/>
-                </a:solidFill>
-                <a:latin typeface="Helvetica" charset="0"/>
-                <a:ea typeface="MS PGothic" charset="0"/>
-              </a:rPr>
-              <a:t>Client-server </a:t>
-            </a:r>
-            <a:r>
-              <a:rPr lang="en-US" dirty="0">
-                <a:latin typeface="Helvetica" charset="0"/>
-                <a:ea typeface="MS PGothic" charset="0"/>
-              </a:rPr>
-              <a:t>model allows clients to mount remote file systems from servers</a:t>
-            </a:r>
-          </a:p>
-          <a:p>
-            <a:pPr lvl="1"/>
-            <a:r>
-              <a:rPr lang="en-US" dirty="0">
-                <a:latin typeface="Helvetica" charset="0"/>
-                <a:ea typeface="MS PGothic" charset="0"/>
-              </a:rPr>
-              <a:t>Server can serve multiple clients</a:t>
-            </a:r>
-          </a:p>
-          <a:p>
-            <a:pPr lvl="1"/>
-            <a:r>
-              <a:rPr lang="en-US" dirty="0">
-                <a:latin typeface="Helvetica" charset="0"/>
-                <a:ea typeface="MS PGothic" charset="0"/>
-              </a:rPr>
-              <a:t>Client and user-on-client identification is insecure or complicated</a:t>
-            </a:r>
-          </a:p>
-          <a:p>
-            <a:pPr lvl="1"/>
-            <a:r>
-              <a:rPr lang="en-US" b="1" dirty="0">
-                <a:solidFill>
-                  <a:srgbClr val="3366FF"/>
-                </a:solidFill>
-                <a:latin typeface="Helvetica" charset="0"/>
-                <a:ea typeface="MS PGothic" charset="0"/>
-              </a:rPr>
-              <a:t>NFS</a:t>
-            </a:r>
-            <a:r>
-              <a:rPr lang="en-US" dirty="0">
-                <a:latin typeface="Helvetica" charset="0"/>
-                <a:ea typeface="MS PGothic" charset="0"/>
-              </a:rPr>
-              <a:t> is standard UNIX client-server file sharing protocol</a:t>
-            </a:r>
-          </a:p>
-          <a:p>
-            <a:pPr lvl="1"/>
-            <a:r>
-              <a:rPr lang="en-US" b="1" dirty="0">
-                <a:solidFill>
-                  <a:srgbClr val="3366FF"/>
-                </a:solidFill>
-                <a:latin typeface="Helvetica" charset="0"/>
-                <a:ea typeface="MS PGothic" charset="0"/>
-              </a:rPr>
-              <a:t>CIFS</a:t>
-            </a:r>
-            <a:r>
-              <a:rPr lang="en-US" dirty="0">
-                <a:latin typeface="Helvetica" charset="0"/>
-                <a:ea typeface="MS PGothic" charset="0"/>
-              </a:rPr>
-              <a:t> is standard Windows protocol</a:t>
-            </a:r>
-          </a:p>
-          <a:p>
-            <a:pPr lvl="1"/>
-            <a:r>
-              <a:rPr lang="en-US" dirty="0">
-                <a:latin typeface="Helvetica" charset="0"/>
-                <a:ea typeface="MS PGothic" charset="0"/>
-              </a:rPr>
-              <a:t>Standard operating system file calls are translated into remote calls</a:t>
-            </a:r>
-          </a:p>
-          <a:p>
-            <a:r>
-              <a:rPr lang="en-US" dirty="0">
-                <a:latin typeface="Helvetica" charset="0"/>
-                <a:ea typeface="MS PGothic" charset="0"/>
-              </a:rPr>
-              <a:t>Distributed Information Systems </a:t>
-            </a:r>
-            <a:r>
-              <a:rPr lang="en-US" b="1" dirty="0">
-                <a:latin typeface="Helvetica" charset="0"/>
-                <a:ea typeface="MS PGothic" charset="0"/>
-              </a:rPr>
-              <a:t>(</a:t>
-            </a:r>
-            <a:r>
-              <a:rPr lang="en-US" b="1" dirty="0">
-                <a:solidFill>
-                  <a:srgbClr val="3366FF"/>
-                </a:solidFill>
-                <a:latin typeface="Helvetica" charset="0"/>
-                <a:ea typeface="MS PGothic" charset="0"/>
-              </a:rPr>
-              <a:t>distributed naming services</a:t>
-            </a:r>
-            <a:r>
-              <a:rPr lang="en-US" b="1" dirty="0">
-                <a:latin typeface="Helvetica" charset="0"/>
-                <a:ea typeface="MS PGothic" charset="0"/>
-              </a:rPr>
-              <a:t>)</a:t>
-            </a:r>
-            <a:r>
-              <a:rPr lang="en-US" dirty="0">
-                <a:latin typeface="Helvetica" charset="0"/>
-                <a:ea typeface="MS PGothic" charset="0"/>
-              </a:rPr>
-              <a:t> such as LDAP, DNS, NIS, Active Directory implement unified access to information needed for remote computing</a:t>
-            </a:r>
-          </a:p>
-        </p:txBody>
-      </p:sp>
-      <p:sp>
-        <p:nvSpPr>
-          <p:cNvPr id="2" name="Date Placeholder 1"/>
+              <a:rPr lang="en-US" dirty="0" smtClean="0"/>
+              <a:t>Chen &amp; </a:t>
+            </a:r>
+            <a:r>
+              <a:rPr lang="en-US" dirty="0" err="1" smtClean="0"/>
+              <a:t>Madhyastha</a:t>
+            </a:r>
+            <a:r>
+              <a:rPr lang="en-US" dirty="0" smtClean="0"/>
+              <a:t>, EECS 482 lecture notes, University of Michigan, Fall 2016</a:t>
+            </a:r>
+            <a:endParaRPr lang="en-US" dirty="0"/>
+          </a:p>
+        </p:txBody>
+      </p:sp>
+      <p:sp>
+        <p:nvSpPr>
+          <p:cNvPr id="4" name="Date Placeholder 3"/>
           <p:cNvSpPr>
             <a:spLocks noGrp="1"/>
           </p:cNvSpPr>
@@ -14271,9 +12601,9 @@
           <a:bodyPr/>
           <a:lstStyle/>
           <a:p>
-            <a:fld id="{3AF178ED-379F-FA42-8109-B059BBD277FA}" type="datetime1">
+            <a:fld id="{A8865017-FD36-7844-8DAE-2BF5F465A5B0}" type="datetime1">
               <a:rPr lang="en-US" smtClean="0"/>
-              <a:t>4/18/2018</a:t>
+              <a:t>4/27/18</a:t>
             </a:fld>
             <a:endParaRPr lang="en-US"/>
           </a:p>
@@ -14281,7 +12611,7 @@
       </p:sp>
       <p:sp>
         <p:nvSpPr>
-          <p:cNvPr id="3" name="Footer Placeholder 2"/>
+          <p:cNvPr id="5" name="Footer Placeholder 4"/>
           <p:cNvSpPr>
             <a:spLocks noGrp="1"/>
           </p:cNvSpPr>
@@ -14299,7 +12629,7 @@
             </a:pPr>
             <a:r>
               <a:rPr lang="en-US" altLang="en-US" smtClean="0"/>
-              <a:t>Operating Systems: Lecture 15</a:t>
+              <a:t>Operating Systems: Lecture 19</a:t>
             </a:r>
             <a:endParaRPr lang="en-US" altLang="en-US"/>
           </a:p>
@@ -14307,7 +12637,7 @@
       </p:sp>
       <p:sp>
         <p:nvSpPr>
-          <p:cNvPr id="4" name="Slide Number Placeholder 3"/>
+          <p:cNvPr id="6" name="Slide Number Placeholder 5"/>
           <p:cNvSpPr>
             <a:spLocks noGrp="1"/>
           </p:cNvSpPr>
@@ -14324,2458 +12654,6 @@
               <a:rPr lang="en-US" smtClean="0"/>
               <a:pPr/>
               <a:t>20</a:t>
-            </a:fld>
-            <a:endParaRPr lang="en-US"/>
-          </a:p>
-        </p:txBody>
-      </p:sp>
-    </p:spTree>
-    <p:extLst>
-      <p:ext uri="{BB962C8B-B14F-4D97-AF65-F5344CB8AC3E}">
-        <p14:creationId xmlns:p14="http://schemas.microsoft.com/office/powerpoint/2010/main" val="1828023965"/>
-      </p:ext>
-    </p:extLst>
-  </p:cSld>
-  <p:clrMapOvr>
-    <a:masterClrMapping/>
-  </p:clrMapOvr>
-</p:sld>
-</file>
-
-<file path=ppt/slides/slide21.xml><?xml version="1.0" encoding="utf-8"?>
-<p:sld xmlns:a="http://schemas.openxmlformats.org/drawingml/2006/main" xmlns:r="http://schemas.openxmlformats.org/officeDocument/2006/relationships" xmlns:p="http://schemas.openxmlformats.org/presentationml/2006/main">
-  <p:cSld>
-    <p:spTree>
-      <p:nvGrpSpPr>
-        <p:cNvPr id="1" name=""/>
-        <p:cNvGrpSpPr/>
-        <p:nvPr/>
-      </p:nvGrpSpPr>
-      <p:grpSpPr>
-        <a:xfrm>
-          <a:off x="0" y="0"/>
-          <a:ext cx="0" cy="0"/>
-          <a:chOff x="0" y="0"/>
-          <a:chExt cx="0" cy="0"/>
-        </a:xfrm>
-      </p:grpSpPr>
-      <p:sp>
-        <p:nvSpPr>
-          <p:cNvPr id="41986" name="Rectangle 2"/>
-          <p:cNvSpPr>
-            <a:spLocks noGrp="1" noChangeArrowheads="1"/>
-          </p:cNvSpPr>
-          <p:nvPr>
-            <p:ph type="title"/>
-          </p:nvPr>
-        </p:nvSpPr>
-        <p:spPr/>
-        <p:txBody>
-          <a:bodyPr/>
-          <a:lstStyle/>
-          <a:p>
-            <a:pPr eaLnBrk="1" hangingPunct="1"/>
-            <a:r>
-              <a:rPr lang="en-US" dirty="0">
-                <a:latin typeface="Garamond"/>
-                <a:ea typeface="MS PGothic" charset="0"/>
-                <a:cs typeface="Garamond"/>
-              </a:rPr>
-              <a:t>File Sharing – Consistency Semantics</a:t>
-            </a:r>
-          </a:p>
-        </p:txBody>
-      </p:sp>
-      <p:sp>
-        <p:nvSpPr>
-          <p:cNvPr id="41987" name="Rectangle 3"/>
-          <p:cNvSpPr>
-            <a:spLocks noGrp="1" noChangeArrowheads="1"/>
-          </p:cNvSpPr>
-          <p:nvPr>
-            <p:ph idx="1"/>
-          </p:nvPr>
-        </p:nvSpPr>
-        <p:spPr/>
-        <p:txBody>
-          <a:bodyPr>
-            <a:normAutofit fontScale="92500" lnSpcReduction="10000"/>
-          </a:bodyPr>
-          <a:lstStyle/>
-          <a:p>
-            <a:r>
-              <a:rPr lang="en-US" dirty="0">
-                <a:latin typeface="Helvetica" charset="0"/>
-                <a:ea typeface="MS PGothic" charset="0"/>
-              </a:rPr>
-              <a:t>Specify how multiple users are to access a shared file simultaneously</a:t>
-            </a:r>
-          </a:p>
-          <a:p>
-            <a:pPr lvl="1"/>
-            <a:r>
-              <a:rPr lang="en-US" dirty="0">
-                <a:latin typeface="Helvetica" charset="0"/>
-                <a:ea typeface="MS PGothic" charset="0"/>
-              </a:rPr>
-              <a:t>Similar to </a:t>
-            </a:r>
-            <a:r>
-              <a:rPr lang="en-US" dirty="0" smtClean="0">
-                <a:latin typeface="Helvetica" charset="0"/>
-                <a:ea typeface="MS PGothic" charset="0"/>
-              </a:rPr>
-              <a:t>process </a:t>
-            </a:r>
-            <a:r>
-              <a:rPr lang="en-US" dirty="0">
-                <a:latin typeface="Helvetica" charset="0"/>
-                <a:ea typeface="MS PGothic" charset="0"/>
-              </a:rPr>
-              <a:t>synchronization algorithms</a:t>
-            </a:r>
-          </a:p>
-          <a:p>
-            <a:pPr lvl="2"/>
-            <a:r>
-              <a:rPr lang="en-US" dirty="0">
-                <a:latin typeface="Helvetica" charset="0"/>
-                <a:ea typeface="MS PGothic" charset="0"/>
-              </a:rPr>
-              <a:t>Tend to be less complex due to disk I/O and network latency (for remote file systems</a:t>
-            </a:r>
-          </a:p>
-          <a:p>
-            <a:pPr lvl="1"/>
-            <a:r>
-              <a:rPr lang="en-US" dirty="0">
-                <a:latin typeface="Helvetica" charset="0"/>
-                <a:ea typeface="MS PGothic" charset="0"/>
-              </a:rPr>
-              <a:t>Andrew File System (AFS) implemented complex remote file sharing semantics</a:t>
-            </a:r>
-          </a:p>
-          <a:p>
-            <a:pPr lvl="1"/>
-            <a:r>
-              <a:rPr lang="en-US" dirty="0">
-                <a:latin typeface="Helvetica" charset="0"/>
-                <a:ea typeface="MS PGothic" charset="0"/>
-              </a:rPr>
-              <a:t>Unix file system (UFS) implements:</a:t>
-            </a:r>
-          </a:p>
-          <a:p>
-            <a:pPr lvl="2"/>
-            <a:r>
-              <a:rPr lang="en-US" dirty="0">
-                <a:latin typeface="Helvetica" charset="0"/>
-                <a:ea typeface="MS PGothic" charset="0"/>
-              </a:rPr>
-              <a:t>Writes to an open file visible immediately to other users of the same open file</a:t>
-            </a:r>
-          </a:p>
-          <a:p>
-            <a:pPr lvl="2"/>
-            <a:r>
-              <a:rPr lang="en-US" dirty="0">
-                <a:latin typeface="Helvetica" charset="0"/>
-                <a:ea typeface="MS PGothic" charset="0"/>
-              </a:rPr>
-              <a:t>Sharing file pointer to allow multiple users to read and write concurrently</a:t>
-            </a:r>
-          </a:p>
-          <a:p>
-            <a:pPr lvl="1"/>
-            <a:r>
-              <a:rPr lang="en-US" dirty="0">
-                <a:latin typeface="Helvetica" charset="0"/>
-                <a:ea typeface="MS PGothic" charset="0"/>
-              </a:rPr>
-              <a:t>AFS has session semantics</a:t>
-            </a:r>
-          </a:p>
-          <a:p>
-            <a:pPr lvl="2"/>
-            <a:r>
-              <a:rPr lang="en-US" dirty="0">
-                <a:latin typeface="Helvetica" charset="0"/>
-                <a:ea typeface="MS PGothic" charset="0"/>
-              </a:rPr>
-              <a:t>Writes only visible to sessions starting after the file is closed</a:t>
-            </a:r>
-          </a:p>
-          <a:p>
-            <a:pPr lvl="2"/>
-            <a:endParaRPr lang="en-US" dirty="0">
-              <a:latin typeface="Helvetica" charset="0"/>
-              <a:ea typeface="MS PGothic" charset="0"/>
-            </a:endParaRPr>
-          </a:p>
-          <a:p>
-            <a:endParaRPr lang="en-US" dirty="0">
-              <a:latin typeface="Helvetica" charset="0"/>
-              <a:ea typeface="MS PGothic" charset="0"/>
-            </a:endParaRPr>
-          </a:p>
-        </p:txBody>
-      </p:sp>
-      <p:sp>
-        <p:nvSpPr>
-          <p:cNvPr id="2" name="Date Placeholder 1"/>
-          <p:cNvSpPr>
-            <a:spLocks noGrp="1"/>
-          </p:cNvSpPr>
-          <p:nvPr>
-            <p:ph type="dt" sz="half" idx="10"/>
-          </p:nvPr>
-        </p:nvSpPr>
-        <p:spPr/>
-        <p:txBody>
-          <a:bodyPr/>
-          <a:lstStyle/>
-          <a:p>
-            <a:fld id="{006CC78D-A2F9-5B43-9B69-B005B3A23E64}" type="datetime1">
-              <a:rPr lang="en-US" smtClean="0"/>
-              <a:t>4/18/2018</a:t>
-            </a:fld>
-            <a:endParaRPr lang="en-US"/>
-          </a:p>
-        </p:txBody>
-      </p:sp>
-      <p:sp>
-        <p:nvSpPr>
-          <p:cNvPr id="3" name="Footer Placeholder 2"/>
-          <p:cNvSpPr>
-            <a:spLocks noGrp="1"/>
-          </p:cNvSpPr>
-          <p:nvPr>
-            <p:ph type="ftr" sz="quarter" idx="11"/>
-          </p:nvPr>
-        </p:nvSpPr>
-        <p:spPr/>
-        <p:txBody>
-          <a:bodyPr/>
-          <a:lstStyle/>
-          <a:p>
-            <a:pPr>
-              <a:defRPr/>
-            </a:pPr>
-            <a:r>
-              <a:rPr lang="en-US" altLang="en-US" smtClean="0"/>
-              <a:t>Operating Systems: Lecture 15</a:t>
-            </a:r>
-            <a:endParaRPr lang="en-US" altLang="en-US"/>
-          </a:p>
-        </p:txBody>
-      </p:sp>
-      <p:sp>
-        <p:nvSpPr>
-          <p:cNvPr id="4" name="Slide Number Placeholder 3"/>
-          <p:cNvSpPr>
-            <a:spLocks noGrp="1"/>
-          </p:cNvSpPr>
-          <p:nvPr>
-            <p:ph type="sldNum" sz="quarter" idx="12"/>
-          </p:nvPr>
-        </p:nvSpPr>
-        <p:spPr/>
-        <p:txBody>
-          <a:bodyPr/>
-          <a:lstStyle/>
-          <a:p>
-            <a:fld id="{2907D84A-D9E1-964C-B1EF-5C5C24A64F29}" type="slidenum">
-              <a:rPr lang="en-US" smtClean="0"/>
-              <a:pPr/>
-              <a:t>21</a:t>
-            </a:fld>
-            <a:endParaRPr lang="en-US"/>
-          </a:p>
-        </p:txBody>
-      </p:sp>
-    </p:spTree>
-    <p:extLst>
-      <p:ext uri="{BB962C8B-B14F-4D97-AF65-F5344CB8AC3E}">
-        <p14:creationId xmlns:p14="http://schemas.microsoft.com/office/powerpoint/2010/main" val="3018999686"/>
-      </p:ext>
-    </p:extLst>
-  </p:cSld>
-  <p:clrMapOvr>
-    <a:masterClrMapping/>
-  </p:clrMapOvr>
-</p:sld>
-</file>
-
-<file path=ppt/slides/slide22.xml><?xml version="1.0" encoding="utf-8"?>
-<p:sld xmlns:a="http://schemas.openxmlformats.org/drawingml/2006/main" xmlns:r="http://schemas.openxmlformats.org/officeDocument/2006/relationships" xmlns:p="http://schemas.openxmlformats.org/presentationml/2006/main">
-  <p:cSld>
-    <p:spTree>
-      <p:nvGrpSpPr>
-        <p:cNvPr id="1" name=""/>
-        <p:cNvGrpSpPr/>
-        <p:nvPr/>
-      </p:nvGrpSpPr>
-      <p:grpSpPr>
-        <a:xfrm>
-          <a:off x="0" y="0"/>
-          <a:ext cx="0" cy="0"/>
-          <a:chOff x="0" y="0"/>
-          <a:chExt cx="0" cy="0"/>
-        </a:xfrm>
-      </p:grpSpPr>
-      <p:sp>
-        <p:nvSpPr>
-          <p:cNvPr id="43010" name="Rectangle 2"/>
-          <p:cNvSpPr>
-            <a:spLocks noGrp="1" noChangeArrowheads="1"/>
-          </p:cNvSpPr>
-          <p:nvPr>
-            <p:ph type="title"/>
-          </p:nvPr>
-        </p:nvSpPr>
-        <p:spPr/>
-        <p:txBody>
-          <a:bodyPr/>
-          <a:lstStyle/>
-          <a:p>
-            <a:pPr eaLnBrk="1" hangingPunct="1"/>
-            <a:r>
-              <a:rPr lang="en-US" dirty="0">
-                <a:ea typeface="MS PGothic" charset="0"/>
-              </a:rPr>
-              <a:t>Protection</a:t>
-            </a:r>
-          </a:p>
-        </p:txBody>
-      </p:sp>
-      <p:sp>
-        <p:nvSpPr>
-          <p:cNvPr id="43011" name="Rectangle 3"/>
-          <p:cNvSpPr>
-            <a:spLocks noGrp="1" noChangeArrowheads="1"/>
-          </p:cNvSpPr>
-          <p:nvPr>
-            <p:ph idx="1"/>
-          </p:nvPr>
-        </p:nvSpPr>
-        <p:spPr/>
-        <p:txBody>
-          <a:bodyPr/>
-          <a:lstStyle/>
-          <a:p>
-            <a:r>
-              <a:rPr lang="en-US">
-                <a:latin typeface="Helvetica" charset="0"/>
-                <a:ea typeface="MS PGothic" charset="0"/>
-              </a:rPr>
-              <a:t>File owner/creator should be able to control:</a:t>
-            </a:r>
-          </a:p>
-          <a:p>
-            <a:pPr lvl="1"/>
-            <a:r>
-              <a:rPr lang="en-US">
-                <a:latin typeface="Helvetica" charset="0"/>
-                <a:ea typeface="MS PGothic" charset="0"/>
-              </a:rPr>
-              <a:t>what can be done</a:t>
-            </a:r>
-          </a:p>
-          <a:p>
-            <a:pPr lvl="1"/>
-            <a:r>
-              <a:rPr lang="en-US">
-                <a:latin typeface="Helvetica" charset="0"/>
-                <a:ea typeface="MS PGothic" charset="0"/>
-              </a:rPr>
-              <a:t>by whom</a:t>
-            </a:r>
-          </a:p>
-          <a:p>
-            <a:r>
-              <a:rPr lang="en-US">
-                <a:latin typeface="Helvetica" charset="0"/>
-                <a:ea typeface="MS PGothic" charset="0"/>
-              </a:rPr>
-              <a:t>Types of access</a:t>
-            </a:r>
-          </a:p>
-          <a:p>
-            <a:pPr lvl="1"/>
-            <a:r>
-              <a:rPr lang="en-US" b="1">
-                <a:latin typeface="Helvetica" charset="0"/>
-                <a:ea typeface="MS PGothic" charset="0"/>
-              </a:rPr>
-              <a:t>Read</a:t>
-            </a:r>
-          </a:p>
-          <a:p>
-            <a:pPr lvl="1"/>
-            <a:r>
-              <a:rPr lang="en-US" b="1">
-                <a:latin typeface="Helvetica" charset="0"/>
-                <a:ea typeface="MS PGothic" charset="0"/>
-              </a:rPr>
-              <a:t>Write</a:t>
-            </a:r>
-          </a:p>
-          <a:p>
-            <a:pPr lvl="1"/>
-            <a:r>
-              <a:rPr lang="en-US" b="1">
-                <a:latin typeface="Helvetica" charset="0"/>
-                <a:ea typeface="MS PGothic" charset="0"/>
-              </a:rPr>
-              <a:t>Execute</a:t>
-            </a:r>
-          </a:p>
-          <a:p>
-            <a:pPr lvl="1"/>
-            <a:r>
-              <a:rPr lang="en-US" b="1">
-                <a:latin typeface="Helvetica" charset="0"/>
-                <a:ea typeface="MS PGothic" charset="0"/>
-              </a:rPr>
-              <a:t>Append</a:t>
-            </a:r>
-          </a:p>
-          <a:p>
-            <a:pPr lvl="1"/>
-            <a:r>
-              <a:rPr lang="en-US" b="1">
-                <a:latin typeface="Helvetica" charset="0"/>
-                <a:ea typeface="MS PGothic" charset="0"/>
-              </a:rPr>
-              <a:t>Delete</a:t>
-            </a:r>
-          </a:p>
-          <a:p>
-            <a:pPr lvl="1"/>
-            <a:r>
-              <a:rPr lang="en-US" b="1">
-                <a:latin typeface="Helvetica" charset="0"/>
-                <a:ea typeface="MS PGothic" charset="0"/>
-              </a:rPr>
-              <a:t>List</a:t>
-            </a:r>
-          </a:p>
-        </p:txBody>
-      </p:sp>
-      <p:sp>
-        <p:nvSpPr>
-          <p:cNvPr id="2" name="Date Placeholder 1"/>
-          <p:cNvSpPr>
-            <a:spLocks noGrp="1"/>
-          </p:cNvSpPr>
-          <p:nvPr>
-            <p:ph type="dt" sz="half" idx="10"/>
-          </p:nvPr>
-        </p:nvSpPr>
-        <p:spPr/>
-        <p:txBody>
-          <a:bodyPr/>
-          <a:lstStyle/>
-          <a:p>
-            <a:fld id="{C13F58AB-F7EB-174C-8EFD-00CEBB0EF43E}" type="datetime1">
-              <a:rPr lang="en-US" smtClean="0"/>
-              <a:t>4/18/2018</a:t>
-            </a:fld>
-            <a:endParaRPr lang="en-US"/>
-          </a:p>
-        </p:txBody>
-      </p:sp>
-      <p:sp>
-        <p:nvSpPr>
-          <p:cNvPr id="3" name="Footer Placeholder 2"/>
-          <p:cNvSpPr>
-            <a:spLocks noGrp="1"/>
-          </p:cNvSpPr>
-          <p:nvPr>
-            <p:ph type="ftr" sz="quarter" idx="11"/>
-          </p:nvPr>
-        </p:nvSpPr>
-        <p:spPr/>
-        <p:txBody>
-          <a:bodyPr/>
-          <a:lstStyle/>
-          <a:p>
-            <a:pPr>
-              <a:defRPr/>
-            </a:pPr>
-            <a:r>
-              <a:rPr lang="en-US" altLang="en-US" smtClean="0"/>
-              <a:t>Operating Systems: Lecture 15</a:t>
-            </a:r>
-            <a:endParaRPr lang="en-US" altLang="en-US"/>
-          </a:p>
-        </p:txBody>
-      </p:sp>
-      <p:sp>
-        <p:nvSpPr>
-          <p:cNvPr id="4" name="Slide Number Placeholder 3"/>
-          <p:cNvSpPr>
-            <a:spLocks noGrp="1"/>
-          </p:cNvSpPr>
-          <p:nvPr>
-            <p:ph type="sldNum" sz="quarter" idx="12"/>
-          </p:nvPr>
-        </p:nvSpPr>
-        <p:spPr/>
-        <p:txBody>
-          <a:bodyPr/>
-          <a:lstStyle/>
-          <a:p>
-            <a:fld id="{2907D84A-D9E1-964C-B1EF-5C5C24A64F29}" type="slidenum">
-              <a:rPr lang="en-US" smtClean="0"/>
-              <a:pPr/>
-              <a:t>22</a:t>
-            </a:fld>
-            <a:endParaRPr lang="en-US"/>
-          </a:p>
-        </p:txBody>
-      </p:sp>
-    </p:spTree>
-    <p:extLst>
-      <p:ext uri="{BB962C8B-B14F-4D97-AF65-F5344CB8AC3E}">
-        <p14:creationId xmlns:p14="http://schemas.microsoft.com/office/powerpoint/2010/main" val="3483090782"/>
-      </p:ext>
-    </p:extLst>
-  </p:cSld>
-  <p:clrMapOvr>
-    <a:masterClrMapping/>
-  </p:clrMapOvr>
-</p:sld>
-</file>
-
-<file path=ppt/slides/slide23.xml><?xml version="1.0" encoding="utf-8"?>
-<p:sld xmlns:a="http://schemas.openxmlformats.org/drawingml/2006/main" xmlns:r="http://schemas.openxmlformats.org/officeDocument/2006/relationships" xmlns:p="http://schemas.openxmlformats.org/presentationml/2006/main">
-  <p:cSld>
-    <p:spTree>
-      <p:nvGrpSpPr>
-        <p:cNvPr id="1" name=""/>
-        <p:cNvGrpSpPr/>
-        <p:nvPr/>
-      </p:nvGrpSpPr>
-      <p:grpSpPr>
-        <a:xfrm>
-          <a:off x="0" y="0"/>
-          <a:ext cx="0" cy="0"/>
-          <a:chOff x="0" y="0"/>
-          <a:chExt cx="0" cy="0"/>
-        </a:xfrm>
-      </p:grpSpPr>
-      <p:sp>
-        <p:nvSpPr>
-          <p:cNvPr id="44034" name="Rectangle 2"/>
-          <p:cNvSpPr>
-            <a:spLocks noGrp="1" noChangeArrowheads="1"/>
-          </p:cNvSpPr>
-          <p:nvPr>
-            <p:ph type="title"/>
-          </p:nvPr>
-        </p:nvSpPr>
-        <p:spPr/>
-        <p:txBody>
-          <a:bodyPr/>
-          <a:lstStyle/>
-          <a:p>
-            <a:pPr eaLnBrk="1" hangingPunct="1"/>
-            <a:r>
-              <a:rPr lang="en-US" dirty="0">
-                <a:ea typeface="MS PGothic" charset="0"/>
-              </a:rPr>
-              <a:t>Access Lists and Groups</a:t>
-            </a:r>
-          </a:p>
-        </p:txBody>
-      </p:sp>
-      <p:sp>
-        <p:nvSpPr>
-          <p:cNvPr id="44035" name="Rectangle 3"/>
-          <p:cNvSpPr>
-            <a:spLocks noGrp="1" noChangeArrowheads="1"/>
-          </p:cNvSpPr>
-          <p:nvPr>
-            <p:ph idx="1"/>
-          </p:nvPr>
-        </p:nvSpPr>
-        <p:spPr>
-          <a:xfrm>
-            <a:off x="457200" y="1143001"/>
-            <a:ext cx="8229600" cy="3428999"/>
-          </a:xfrm>
-        </p:spPr>
-        <p:txBody>
-          <a:bodyPr>
-            <a:normAutofit fontScale="92500" lnSpcReduction="20000"/>
-          </a:bodyPr>
-          <a:lstStyle/>
-          <a:p>
-            <a:pPr>
-              <a:lnSpc>
-                <a:spcPct val="90000"/>
-              </a:lnSpc>
-              <a:tabLst>
-                <a:tab pos="1833563" algn="l"/>
-                <a:tab pos="4459288" algn="l"/>
-                <a:tab pos="5195888" algn="l"/>
-                <a:tab pos="5888038" algn="l"/>
-              </a:tabLst>
-            </a:pPr>
-            <a:r>
-              <a:rPr lang="en-US" dirty="0" smtClean="0">
-                <a:latin typeface="Helvetica" charset="0"/>
-                <a:ea typeface="MS PGothic" charset="0"/>
-              </a:rPr>
-              <a:t>Mode </a:t>
-            </a:r>
-            <a:r>
-              <a:rPr lang="en-US" dirty="0">
-                <a:latin typeface="Helvetica" charset="0"/>
-                <a:ea typeface="MS PGothic" charset="0"/>
-              </a:rPr>
-              <a:t>of access:  read, write, execute</a:t>
-            </a:r>
-          </a:p>
-          <a:p>
-            <a:pPr>
-              <a:lnSpc>
-                <a:spcPct val="90000"/>
-              </a:lnSpc>
-              <a:tabLst>
-                <a:tab pos="1833563" algn="l"/>
-                <a:tab pos="4459288" algn="l"/>
-                <a:tab pos="5195888" algn="l"/>
-                <a:tab pos="5888038" algn="l"/>
-              </a:tabLst>
-            </a:pPr>
-            <a:r>
-              <a:rPr lang="en-US" dirty="0">
-                <a:latin typeface="Helvetica" charset="0"/>
-                <a:ea typeface="MS PGothic" charset="0"/>
-              </a:rPr>
-              <a:t>Three classes of users on Unix / Linux</a:t>
-            </a:r>
-          </a:p>
-          <a:p>
-            <a:pPr>
-              <a:lnSpc>
-                <a:spcPct val="90000"/>
-              </a:lnSpc>
-              <a:spcBef>
-                <a:spcPct val="10000"/>
-              </a:spcBef>
-              <a:buFont typeface="Monotype Sorts" charset="0"/>
-              <a:buNone/>
-              <a:tabLst>
-                <a:tab pos="1833563" algn="l"/>
-                <a:tab pos="4459288" algn="l"/>
-                <a:tab pos="5195888" algn="l"/>
-                <a:tab pos="5888038" algn="l"/>
-              </a:tabLst>
-            </a:pPr>
-            <a:r>
-              <a:rPr lang="en-US" sz="1600" dirty="0">
-                <a:latin typeface="Helvetica" charset="0"/>
-                <a:ea typeface="MS PGothic" charset="0"/>
-              </a:rPr>
-              <a:t>	</a:t>
-            </a:r>
-            <a:r>
-              <a:rPr lang="en-US" sz="800" dirty="0">
-                <a:latin typeface="Helvetica" charset="0"/>
-                <a:ea typeface="MS PGothic" charset="0"/>
-              </a:rPr>
-              <a:t>	</a:t>
-            </a:r>
-            <a:r>
-              <a:rPr lang="en-US" sz="1600" dirty="0">
-                <a:latin typeface="Helvetica" charset="0"/>
-                <a:ea typeface="MS PGothic" charset="0"/>
-              </a:rPr>
-              <a:t>			RWX</a:t>
-            </a:r>
-          </a:p>
-          <a:p>
-            <a:pPr>
-              <a:lnSpc>
-                <a:spcPct val="90000"/>
-              </a:lnSpc>
-              <a:spcBef>
-                <a:spcPct val="10000"/>
-              </a:spcBef>
-              <a:buFont typeface="Monotype Sorts" charset="0"/>
-              <a:buNone/>
-              <a:tabLst>
-                <a:tab pos="1833563" algn="l"/>
-                <a:tab pos="4459288" algn="l"/>
-                <a:tab pos="5195888" algn="l"/>
-                <a:tab pos="5888038" algn="l"/>
-              </a:tabLst>
-            </a:pPr>
-            <a:r>
-              <a:rPr lang="en-US" sz="1600" dirty="0">
-                <a:latin typeface="Helvetica" charset="0"/>
-                <a:ea typeface="MS PGothic" charset="0"/>
-              </a:rPr>
-              <a:t>		a) </a:t>
-            </a:r>
-            <a:r>
-              <a:rPr lang="en-US" sz="1600" b="1" dirty="0">
-                <a:latin typeface="Helvetica" charset="0"/>
-                <a:ea typeface="MS PGothic" charset="0"/>
-              </a:rPr>
-              <a:t>owner access</a:t>
-            </a:r>
-            <a:r>
-              <a:rPr lang="en-US" sz="1600" dirty="0">
-                <a:latin typeface="Helvetica" charset="0"/>
-                <a:ea typeface="MS PGothic" charset="0"/>
-              </a:rPr>
-              <a:t> 	7	</a:t>
-            </a:r>
-            <a:r>
-              <a:rPr lang="en-US" sz="1600" dirty="0">
-                <a:latin typeface="Helvetica" charset="0"/>
-                <a:ea typeface="MS PGothic" charset="0"/>
-                <a:sym typeface="Symbol" charset="0"/>
-              </a:rPr>
-              <a:t>	1 1 1</a:t>
-            </a:r>
-            <a:br>
-              <a:rPr lang="en-US" sz="1600" dirty="0">
-                <a:latin typeface="Helvetica" charset="0"/>
-                <a:ea typeface="MS PGothic" charset="0"/>
-                <a:sym typeface="Symbol" charset="0"/>
-              </a:rPr>
-            </a:br>
-            <a:r>
-              <a:rPr lang="en-US" sz="1600" dirty="0">
-                <a:latin typeface="Helvetica" charset="0"/>
-                <a:ea typeface="MS PGothic" charset="0"/>
-                <a:sym typeface="Symbol" charset="0"/>
-              </a:rPr>
-              <a:t>				RWX</a:t>
-            </a:r>
-          </a:p>
-          <a:p>
-            <a:pPr>
-              <a:lnSpc>
-                <a:spcPct val="90000"/>
-              </a:lnSpc>
-              <a:spcBef>
-                <a:spcPct val="10000"/>
-              </a:spcBef>
-              <a:buFont typeface="Monotype Sorts" charset="0"/>
-              <a:buNone/>
-              <a:tabLst>
-                <a:tab pos="1833563" algn="l"/>
-                <a:tab pos="4459288" algn="l"/>
-                <a:tab pos="5195888" algn="l"/>
-                <a:tab pos="5888038" algn="l"/>
-              </a:tabLst>
-            </a:pPr>
-            <a:r>
-              <a:rPr lang="en-US" sz="1600" dirty="0">
-                <a:latin typeface="Helvetica" charset="0"/>
-                <a:ea typeface="MS PGothic" charset="0"/>
-                <a:sym typeface="Symbol" charset="0"/>
-              </a:rPr>
-              <a:t>		b) </a:t>
-            </a:r>
-            <a:r>
-              <a:rPr lang="en-US" sz="1600" b="1" dirty="0">
-                <a:latin typeface="Helvetica" charset="0"/>
-                <a:ea typeface="MS PGothic" charset="0"/>
-                <a:sym typeface="Symbol" charset="0"/>
-              </a:rPr>
-              <a:t>group access</a:t>
-            </a:r>
-            <a:r>
-              <a:rPr lang="en-US" sz="1600" dirty="0">
-                <a:latin typeface="Helvetica" charset="0"/>
-                <a:ea typeface="MS PGothic" charset="0"/>
-                <a:sym typeface="Symbol" charset="0"/>
-              </a:rPr>
-              <a:t> 	6	 	1 1 0</a:t>
-            </a:r>
-          </a:p>
-          <a:p>
-            <a:pPr>
-              <a:lnSpc>
-                <a:spcPct val="90000"/>
-              </a:lnSpc>
-              <a:spcBef>
-                <a:spcPct val="10000"/>
-              </a:spcBef>
-              <a:buFont typeface="Monotype Sorts" charset="0"/>
-              <a:buNone/>
-              <a:tabLst>
-                <a:tab pos="1833563" algn="l"/>
-                <a:tab pos="4459288" algn="l"/>
-                <a:tab pos="5195888" algn="l"/>
-                <a:tab pos="5888038" algn="l"/>
-              </a:tabLst>
-            </a:pPr>
-            <a:r>
-              <a:rPr lang="en-US" sz="1600" dirty="0">
-                <a:latin typeface="Helvetica" charset="0"/>
-                <a:ea typeface="MS PGothic" charset="0"/>
-                <a:sym typeface="Symbol" charset="0"/>
-              </a:rPr>
-              <a:t>					RWX</a:t>
-            </a:r>
-          </a:p>
-          <a:p>
-            <a:pPr>
-              <a:lnSpc>
-                <a:spcPct val="90000"/>
-              </a:lnSpc>
-              <a:spcBef>
-                <a:spcPct val="10000"/>
-              </a:spcBef>
-              <a:buFont typeface="Monotype Sorts" charset="0"/>
-              <a:buNone/>
-              <a:tabLst>
-                <a:tab pos="1833563" algn="l"/>
-                <a:tab pos="4459288" algn="l"/>
-                <a:tab pos="5195888" algn="l"/>
-                <a:tab pos="5888038" algn="l"/>
-              </a:tabLst>
-            </a:pPr>
-            <a:r>
-              <a:rPr lang="en-US" sz="1600" dirty="0">
-                <a:latin typeface="Helvetica" charset="0"/>
-                <a:ea typeface="MS PGothic" charset="0"/>
-                <a:sym typeface="Symbol" charset="0"/>
-              </a:rPr>
-              <a:t>		c) </a:t>
-            </a:r>
-            <a:r>
-              <a:rPr lang="en-US" sz="1600" b="1" dirty="0">
-                <a:latin typeface="Helvetica" charset="0"/>
-                <a:ea typeface="MS PGothic" charset="0"/>
-                <a:sym typeface="Symbol" charset="0"/>
-              </a:rPr>
-              <a:t>public access</a:t>
-            </a:r>
-            <a:r>
-              <a:rPr lang="en-US" sz="1600" dirty="0">
-                <a:latin typeface="Helvetica" charset="0"/>
-                <a:ea typeface="MS PGothic" charset="0"/>
-                <a:sym typeface="Symbol" charset="0"/>
-              </a:rPr>
-              <a:t>	1	 	0 0 1</a:t>
-            </a:r>
-          </a:p>
-          <a:p>
-            <a:pPr>
-              <a:lnSpc>
-                <a:spcPct val="90000"/>
-              </a:lnSpc>
-              <a:tabLst>
-                <a:tab pos="1833563" algn="l"/>
-                <a:tab pos="4459288" algn="l"/>
-                <a:tab pos="5195888" algn="l"/>
-                <a:tab pos="5888038" algn="l"/>
-              </a:tabLst>
-            </a:pPr>
-            <a:r>
-              <a:rPr lang="en-US" dirty="0">
-                <a:latin typeface="Helvetica" charset="0"/>
-                <a:ea typeface="MS PGothic" charset="0"/>
-                <a:sym typeface="Symbol" charset="0"/>
-              </a:rPr>
-              <a:t>Ask manager to create a group (unique name), say G, and add some users to the </a:t>
-            </a:r>
-            <a:r>
-              <a:rPr lang="en-US" dirty="0" smtClean="0">
-                <a:latin typeface="Helvetica" charset="0"/>
-                <a:ea typeface="MS PGothic" charset="0"/>
-                <a:sym typeface="Symbol" charset="0"/>
-              </a:rPr>
-              <a:t>group.</a:t>
-            </a:r>
-          </a:p>
-          <a:p>
-            <a:pPr>
-              <a:lnSpc>
-                <a:spcPct val="90000"/>
-              </a:lnSpc>
-              <a:tabLst>
-                <a:tab pos="1833563" algn="l"/>
-                <a:tab pos="4459288" algn="l"/>
-                <a:tab pos="5195888" algn="l"/>
-                <a:tab pos="5888038" algn="l"/>
-              </a:tabLst>
-            </a:pPr>
-            <a:r>
-              <a:rPr lang="en-US" dirty="0" smtClean="0">
-                <a:latin typeface="Helvetica" charset="0"/>
-                <a:ea typeface="MS PGothic" charset="0"/>
-                <a:sym typeface="Symbol" charset="0"/>
-              </a:rPr>
-              <a:t>For </a:t>
-            </a:r>
-            <a:r>
-              <a:rPr lang="en-US" dirty="0">
-                <a:latin typeface="Helvetica" charset="0"/>
-                <a:ea typeface="MS PGothic" charset="0"/>
-                <a:sym typeface="Symbol" charset="0"/>
-              </a:rPr>
-              <a:t>a particular file (say </a:t>
-            </a:r>
-            <a:r>
-              <a:rPr lang="en-US" i="1" dirty="0">
-                <a:latin typeface="Helvetica" charset="0"/>
-                <a:ea typeface="MS PGothic" charset="0"/>
-                <a:sym typeface="Symbol" charset="0"/>
-              </a:rPr>
-              <a:t>game</a:t>
-            </a:r>
-            <a:r>
-              <a:rPr lang="en-US" dirty="0">
-                <a:latin typeface="Helvetica" charset="0"/>
-                <a:ea typeface="MS PGothic" charset="0"/>
-                <a:sym typeface="Symbol" charset="0"/>
-              </a:rPr>
-              <a:t>) or subdirectory, define an appropriate access.</a:t>
-            </a:r>
-          </a:p>
-        </p:txBody>
-      </p:sp>
-      <p:sp>
-        <p:nvSpPr>
-          <p:cNvPr id="2" name="Date Placeholder 1"/>
-          <p:cNvSpPr>
-            <a:spLocks noGrp="1"/>
-          </p:cNvSpPr>
-          <p:nvPr>
-            <p:ph type="dt" sz="half" idx="10"/>
-          </p:nvPr>
-        </p:nvSpPr>
-        <p:spPr/>
-        <p:txBody>
-          <a:bodyPr/>
-          <a:lstStyle/>
-          <a:p>
-            <a:fld id="{AF138E2A-80C7-384F-AF9E-AF228B1B64A8}" type="datetime1">
-              <a:rPr lang="en-US" smtClean="0"/>
-              <a:t>4/18/2018</a:t>
-            </a:fld>
-            <a:endParaRPr lang="en-US"/>
-          </a:p>
-        </p:txBody>
-      </p:sp>
-      <p:sp>
-        <p:nvSpPr>
-          <p:cNvPr id="3" name="Footer Placeholder 2"/>
-          <p:cNvSpPr>
-            <a:spLocks noGrp="1"/>
-          </p:cNvSpPr>
-          <p:nvPr>
-            <p:ph type="ftr" sz="quarter" idx="11"/>
-          </p:nvPr>
-        </p:nvSpPr>
-        <p:spPr/>
-        <p:txBody>
-          <a:bodyPr/>
-          <a:lstStyle/>
-          <a:p>
-            <a:pPr>
-              <a:defRPr/>
-            </a:pPr>
-            <a:r>
-              <a:rPr lang="en-US" altLang="en-US" smtClean="0"/>
-              <a:t>Operating Systems: Lecture 15</a:t>
-            </a:r>
-            <a:endParaRPr lang="en-US" altLang="en-US"/>
-          </a:p>
-        </p:txBody>
-      </p:sp>
-      <p:sp>
-        <p:nvSpPr>
-          <p:cNvPr id="4" name="Slide Number Placeholder 3"/>
-          <p:cNvSpPr>
-            <a:spLocks noGrp="1"/>
-          </p:cNvSpPr>
-          <p:nvPr>
-            <p:ph type="sldNum" sz="quarter" idx="12"/>
-          </p:nvPr>
-        </p:nvSpPr>
-        <p:spPr/>
-        <p:txBody>
-          <a:bodyPr/>
-          <a:lstStyle/>
-          <a:p>
-            <a:fld id="{2907D84A-D9E1-964C-B1EF-5C5C24A64F29}" type="slidenum">
-              <a:rPr lang="en-US" smtClean="0"/>
-              <a:pPr/>
-              <a:t>23</a:t>
-            </a:fld>
-            <a:endParaRPr lang="en-US"/>
-          </a:p>
-        </p:txBody>
-      </p:sp>
-      <p:sp>
-        <p:nvSpPr>
-          <p:cNvPr id="44036" name="Rectangle 13"/>
-          <p:cNvSpPr>
-            <a:spLocks noChangeArrowheads="1"/>
-          </p:cNvSpPr>
-          <p:nvPr/>
-        </p:nvSpPr>
-        <p:spPr bwMode="auto">
-          <a:xfrm>
-            <a:off x="798513" y="5486400"/>
-            <a:ext cx="7029450" cy="808037"/>
-          </a:xfrm>
-          <a:prstGeom prst="rect">
-            <a:avLst/>
-          </a:prstGeom>
-          <a:noFill/>
-          <a:ln>
-            <a:noFill/>
-          </a:ln>
-          <a:extLst>
-            <a:ext uri="{909E8E84-426E-40DD-AFC4-6F175D3DCCD1}">
-              <a14:hiddenFill xmlns:a14="http://schemas.microsoft.com/office/drawing/2010/main">
-                <a:solidFill>
-                  <a:srgbClr val="FFFFFF"/>
-                </a:solidFill>
-              </a14:hiddenFill>
-            </a:ext>
-            <a:ext uri="{91240B29-F687-4F45-9708-019B960494DF}">
-              <a14:hiddenLine xmlns:a14="http://schemas.microsoft.com/office/drawing/2010/main" w="9525">
-                <a:solidFill>
-                  <a:srgbClr val="000000"/>
-                </a:solidFill>
-                <a:miter lim="800000"/>
-                <a:headEnd/>
-                <a:tailEnd/>
-              </a14:hiddenLine>
-            </a:ext>
-          </a:extLst>
-        </p:spPr>
-        <p:txBody>
-          <a:bodyPr/>
-          <a:lstStyle/>
-          <a:p>
-            <a:pPr marL="342900" indent="-342900">
-              <a:spcBef>
-                <a:spcPct val="20000"/>
-              </a:spcBef>
-              <a:buClr>
-                <a:schemeClr val="folHlink"/>
-              </a:buClr>
-              <a:buFont typeface="Monotype Sorts" charset="0"/>
-              <a:buNone/>
-              <a:tabLst>
-                <a:tab pos="1833563" algn="l"/>
-                <a:tab pos="4459288" algn="l"/>
-                <a:tab pos="5195888" algn="l"/>
-                <a:tab pos="5888038" algn="l"/>
-              </a:tabLst>
-            </a:pPr>
-            <a:r>
-              <a:rPr kumimoji="1" lang="en-US">
-                <a:latin typeface="Arial" charset="0"/>
-                <a:sym typeface="Symbol" charset="0"/>
-              </a:rPr>
-              <a:t>Attach a group to a file</a:t>
-            </a:r>
-            <a:br>
-              <a:rPr kumimoji="1" lang="en-US">
-                <a:latin typeface="Arial" charset="0"/>
-                <a:sym typeface="Symbol" charset="0"/>
-              </a:rPr>
-            </a:br>
-            <a:r>
-              <a:rPr kumimoji="1" lang="en-US">
-                <a:latin typeface="Arial" charset="0"/>
-                <a:sym typeface="Symbol" charset="0"/>
-              </a:rPr>
-              <a:t>	         </a:t>
-            </a:r>
-            <a:r>
-              <a:rPr kumimoji="1" lang="en-US" b="1">
-                <a:latin typeface="Courier New" charset="0"/>
-                <a:cs typeface="Courier New" charset="0"/>
-                <a:sym typeface="Symbol" charset="0"/>
-              </a:rPr>
-              <a:t>chgrp     G    game</a:t>
-            </a:r>
-          </a:p>
-        </p:txBody>
-      </p:sp>
-      <p:pic>
-        <p:nvPicPr>
-          <p:cNvPr id="44037" name="Picture 1"/>
-          <p:cNvPicPr>
-            <a:picLocks noChangeAspect="1"/>
-          </p:cNvPicPr>
-          <p:nvPr/>
-        </p:nvPicPr>
-        <p:blipFill>
-          <a:blip r:embed="rId3" cstate="email">
-            <a:extLst>
-              <a:ext uri="{28A0092B-C50C-407E-A947-70E740481C1C}">
-                <a14:useLocalDpi xmlns:a14="http://schemas.microsoft.com/office/drawing/2010/main" val="0"/>
-              </a:ext>
-            </a:extLst>
-          </a:blip>
-          <a:srcRect/>
-          <a:stretch>
-            <a:fillRect/>
-          </a:stretch>
-        </p:blipFill>
-        <p:spPr bwMode="auto">
-          <a:xfrm>
-            <a:off x="3559175" y="4608512"/>
-            <a:ext cx="2513013" cy="954088"/>
-          </a:xfrm>
-          <a:prstGeom prst="rect">
-            <a:avLst/>
-          </a:prstGeom>
-          <a:noFill/>
-          <a:ln>
-            <a:noFill/>
-          </a:ln>
-          <a:extLst>
-            <a:ext uri="{909E8E84-426E-40DD-AFC4-6F175D3DCCD1}">
-              <a14:hiddenFill xmlns:a14="http://schemas.microsoft.com/office/drawing/2010/main">
-                <a:solidFill>
-                  <a:srgbClr val="FFFFFF"/>
-                </a:solidFill>
-              </a14:hiddenFill>
-            </a:ext>
-            <a:ext uri="{91240B29-F687-4F45-9708-019B960494DF}">
-              <a14:hiddenLine xmlns:a14="http://schemas.microsoft.com/office/drawing/2010/main" w="9525">
-                <a:solidFill>
-                  <a:srgbClr val="000000"/>
-                </a:solidFill>
-                <a:miter lim="800000"/>
-                <a:headEnd/>
-                <a:tailEnd/>
-              </a14:hiddenLine>
-            </a:ext>
-          </a:extLst>
-        </p:spPr>
-      </p:pic>
-    </p:spTree>
-    <p:extLst>
-      <p:ext uri="{BB962C8B-B14F-4D97-AF65-F5344CB8AC3E}">
-        <p14:creationId xmlns:p14="http://schemas.microsoft.com/office/powerpoint/2010/main" val="2175979893"/>
-      </p:ext>
-    </p:extLst>
-  </p:cSld>
-  <p:clrMapOvr>
-    <a:masterClrMapping/>
-  </p:clrMapOvr>
-</p:sld>
-</file>
-
-<file path=ppt/slides/slide24.xml><?xml version="1.0" encoding="utf-8"?>
-<p:sld xmlns:a="http://schemas.openxmlformats.org/drawingml/2006/main" xmlns:r="http://schemas.openxmlformats.org/officeDocument/2006/relationships" xmlns:p="http://schemas.openxmlformats.org/presentationml/2006/main">
-  <p:cSld>
-    <p:spTree>
-      <p:nvGrpSpPr>
-        <p:cNvPr id="1" name=""/>
-        <p:cNvGrpSpPr/>
-        <p:nvPr/>
-      </p:nvGrpSpPr>
-      <p:grpSpPr>
-        <a:xfrm>
-          <a:off x="0" y="0"/>
-          <a:ext cx="0" cy="0"/>
-          <a:chOff x="0" y="0"/>
-          <a:chExt cx="0" cy="0"/>
-        </a:xfrm>
-      </p:grpSpPr>
-      <p:sp>
-        <p:nvSpPr>
-          <p:cNvPr id="45058" name="Rectangle 2"/>
-          <p:cNvSpPr>
-            <a:spLocks noGrp="1" noChangeArrowheads="1"/>
-          </p:cNvSpPr>
-          <p:nvPr>
-            <p:ph type="title"/>
-          </p:nvPr>
-        </p:nvSpPr>
-        <p:spPr/>
-        <p:txBody>
-          <a:bodyPr/>
-          <a:lstStyle/>
-          <a:p>
-            <a:pPr eaLnBrk="1" hangingPunct="1"/>
-            <a:r>
-              <a:rPr lang="en-US" sz="2800" dirty="0">
-                <a:ea typeface="MS PGothic" charset="0"/>
-              </a:rPr>
-              <a:t>Windows 7 Access-Control List Management</a:t>
-            </a:r>
-          </a:p>
-        </p:txBody>
-      </p:sp>
-      <p:sp>
-        <p:nvSpPr>
-          <p:cNvPr id="2" name="Date Placeholder 1"/>
-          <p:cNvSpPr>
-            <a:spLocks noGrp="1"/>
-          </p:cNvSpPr>
-          <p:nvPr>
-            <p:ph type="dt" sz="half" idx="10"/>
-          </p:nvPr>
-        </p:nvSpPr>
-        <p:spPr/>
-        <p:txBody>
-          <a:bodyPr/>
-          <a:lstStyle/>
-          <a:p>
-            <a:fld id="{004E18AD-D26B-5845-88C1-57475986EE9F}" type="datetime1">
-              <a:rPr lang="en-US" smtClean="0"/>
-              <a:t>4/18/2018</a:t>
-            </a:fld>
-            <a:endParaRPr lang="en-US"/>
-          </a:p>
-        </p:txBody>
-      </p:sp>
-      <p:sp>
-        <p:nvSpPr>
-          <p:cNvPr id="3" name="Footer Placeholder 2"/>
-          <p:cNvSpPr>
-            <a:spLocks noGrp="1"/>
-          </p:cNvSpPr>
-          <p:nvPr>
-            <p:ph type="ftr" sz="quarter" idx="11"/>
-          </p:nvPr>
-        </p:nvSpPr>
-        <p:spPr/>
-        <p:txBody>
-          <a:bodyPr/>
-          <a:lstStyle/>
-          <a:p>
-            <a:pPr>
-              <a:defRPr/>
-            </a:pPr>
-            <a:r>
-              <a:rPr lang="en-US" altLang="en-US" smtClean="0"/>
-              <a:t>Operating Systems: Lecture 15</a:t>
-            </a:r>
-            <a:endParaRPr lang="en-US" altLang="en-US"/>
-          </a:p>
-        </p:txBody>
-      </p:sp>
-      <p:sp>
-        <p:nvSpPr>
-          <p:cNvPr id="4" name="Slide Number Placeholder 3"/>
-          <p:cNvSpPr>
-            <a:spLocks noGrp="1"/>
-          </p:cNvSpPr>
-          <p:nvPr>
-            <p:ph type="sldNum" sz="quarter" idx="12"/>
-          </p:nvPr>
-        </p:nvSpPr>
-        <p:spPr/>
-        <p:txBody>
-          <a:bodyPr/>
-          <a:lstStyle/>
-          <a:p>
-            <a:fld id="{2907D84A-D9E1-964C-B1EF-5C5C24A64F29}" type="slidenum">
-              <a:rPr lang="en-US" smtClean="0"/>
-              <a:pPr/>
-              <a:t>24</a:t>
-            </a:fld>
-            <a:endParaRPr lang="en-US"/>
-          </a:p>
-        </p:txBody>
-      </p:sp>
-      <p:pic>
-        <p:nvPicPr>
-          <p:cNvPr id="45059" name="Picture 2" descr="11_16.pdf"/>
-          <p:cNvPicPr>
-            <a:picLocks noChangeAspect="1"/>
-          </p:cNvPicPr>
-          <p:nvPr/>
-        </p:nvPicPr>
-        <p:blipFill>
-          <a:blip r:embed="rId3" cstate="email">
-            <a:extLst>
-              <a:ext uri="{28A0092B-C50C-407E-A947-70E740481C1C}">
-                <a14:useLocalDpi xmlns:a14="http://schemas.microsoft.com/office/drawing/2010/main" val="0"/>
-              </a:ext>
-            </a:extLst>
-          </a:blip>
-          <a:srcRect/>
-          <a:stretch>
-            <a:fillRect/>
-          </a:stretch>
-        </p:blipFill>
-        <p:spPr bwMode="auto">
-          <a:xfrm>
-            <a:off x="2841625" y="1120775"/>
-            <a:ext cx="3533775" cy="4864100"/>
-          </a:xfrm>
-          <a:prstGeom prst="rect">
-            <a:avLst/>
-          </a:prstGeom>
-          <a:noFill/>
-          <a:ln>
-            <a:noFill/>
-          </a:ln>
-          <a:extLst>
-            <a:ext uri="{909E8E84-426E-40DD-AFC4-6F175D3DCCD1}">
-              <a14:hiddenFill xmlns:a14="http://schemas.microsoft.com/office/drawing/2010/main">
-                <a:solidFill>
-                  <a:srgbClr val="FFFFFF"/>
-                </a:solidFill>
-              </a14:hiddenFill>
-            </a:ext>
-            <a:ext uri="{91240B29-F687-4F45-9708-019B960494DF}">
-              <a14:hiddenLine xmlns:a14="http://schemas.microsoft.com/office/drawing/2010/main" w="9525">
-                <a:solidFill>
-                  <a:srgbClr val="000000"/>
-                </a:solidFill>
-                <a:miter lim="800000"/>
-                <a:headEnd/>
-                <a:tailEnd/>
-              </a14:hiddenLine>
-            </a:ext>
-          </a:extLst>
-        </p:spPr>
-      </p:pic>
-    </p:spTree>
-    <p:extLst>
-      <p:ext uri="{BB962C8B-B14F-4D97-AF65-F5344CB8AC3E}">
-        <p14:creationId xmlns:p14="http://schemas.microsoft.com/office/powerpoint/2010/main" val="2896297215"/>
-      </p:ext>
-    </p:extLst>
-  </p:cSld>
-  <p:clrMapOvr>
-    <a:masterClrMapping/>
-  </p:clrMapOvr>
-</p:sld>
-</file>
-
-<file path=ppt/slides/slide25.xml><?xml version="1.0" encoding="utf-8"?>
-<p:sld xmlns:a="http://schemas.openxmlformats.org/drawingml/2006/main" xmlns:r="http://schemas.openxmlformats.org/officeDocument/2006/relationships" xmlns:p="http://schemas.openxmlformats.org/presentationml/2006/main">
-  <p:cSld>
-    <p:spTree>
-      <p:nvGrpSpPr>
-        <p:cNvPr id="1" name=""/>
-        <p:cNvGrpSpPr/>
-        <p:nvPr/>
-      </p:nvGrpSpPr>
-      <p:grpSpPr>
-        <a:xfrm>
-          <a:off x="0" y="0"/>
-          <a:ext cx="0" cy="0"/>
-          <a:chOff x="0" y="0"/>
-          <a:chExt cx="0" cy="0"/>
-        </a:xfrm>
-      </p:grpSpPr>
-      <p:sp>
-        <p:nvSpPr>
-          <p:cNvPr id="46082" name="Rectangle 2"/>
-          <p:cNvSpPr>
-            <a:spLocks noGrp="1" noChangeArrowheads="1"/>
-          </p:cNvSpPr>
-          <p:nvPr>
-            <p:ph type="title"/>
-          </p:nvPr>
-        </p:nvSpPr>
-        <p:spPr/>
-        <p:txBody>
-          <a:bodyPr/>
-          <a:lstStyle/>
-          <a:p>
-            <a:pPr eaLnBrk="1" hangingPunct="1"/>
-            <a:r>
-              <a:rPr lang="en-US" dirty="0">
-                <a:latin typeface="Garamond"/>
-                <a:ea typeface="MS PGothic" charset="0"/>
-                <a:cs typeface="Garamond"/>
-              </a:rPr>
-              <a:t>A Sample UNIX Directory Listing</a:t>
-            </a:r>
-          </a:p>
-        </p:txBody>
-      </p:sp>
-      <p:pic>
-        <p:nvPicPr>
-          <p:cNvPr id="46083" name="Picture 4"/>
-          <p:cNvPicPr>
-            <a:picLocks noGrp="1" noChangeAspect="1" noChangeArrowheads="1"/>
-          </p:cNvPicPr>
-          <p:nvPr>
-            <p:ph sz="half" idx="1"/>
-          </p:nvPr>
-        </p:nvPicPr>
-        <p:blipFill>
-          <a:blip r:embed="rId3" cstate="email">
-            <a:extLst>
-              <a:ext uri="{28A0092B-C50C-407E-A947-70E740481C1C}">
-                <a14:useLocalDpi xmlns:a14="http://schemas.microsoft.com/office/drawing/2010/main" val="0"/>
-              </a:ext>
-            </a:extLst>
-          </a:blip>
-          <a:srcRect t="26543" b="26543"/>
-          <a:stretch>
-            <a:fillRect/>
-          </a:stretch>
-        </p:blipFill>
-        <p:spPr>
-          <a:xfrm>
-            <a:off x="1965158" y="1143000"/>
-            <a:ext cx="5197642" cy="1828800"/>
-          </a:xfrm>
-          <a:noFill/>
-        </p:spPr>
-      </p:pic>
-      <p:sp>
-        <p:nvSpPr>
-          <p:cNvPr id="6" name="Text Placeholder 5"/>
-          <p:cNvSpPr>
-            <a:spLocks noGrp="1"/>
-          </p:cNvSpPr>
-          <p:nvPr>
-            <p:ph type="body" sz="half" idx="2"/>
-          </p:nvPr>
-        </p:nvSpPr>
-        <p:spPr>
-          <a:xfrm>
-            <a:off x="457200" y="3048000"/>
-            <a:ext cx="8229600" cy="3082926"/>
-          </a:xfrm>
-        </p:spPr>
-        <p:txBody>
-          <a:bodyPr>
-            <a:normAutofit fontScale="62500" lnSpcReduction="20000"/>
-          </a:bodyPr>
-          <a:lstStyle/>
-          <a:p>
-            <a:r>
-              <a:rPr lang="en-US" dirty="0" smtClean="0"/>
-              <a:t>Info generated using </a:t>
-            </a:r>
-            <a:r>
-              <a:rPr lang="en-US" dirty="0" err="1" smtClean="0">
-                <a:latin typeface="Courier New"/>
-                <a:cs typeface="Courier New"/>
-              </a:rPr>
-              <a:t>ls</a:t>
-            </a:r>
-            <a:r>
-              <a:rPr lang="en-US" dirty="0" smtClean="0">
-                <a:latin typeface="Courier New"/>
-                <a:cs typeface="Courier New"/>
-              </a:rPr>
-              <a:t> –l</a:t>
-            </a:r>
-            <a:r>
-              <a:rPr lang="en-US" dirty="0" smtClean="0"/>
-              <a:t> command</a:t>
-            </a:r>
-          </a:p>
-          <a:p>
-            <a:r>
-              <a:rPr lang="en-US" dirty="0" smtClean="0"/>
-              <a:t>First column: access rights</a:t>
-            </a:r>
-          </a:p>
-          <a:p>
-            <a:pPr lvl="1"/>
-            <a:r>
-              <a:rPr lang="en-US" dirty="0" smtClean="0">
-                <a:latin typeface="Courier New"/>
-                <a:cs typeface="Courier New"/>
-              </a:rPr>
-              <a:t>d</a:t>
-            </a:r>
-            <a:r>
-              <a:rPr lang="en-US" dirty="0" smtClean="0"/>
-              <a:t> indicates directory</a:t>
-            </a:r>
-          </a:p>
-          <a:p>
-            <a:pPr lvl="1"/>
-            <a:r>
-              <a:rPr lang="en-US" dirty="0" smtClean="0"/>
-              <a:t>Followed by rights for user, group, others</a:t>
-            </a:r>
-          </a:p>
-          <a:p>
-            <a:r>
-              <a:rPr lang="en-US" dirty="0" smtClean="0"/>
-              <a:t>Second column: # links/directories inside a directory</a:t>
-            </a:r>
-          </a:p>
-          <a:p>
-            <a:r>
-              <a:rPr lang="en-US" dirty="0" smtClean="0"/>
-              <a:t>Third column: user ID (e.g., </a:t>
-            </a:r>
-            <a:r>
-              <a:rPr lang="en-US" dirty="0" err="1" smtClean="0">
-                <a:latin typeface="Courier New"/>
-                <a:cs typeface="Courier New"/>
-              </a:rPr>
-              <a:t>pbg</a:t>
-            </a:r>
-            <a:r>
-              <a:rPr lang="en-US" dirty="0" smtClean="0"/>
-              <a:t>)</a:t>
-            </a:r>
-          </a:p>
-          <a:p>
-            <a:r>
-              <a:rPr lang="en-US" dirty="0" smtClean="0"/>
-              <a:t>Fourth column: group ID (e.g., </a:t>
-            </a:r>
-            <a:r>
-              <a:rPr lang="en-US" dirty="0" smtClean="0">
-                <a:latin typeface="Courier New"/>
-                <a:cs typeface="Courier New"/>
-              </a:rPr>
-              <a:t>staff</a:t>
-            </a:r>
-            <a:r>
-              <a:rPr lang="en-US" dirty="0" smtClean="0"/>
-              <a:t>)</a:t>
-            </a:r>
-          </a:p>
-          <a:p>
-            <a:r>
-              <a:rPr lang="en-US" dirty="0" smtClean="0"/>
-              <a:t>Fifth column: file size in bytes</a:t>
-            </a:r>
-          </a:p>
-          <a:p>
-            <a:pPr lvl="1"/>
-            <a:r>
-              <a:rPr lang="en-US" dirty="0" smtClean="0"/>
-              <a:t>Directory size always 512 in this example—doesn’t show size of files inside</a:t>
-            </a:r>
-          </a:p>
-          <a:p>
-            <a:r>
-              <a:rPr lang="en-US" dirty="0" smtClean="0"/>
-              <a:t>Sixth column: last date/time modified</a:t>
-            </a:r>
-          </a:p>
-          <a:p>
-            <a:r>
-              <a:rPr lang="en-US" dirty="0" smtClean="0"/>
-              <a:t>Seventh column: file/directory name</a:t>
-            </a:r>
-            <a:endParaRPr lang="en-US" dirty="0"/>
-          </a:p>
-        </p:txBody>
-      </p:sp>
-      <p:sp>
-        <p:nvSpPr>
-          <p:cNvPr id="2" name="Date Placeholder 1"/>
-          <p:cNvSpPr>
-            <a:spLocks noGrp="1"/>
-          </p:cNvSpPr>
-          <p:nvPr>
-            <p:ph type="dt" sz="half" idx="10"/>
-          </p:nvPr>
-        </p:nvSpPr>
-        <p:spPr/>
-        <p:txBody>
-          <a:bodyPr/>
-          <a:lstStyle/>
-          <a:p>
-            <a:fld id="{DFF2F8B2-A07F-1642-89A9-1424013448D8}" type="datetime1">
-              <a:rPr lang="en-US" smtClean="0"/>
-              <a:t>4/18/2018</a:t>
-            </a:fld>
-            <a:endParaRPr lang="en-US"/>
-          </a:p>
-        </p:txBody>
-      </p:sp>
-      <p:sp>
-        <p:nvSpPr>
-          <p:cNvPr id="3" name="Footer Placeholder 2"/>
-          <p:cNvSpPr>
-            <a:spLocks noGrp="1"/>
-          </p:cNvSpPr>
-          <p:nvPr>
-            <p:ph type="ftr" sz="quarter" idx="11"/>
-          </p:nvPr>
-        </p:nvSpPr>
-        <p:spPr/>
-        <p:txBody>
-          <a:bodyPr/>
-          <a:lstStyle/>
-          <a:p>
-            <a:pPr>
-              <a:defRPr/>
-            </a:pPr>
-            <a:r>
-              <a:rPr lang="en-US" altLang="en-US" smtClean="0"/>
-              <a:t>Operating Systems: Lecture 15</a:t>
-            </a:r>
-            <a:endParaRPr lang="en-US" altLang="en-US"/>
-          </a:p>
-        </p:txBody>
-      </p:sp>
-      <p:sp>
-        <p:nvSpPr>
-          <p:cNvPr id="4" name="Slide Number Placeholder 3"/>
-          <p:cNvSpPr>
-            <a:spLocks noGrp="1"/>
-          </p:cNvSpPr>
-          <p:nvPr>
-            <p:ph type="sldNum" sz="quarter" idx="12"/>
-          </p:nvPr>
-        </p:nvSpPr>
-        <p:spPr/>
-        <p:txBody>
-          <a:bodyPr/>
-          <a:lstStyle/>
-          <a:p>
-            <a:fld id="{2907D84A-D9E1-964C-B1EF-5C5C24A64F29}" type="slidenum">
-              <a:rPr lang="en-US" smtClean="0"/>
-              <a:pPr/>
-              <a:t>25</a:t>
-            </a:fld>
-            <a:endParaRPr lang="en-US"/>
-          </a:p>
-        </p:txBody>
-      </p:sp>
-    </p:spTree>
-    <p:extLst>
-      <p:ext uri="{BB962C8B-B14F-4D97-AF65-F5344CB8AC3E}">
-        <p14:creationId xmlns:p14="http://schemas.microsoft.com/office/powerpoint/2010/main" val="3937920328"/>
-      </p:ext>
-    </p:extLst>
-  </p:cSld>
-  <p:clrMapOvr>
-    <a:masterClrMapping/>
-  </p:clrMapOvr>
-</p:sld>
-</file>
-
-<file path=ppt/slides/slide26.xml><?xml version="1.0" encoding="utf-8"?>
-<p:sld xmlns:a="http://schemas.openxmlformats.org/drawingml/2006/main" xmlns:r="http://schemas.openxmlformats.org/officeDocument/2006/relationships" xmlns:p="http://schemas.openxmlformats.org/presentationml/2006/main">
-  <p:cSld>
-    <p:spTree>
-      <p:nvGrpSpPr>
-        <p:cNvPr id="1" name=""/>
-        <p:cNvGrpSpPr/>
-        <p:nvPr/>
-      </p:nvGrpSpPr>
-      <p:grpSpPr>
-        <a:xfrm>
-          <a:off x="0" y="0"/>
-          <a:ext cx="0" cy="0"/>
-          <a:chOff x="0" y="0"/>
-          <a:chExt cx="0" cy="0"/>
-        </a:xfrm>
-      </p:grpSpPr>
-      <p:sp>
-        <p:nvSpPr>
-          <p:cNvPr id="2" name="Title 1"/>
-          <p:cNvSpPr>
-            <a:spLocks noGrp="1"/>
-          </p:cNvSpPr>
-          <p:nvPr>
-            <p:ph type="title"/>
-          </p:nvPr>
-        </p:nvSpPr>
-        <p:spPr/>
-        <p:txBody>
-          <a:bodyPr/>
-          <a:lstStyle/>
-          <a:p>
-            <a:r>
-              <a:rPr lang="en-US" dirty="0" smtClean="0"/>
-              <a:t>File system issues to be discussed</a:t>
-            </a:r>
-            <a:endParaRPr lang="en-US" dirty="0"/>
-          </a:p>
-        </p:txBody>
-      </p:sp>
-      <p:sp>
-        <p:nvSpPr>
-          <p:cNvPr id="3" name="Content Placeholder 2"/>
-          <p:cNvSpPr>
-            <a:spLocks noGrp="1"/>
-          </p:cNvSpPr>
-          <p:nvPr>
-            <p:ph idx="1"/>
-          </p:nvPr>
-        </p:nvSpPr>
-        <p:spPr/>
-        <p:txBody>
-          <a:bodyPr/>
-          <a:lstStyle/>
-          <a:p>
-            <a:r>
-              <a:rPr lang="en-US" dirty="0" smtClean="0"/>
-              <a:t>How does the file system allocate space for a new file?</a:t>
-            </a:r>
-          </a:p>
-          <a:p>
-            <a:r>
-              <a:rPr lang="en-US" dirty="0" smtClean="0"/>
-              <a:t>How do different allocation schemes affect the way files are accessed?</a:t>
-            </a:r>
-          </a:p>
-          <a:p>
-            <a:r>
-              <a:rPr lang="en-US" dirty="0" smtClean="0"/>
-              <a:t>How does the file system store information about each file (metadata)?</a:t>
-            </a:r>
-          </a:p>
-          <a:p>
-            <a:r>
-              <a:rPr lang="en-US" dirty="0" smtClean="0"/>
-              <a:t>What are the different types of file systems and how do they differ?</a:t>
-            </a:r>
-          </a:p>
-          <a:p>
-            <a:pPr marL="0" indent="0">
-              <a:buNone/>
-            </a:pPr>
-            <a:endParaRPr lang="en-US" dirty="0"/>
-          </a:p>
-        </p:txBody>
-      </p:sp>
-      <p:sp>
-        <p:nvSpPr>
-          <p:cNvPr id="4" name="Date Placeholder 3"/>
-          <p:cNvSpPr>
-            <a:spLocks noGrp="1"/>
-          </p:cNvSpPr>
-          <p:nvPr>
-            <p:ph type="dt" sz="half" idx="10"/>
-          </p:nvPr>
-        </p:nvSpPr>
-        <p:spPr/>
-        <p:txBody>
-          <a:bodyPr/>
-          <a:lstStyle/>
-          <a:p>
-            <a:fld id="{8F16194B-72A7-1F41-A7C6-5F51888965E3}" type="datetime1">
-              <a:rPr lang="en-US" smtClean="0"/>
-              <a:t>4/18/2018</a:t>
-            </a:fld>
-            <a:endParaRPr lang="en-US"/>
-          </a:p>
-        </p:txBody>
-      </p:sp>
-      <p:sp>
-        <p:nvSpPr>
-          <p:cNvPr id="5" name="Footer Placeholder 4"/>
-          <p:cNvSpPr>
-            <a:spLocks noGrp="1"/>
-          </p:cNvSpPr>
-          <p:nvPr>
-            <p:ph type="ftr" sz="quarter" idx="11"/>
-          </p:nvPr>
-        </p:nvSpPr>
-        <p:spPr/>
-        <p:txBody>
-          <a:bodyPr/>
-          <a:lstStyle/>
-          <a:p>
-            <a:pPr>
-              <a:defRPr/>
-            </a:pPr>
-            <a:r>
-              <a:rPr lang="en-US" altLang="en-US" smtClean="0"/>
-              <a:t>Operating Systems: Lecture 15</a:t>
-            </a:r>
-            <a:endParaRPr lang="en-US" altLang="en-US"/>
-          </a:p>
-        </p:txBody>
-      </p:sp>
-      <p:sp>
-        <p:nvSpPr>
-          <p:cNvPr id="6" name="Slide Number Placeholder 5"/>
-          <p:cNvSpPr>
-            <a:spLocks noGrp="1"/>
-          </p:cNvSpPr>
-          <p:nvPr>
-            <p:ph type="sldNum" sz="quarter" idx="12"/>
-          </p:nvPr>
-        </p:nvSpPr>
-        <p:spPr/>
-        <p:txBody>
-          <a:bodyPr/>
-          <a:lstStyle/>
-          <a:p>
-            <a:fld id="{2907D84A-D9E1-964C-B1EF-5C5C24A64F29}" type="slidenum">
-              <a:rPr lang="en-US" smtClean="0"/>
-              <a:pPr/>
-              <a:t>26</a:t>
-            </a:fld>
-            <a:endParaRPr lang="en-US"/>
-          </a:p>
-        </p:txBody>
-      </p:sp>
-    </p:spTree>
-    <p:extLst>
-      <p:ext uri="{BB962C8B-B14F-4D97-AF65-F5344CB8AC3E}">
-        <p14:creationId xmlns:p14="http://schemas.microsoft.com/office/powerpoint/2010/main" val="2536202030"/>
-      </p:ext>
-    </p:extLst>
-  </p:cSld>
-  <p:clrMapOvr>
-    <a:masterClrMapping/>
-  </p:clrMapOvr>
-</p:sld>
-</file>
-
-<file path=ppt/slides/slide27.xml><?xml version="1.0" encoding="utf-8"?>
-<p:sld xmlns:a="http://schemas.openxmlformats.org/drawingml/2006/main" xmlns:r="http://schemas.openxmlformats.org/officeDocument/2006/relationships" xmlns:p="http://schemas.openxmlformats.org/presentationml/2006/main">
-  <p:cSld>
-    <p:spTree>
-      <p:nvGrpSpPr>
-        <p:cNvPr id="1" name=""/>
-        <p:cNvGrpSpPr/>
-        <p:nvPr/>
-      </p:nvGrpSpPr>
-      <p:grpSpPr>
-        <a:xfrm>
-          <a:off x="0" y="0"/>
-          <a:ext cx="0" cy="0"/>
-          <a:chOff x="0" y="0"/>
-          <a:chExt cx="0" cy="0"/>
-        </a:xfrm>
-      </p:grpSpPr>
-      <p:sp>
-        <p:nvSpPr>
-          <p:cNvPr id="25602" name="Title 1"/>
-          <p:cNvSpPr>
-            <a:spLocks noGrp="1"/>
-          </p:cNvSpPr>
-          <p:nvPr>
-            <p:ph type="title"/>
-          </p:nvPr>
-        </p:nvSpPr>
-        <p:spPr/>
-        <p:txBody>
-          <a:bodyPr/>
-          <a:lstStyle/>
-          <a:p>
-            <a:r>
-              <a:rPr lang="en-US" smtClean="0"/>
-              <a:t>Final notes</a:t>
-            </a:r>
-            <a:endParaRPr lang="en-US"/>
-          </a:p>
-        </p:txBody>
-      </p:sp>
-      <p:sp>
-        <p:nvSpPr>
-          <p:cNvPr id="25603" name="Content Placeholder 2"/>
-          <p:cNvSpPr>
-            <a:spLocks noGrp="1"/>
-          </p:cNvSpPr>
-          <p:nvPr>
-            <p:ph idx="1"/>
-          </p:nvPr>
-        </p:nvSpPr>
-        <p:spPr/>
-        <p:txBody>
-          <a:bodyPr>
-            <a:normAutofit/>
-          </a:bodyPr>
-          <a:lstStyle/>
-          <a:p>
-            <a:r>
-              <a:rPr lang="en-US" dirty="0" smtClean="0"/>
-              <a:t>Next </a:t>
-            </a:r>
-            <a:r>
-              <a:rPr lang="en-US" smtClean="0"/>
-              <a:t>time </a:t>
-            </a:r>
-          </a:p>
-          <a:p>
-            <a:pPr lvl="1"/>
-            <a:r>
-              <a:rPr lang="en-US" smtClean="0"/>
-              <a:t>Continue </a:t>
-            </a:r>
-            <a:r>
-              <a:rPr lang="en-US" dirty="0" smtClean="0"/>
-              <a:t>file system discussion</a:t>
-            </a:r>
-          </a:p>
-          <a:p>
-            <a:pPr marL="0" indent="0">
-              <a:buNone/>
-            </a:pPr>
-            <a:endParaRPr lang="en-US" dirty="0" smtClean="0"/>
-          </a:p>
-          <a:p>
-            <a:r>
-              <a:rPr lang="en-US" dirty="0" smtClean="0"/>
-              <a:t>Reminders:</a:t>
-            </a:r>
-          </a:p>
-          <a:p>
-            <a:pPr lvl="1"/>
-            <a:r>
-              <a:rPr lang="en-US" dirty="0" smtClean="0"/>
-              <a:t>Program </a:t>
-            </a:r>
-            <a:r>
-              <a:rPr lang="en-US" dirty="0"/>
-              <a:t>3 </a:t>
-            </a:r>
-            <a:r>
-              <a:rPr lang="en-US" dirty="0" smtClean="0"/>
-              <a:t>due 4/18</a:t>
-            </a:r>
-          </a:p>
-          <a:p>
-            <a:pPr lvl="1"/>
-            <a:r>
-              <a:rPr lang="en-US" dirty="0"/>
-              <a:t>No lecture Monday, 4/16 (Patriots Day)</a:t>
-            </a:r>
-          </a:p>
-          <a:p>
-            <a:pPr lvl="1"/>
-            <a:endParaRPr lang="en-US" dirty="0"/>
-          </a:p>
-          <a:p>
-            <a:pPr lvl="1"/>
-            <a:endParaRPr lang="en-US" dirty="0"/>
-          </a:p>
-        </p:txBody>
-      </p:sp>
-      <p:sp>
-        <p:nvSpPr>
-          <p:cNvPr id="4" name="Date Placeholder 3"/>
-          <p:cNvSpPr>
-            <a:spLocks noGrp="1"/>
-          </p:cNvSpPr>
-          <p:nvPr>
-            <p:ph type="dt" sz="half" idx="10"/>
-          </p:nvPr>
-        </p:nvSpPr>
-        <p:spPr/>
-        <p:txBody>
-          <a:bodyPr/>
-          <a:lstStyle>
-            <a:lvl1pPr eaLnBrk="0" hangingPunct="0">
-              <a:defRPr>
-                <a:solidFill>
-                  <a:schemeClr val="tx1"/>
-                </a:solidFill>
-                <a:latin typeface="Arial" charset="0"/>
-                <a:ea typeface="ＭＳ Ｐゴシック" charset="0"/>
-                <a:cs typeface="Arial" charset="0"/>
-              </a:defRPr>
-            </a:lvl1pPr>
-            <a:lvl2pPr marL="742950" indent="-285750" eaLnBrk="0" hangingPunct="0">
-              <a:defRPr>
-                <a:solidFill>
-                  <a:schemeClr val="tx1"/>
-                </a:solidFill>
-                <a:latin typeface="Arial" charset="0"/>
-                <a:ea typeface="Arial" charset="0"/>
-                <a:cs typeface="Arial" charset="0"/>
-              </a:defRPr>
-            </a:lvl2pPr>
-            <a:lvl3pPr marL="1143000" indent="-228600" eaLnBrk="0" hangingPunct="0">
-              <a:defRPr>
-                <a:solidFill>
-                  <a:schemeClr val="tx1"/>
-                </a:solidFill>
-                <a:latin typeface="Arial" charset="0"/>
-                <a:ea typeface="Arial" charset="0"/>
-                <a:cs typeface="Arial" charset="0"/>
-              </a:defRPr>
-            </a:lvl3pPr>
-            <a:lvl4pPr marL="1600200" indent="-228600" eaLnBrk="0" hangingPunct="0">
-              <a:defRPr>
-                <a:solidFill>
-                  <a:schemeClr val="tx1"/>
-                </a:solidFill>
-                <a:latin typeface="Arial" charset="0"/>
-                <a:ea typeface="Arial" charset="0"/>
-                <a:cs typeface="Arial" charset="0"/>
-              </a:defRPr>
-            </a:lvl4pPr>
-            <a:lvl5pPr marL="2057400" indent="-228600" eaLnBrk="0" hangingPunct="0">
-              <a:defRPr>
-                <a:solidFill>
-                  <a:schemeClr val="tx1"/>
-                </a:solidFill>
-                <a:latin typeface="Arial" charset="0"/>
-                <a:ea typeface="Arial" charset="0"/>
-                <a:cs typeface="Arial" charset="0"/>
-              </a:defRPr>
-            </a:lvl5pPr>
-            <a:lvl6pPr marL="2514600" indent="-228600" eaLnBrk="0" fontAlgn="base" hangingPunct="0">
-              <a:spcBef>
-                <a:spcPct val="0"/>
-              </a:spcBef>
-              <a:spcAft>
-                <a:spcPct val="0"/>
-              </a:spcAft>
-              <a:defRPr>
-                <a:solidFill>
-                  <a:schemeClr val="tx1"/>
-                </a:solidFill>
-                <a:latin typeface="Arial" charset="0"/>
-                <a:ea typeface="Arial" charset="0"/>
-                <a:cs typeface="Arial" charset="0"/>
-              </a:defRPr>
-            </a:lvl6pPr>
-            <a:lvl7pPr marL="2971800" indent="-228600" eaLnBrk="0" fontAlgn="base" hangingPunct="0">
-              <a:spcBef>
-                <a:spcPct val="0"/>
-              </a:spcBef>
-              <a:spcAft>
-                <a:spcPct val="0"/>
-              </a:spcAft>
-              <a:defRPr>
-                <a:solidFill>
-                  <a:schemeClr val="tx1"/>
-                </a:solidFill>
-                <a:latin typeface="Arial" charset="0"/>
-                <a:ea typeface="Arial" charset="0"/>
-                <a:cs typeface="Arial" charset="0"/>
-              </a:defRPr>
-            </a:lvl7pPr>
-            <a:lvl8pPr marL="3429000" indent="-228600" eaLnBrk="0" fontAlgn="base" hangingPunct="0">
-              <a:spcBef>
-                <a:spcPct val="0"/>
-              </a:spcBef>
-              <a:spcAft>
-                <a:spcPct val="0"/>
-              </a:spcAft>
-              <a:defRPr>
-                <a:solidFill>
-                  <a:schemeClr val="tx1"/>
-                </a:solidFill>
-                <a:latin typeface="Arial" charset="0"/>
-                <a:ea typeface="Arial" charset="0"/>
-                <a:cs typeface="Arial" charset="0"/>
-              </a:defRPr>
-            </a:lvl8pPr>
-            <a:lvl9pPr marL="3886200" indent="-228600" eaLnBrk="0" fontAlgn="base" hangingPunct="0">
-              <a:spcBef>
-                <a:spcPct val="0"/>
-              </a:spcBef>
-              <a:spcAft>
-                <a:spcPct val="0"/>
-              </a:spcAft>
-              <a:defRPr>
-                <a:solidFill>
-                  <a:schemeClr val="tx1"/>
-                </a:solidFill>
-                <a:latin typeface="Arial" charset="0"/>
-                <a:ea typeface="Arial" charset="0"/>
-                <a:cs typeface="Arial" charset="0"/>
-              </a:defRPr>
-            </a:lvl9pPr>
-          </a:lstStyle>
-          <a:p>
-            <a:fld id="{CA077339-8834-1548-8125-0C7968980E9D}" type="datetime1">
-              <a:rPr lang="en-US" smtClean="0"/>
-              <a:t>4/18/2018</a:t>
-            </a:fld>
-            <a:endParaRPr lang="en-US"/>
-          </a:p>
-        </p:txBody>
-      </p:sp>
-      <p:sp>
-        <p:nvSpPr>
-          <p:cNvPr id="5" name="Footer Placeholder 4"/>
-          <p:cNvSpPr>
-            <a:spLocks noGrp="1"/>
-          </p:cNvSpPr>
-          <p:nvPr>
-            <p:ph type="ftr" sz="quarter" idx="11"/>
-          </p:nvPr>
-        </p:nvSpPr>
-        <p:spPr/>
-        <p:txBody>
-          <a:bodyPr/>
-          <a:lstStyle/>
-          <a:p>
-            <a:r>
-              <a:rPr lang="en-US" altLang="en-US" smtClean="0"/>
-              <a:t>Operating Systems: Lecture 19</a:t>
-            </a:r>
-            <a:endParaRPr lang="en-US" altLang="en-US"/>
-          </a:p>
-        </p:txBody>
-      </p:sp>
-      <p:sp>
-        <p:nvSpPr>
-          <p:cNvPr id="6" name="Slide Number Placeholder 5"/>
-          <p:cNvSpPr>
-            <a:spLocks noGrp="1"/>
-          </p:cNvSpPr>
-          <p:nvPr>
-            <p:ph type="sldNum" sz="quarter" idx="12"/>
-          </p:nvPr>
-        </p:nvSpPr>
-        <p:spPr/>
-        <p:txBody>
-          <a:bodyPr/>
-          <a:lstStyle>
-            <a:lvl1pPr eaLnBrk="0" hangingPunct="0">
-              <a:defRPr>
-                <a:solidFill>
-                  <a:schemeClr val="tx1"/>
-                </a:solidFill>
-                <a:latin typeface="Arial" charset="0"/>
-                <a:ea typeface="ＭＳ Ｐゴシック" charset="0"/>
-                <a:cs typeface="Arial" charset="0"/>
-              </a:defRPr>
-            </a:lvl1pPr>
-            <a:lvl2pPr marL="742950" indent="-285750" eaLnBrk="0" hangingPunct="0">
-              <a:defRPr>
-                <a:solidFill>
-                  <a:schemeClr val="tx1"/>
-                </a:solidFill>
-                <a:latin typeface="Arial" charset="0"/>
-                <a:ea typeface="Arial" charset="0"/>
-                <a:cs typeface="Arial" charset="0"/>
-              </a:defRPr>
-            </a:lvl2pPr>
-            <a:lvl3pPr marL="1143000" indent="-228600" eaLnBrk="0" hangingPunct="0">
-              <a:defRPr>
-                <a:solidFill>
-                  <a:schemeClr val="tx1"/>
-                </a:solidFill>
-                <a:latin typeface="Arial" charset="0"/>
-                <a:ea typeface="Arial" charset="0"/>
-                <a:cs typeface="Arial" charset="0"/>
-              </a:defRPr>
-            </a:lvl3pPr>
-            <a:lvl4pPr marL="1600200" indent="-228600" eaLnBrk="0" hangingPunct="0">
-              <a:defRPr>
-                <a:solidFill>
-                  <a:schemeClr val="tx1"/>
-                </a:solidFill>
-                <a:latin typeface="Arial" charset="0"/>
-                <a:ea typeface="Arial" charset="0"/>
-                <a:cs typeface="Arial" charset="0"/>
-              </a:defRPr>
-            </a:lvl4pPr>
-            <a:lvl5pPr marL="2057400" indent="-228600" eaLnBrk="0" hangingPunct="0">
-              <a:defRPr>
-                <a:solidFill>
-                  <a:schemeClr val="tx1"/>
-                </a:solidFill>
-                <a:latin typeface="Arial" charset="0"/>
-                <a:ea typeface="Arial" charset="0"/>
-                <a:cs typeface="Arial" charset="0"/>
-              </a:defRPr>
-            </a:lvl5pPr>
-            <a:lvl6pPr marL="2514600" indent="-228600" eaLnBrk="0" fontAlgn="base" hangingPunct="0">
-              <a:spcBef>
-                <a:spcPct val="0"/>
-              </a:spcBef>
-              <a:spcAft>
-                <a:spcPct val="0"/>
-              </a:spcAft>
-              <a:defRPr>
-                <a:solidFill>
-                  <a:schemeClr val="tx1"/>
-                </a:solidFill>
-                <a:latin typeface="Arial" charset="0"/>
-                <a:ea typeface="Arial" charset="0"/>
-                <a:cs typeface="Arial" charset="0"/>
-              </a:defRPr>
-            </a:lvl6pPr>
-            <a:lvl7pPr marL="2971800" indent="-228600" eaLnBrk="0" fontAlgn="base" hangingPunct="0">
-              <a:spcBef>
-                <a:spcPct val="0"/>
-              </a:spcBef>
-              <a:spcAft>
-                <a:spcPct val="0"/>
-              </a:spcAft>
-              <a:defRPr>
-                <a:solidFill>
-                  <a:schemeClr val="tx1"/>
-                </a:solidFill>
-                <a:latin typeface="Arial" charset="0"/>
-                <a:ea typeface="Arial" charset="0"/>
-                <a:cs typeface="Arial" charset="0"/>
-              </a:defRPr>
-            </a:lvl7pPr>
-            <a:lvl8pPr marL="3429000" indent="-228600" eaLnBrk="0" fontAlgn="base" hangingPunct="0">
-              <a:spcBef>
-                <a:spcPct val="0"/>
-              </a:spcBef>
-              <a:spcAft>
-                <a:spcPct val="0"/>
-              </a:spcAft>
-              <a:defRPr>
-                <a:solidFill>
-                  <a:schemeClr val="tx1"/>
-                </a:solidFill>
-                <a:latin typeface="Arial" charset="0"/>
-                <a:ea typeface="Arial" charset="0"/>
-                <a:cs typeface="Arial" charset="0"/>
-              </a:defRPr>
-            </a:lvl8pPr>
-            <a:lvl9pPr marL="3886200" indent="-228600" eaLnBrk="0" fontAlgn="base" hangingPunct="0">
-              <a:spcBef>
-                <a:spcPct val="0"/>
-              </a:spcBef>
-              <a:spcAft>
-                <a:spcPct val="0"/>
-              </a:spcAft>
-              <a:defRPr>
-                <a:solidFill>
-                  <a:schemeClr val="tx1"/>
-                </a:solidFill>
-                <a:latin typeface="Arial" charset="0"/>
-                <a:ea typeface="Arial" charset="0"/>
-                <a:cs typeface="Arial" charset="0"/>
-              </a:defRPr>
-            </a:lvl9pPr>
-          </a:lstStyle>
-          <a:p>
-            <a:fld id="{654581FB-8797-014C-8491-7A0C59EBED1B}" type="slidenum">
-              <a:rPr lang="en-US" smtClean="0"/>
-              <a:pPr/>
-              <a:t>27</a:t>
-            </a:fld>
-            <a:endParaRPr lang="en-US"/>
-          </a:p>
-        </p:txBody>
-      </p:sp>
-    </p:spTree>
-    <p:extLst>
-      <p:ext uri="{BB962C8B-B14F-4D97-AF65-F5344CB8AC3E}">
-        <p14:creationId xmlns:p14="http://schemas.microsoft.com/office/powerpoint/2010/main" val="3826228519"/>
-      </p:ext>
-    </p:extLst>
-  </p:cSld>
-  <p:clrMapOvr>
-    <a:masterClrMapping/>
-  </p:clrMapOvr>
-  <p:timing>
-    <p:tnLst>
-      <p:par>
-        <p:cTn id="1" dur="indefinite" restart="never" nodeType="tmRoot"/>
-      </p:par>
-    </p:tnLst>
-  </p:timing>
-</p:sld>
-</file>
-
-<file path=ppt/slides/slide28.xml><?xml version="1.0" encoding="utf-8"?>
-<p:sld xmlns:a="http://schemas.openxmlformats.org/drawingml/2006/main" xmlns:r="http://schemas.openxmlformats.org/officeDocument/2006/relationships" xmlns:p="http://schemas.openxmlformats.org/presentationml/2006/main">
-  <p:cSld>
-    <p:spTree>
-      <p:nvGrpSpPr>
-        <p:cNvPr id="1" name=""/>
-        <p:cNvGrpSpPr/>
-        <p:nvPr/>
-      </p:nvGrpSpPr>
-      <p:grpSpPr>
-        <a:xfrm>
-          <a:off x="0" y="0"/>
-          <a:ext cx="0" cy="0"/>
-          <a:chOff x="0" y="0"/>
-          <a:chExt cx="0" cy="0"/>
-        </a:xfrm>
-      </p:grpSpPr>
-      <p:sp>
-        <p:nvSpPr>
-          <p:cNvPr id="2" name="Title 1"/>
-          <p:cNvSpPr>
-            <a:spLocks noGrp="1"/>
-          </p:cNvSpPr>
-          <p:nvPr>
-            <p:ph type="title"/>
-          </p:nvPr>
-        </p:nvSpPr>
-        <p:spPr/>
-        <p:txBody>
-          <a:bodyPr/>
-          <a:lstStyle/>
-          <a:p>
-            <a:r>
-              <a:rPr lang="en-US" dirty="0" smtClean="0"/>
-              <a:t>Acknowledgements</a:t>
-            </a:r>
-            <a:endParaRPr lang="en-US" dirty="0"/>
-          </a:p>
-        </p:txBody>
-      </p:sp>
-      <p:sp>
-        <p:nvSpPr>
-          <p:cNvPr id="3" name="Content Placeholder 2"/>
-          <p:cNvSpPr>
-            <a:spLocks noGrp="1"/>
-          </p:cNvSpPr>
-          <p:nvPr>
-            <p:ph idx="1"/>
-          </p:nvPr>
-        </p:nvSpPr>
-        <p:spPr/>
-        <p:txBody>
-          <a:bodyPr/>
-          <a:lstStyle/>
-          <a:p>
-            <a:r>
-              <a:rPr lang="en-US" dirty="0" smtClean="0"/>
-              <a:t>These slides are adapted from the following sources:</a:t>
-            </a:r>
-          </a:p>
-          <a:p>
-            <a:pPr lvl="1"/>
-            <a:r>
-              <a:rPr lang="en-US" dirty="0" err="1" smtClean="0"/>
-              <a:t>Silberschatz</a:t>
-            </a:r>
-            <a:r>
-              <a:rPr lang="en-US" dirty="0" smtClean="0"/>
-              <a:t>, Galvin, &amp; Gagne, </a:t>
-            </a:r>
-            <a:r>
-              <a:rPr lang="en-US" i="1" dirty="0" smtClean="0"/>
-              <a:t>Operating Systems Concepts</a:t>
-            </a:r>
-            <a:r>
-              <a:rPr lang="en-US" dirty="0" smtClean="0"/>
-              <a:t>, 9</a:t>
-            </a:r>
-            <a:r>
-              <a:rPr lang="en-US" baseline="30000" dirty="0" smtClean="0"/>
-              <a:t>th</a:t>
-            </a:r>
-            <a:r>
-              <a:rPr lang="en-US" dirty="0" smtClean="0"/>
-              <a:t> edition</a:t>
-            </a:r>
-          </a:p>
-          <a:p>
-            <a:pPr lvl="1"/>
-            <a:r>
-              <a:rPr lang="en-US" dirty="0" smtClean="0"/>
-              <a:t>Anderson &amp; </a:t>
-            </a:r>
-            <a:r>
-              <a:rPr lang="en-US" dirty="0" err="1" smtClean="0"/>
-              <a:t>Dahlin</a:t>
-            </a:r>
-            <a:r>
-              <a:rPr lang="en-US" dirty="0" smtClean="0"/>
-              <a:t>, </a:t>
-            </a:r>
-            <a:r>
-              <a:rPr lang="en-US" i="1" dirty="0" smtClean="0"/>
-              <a:t>Operating Systems: Principles and Practice</a:t>
-            </a:r>
-            <a:r>
-              <a:rPr lang="en-US" dirty="0" smtClean="0"/>
-              <a:t>, 2</a:t>
-            </a:r>
-            <a:r>
-              <a:rPr lang="en-US" baseline="30000" dirty="0" smtClean="0"/>
-              <a:t>nd</a:t>
-            </a:r>
-            <a:r>
-              <a:rPr lang="en-US" dirty="0" smtClean="0"/>
-              <a:t> edition</a:t>
-            </a:r>
-          </a:p>
-          <a:p>
-            <a:pPr lvl="1"/>
-            <a:r>
-              <a:rPr lang="en-US" dirty="0" smtClean="0"/>
-              <a:t>Chen &amp; </a:t>
-            </a:r>
-            <a:r>
-              <a:rPr lang="en-US" dirty="0" err="1" smtClean="0"/>
-              <a:t>Madhyastha</a:t>
-            </a:r>
-            <a:r>
-              <a:rPr lang="en-US" dirty="0" smtClean="0"/>
-              <a:t>, EECS 482 lecture notes, University of Michigan, Fall 2016</a:t>
-            </a:r>
-            <a:endParaRPr lang="en-US" dirty="0"/>
-          </a:p>
-        </p:txBody>
-      </p:sp>
-      <p:sp>
-        <p:nvSpPr>
-          <p:cNvPr id="4" name="Date Placeholder 3"/>
-          <p:cNvSpPr>
-            <a:spLocks noGrp="1"/>
-          </p:cNvSpPr>
-          <p:nvPr>
-            <p:ph type="dt" sz="half" idx="10"/>
-          </p:nvPr>
-        </p:nvSpPr>
-        <p:spPr/>
-        <p:txBody>
-          <a:bodyPr/>
-          <a:lstStyle/>
-          <a:p>
-            <a:fld id="{A8865017-FD36-7844-8DAE-2BF5F465A5B0}" type="datetime1">
-              <a:rPr lang="en-US" smtClean="0"/>
-              <a:t>4/18/2018</a:t>
-            </a:fld>
-            <a:endParaRPr lang="en-US"/>
-          </a:p>
-        </p:txBody>
-      </p:sp>
-      <p:sp>
-        <p:nvSpPr>
-          <p:cNvPr id="5" name="Footer Placeholder 4"/>
-          <p:cNvSpPr>
-            <a:spLocks noGrp="1"/>
-          </p:cNvSpPr>
-          <p:nvPr>
-            <p:ph type="ftr" sz="quarter" idx="11"/>
-          </p:nvPr>
-        </p:nvSpPr>
-        <p:spPr/>
-        <p:txBody>
-          <a:bodyPr/>
-          <a:lstStyle/>
-          <a:p>
-            <a:pPr>
-              <a:defRPr/>
-            </a:pPr>
-            <a:r>
-              <a:rPr lang="en-US" altLang="en-US" smtClean="0"/>
-              <a:t>Operating Systems: Lecture 19</a:t>
-            </a:r>
-            <a:endParaRPr lang="en-US" altLang="en-US"/>
-          </a:p>
-        </p:txBody>
-      </p:sp>
-      <p:sp>
-        <p:nvSpPr>
-          <p:cNvPr id="6" name="Slide Number Placeholder 5"/>
-          <p:cNvSpPr>
-            <a:spLocks noGrp="1"/>
-          </p:cNvSpPr>
-          <p:nvPr>
-            <p:ph type="sldNum" sz="quarter" idx="12"/>
-          </p:nvPr>
-        </p:nvSpPr>
-        <p:spPr/>
-        <p:txBody>
-          <a:bodyPr/>
-          <a:lstStyle/>
-          <a:p>
-            <a:fld id="{2907D84A-D9E1-964C-B1EF-5C5C24A64F29}" type="slidenum">
-              <a:rPr lang="en-US" smtClean="0"/>
-              <a:pPr/>
-              <a:t>28</a:t>
             </a:fld>
             <a:endParaRPr lang="en-US"/>
           </a:p>
@@ -16934,7 +12812,7 @@
           <a:p>
             <a:fld id="{6F4EFF12-7FF3-344B-9DC1-EBC0A09C4797}" type="datetime1">
               <a:rPr lang="en-US" smtClean="0"/>
-              <a:t>4/18/2018</a:t>
+              <a:t>4/27/18</a:t>
             </a:fld>
             <a:endParaRPr lang="en-US"/>
           </a:p>
@@ -17224,7 +13102,7 @@
           <a:p>
             <a:fld id="{B3D9AE85-4F05-1642-B874-FCD8AE183BF4}" type="datetime1">
               <a:rPr lang="en-US" smtClean="0"/>
-              <a:t>4/18/2018</a:t>
+              <a:t>4/27/18</a:t>
             </a:fld>
             <a:endParaRPr lang="en-US"/>
           </a:p>
@@ -17657,7 +13535,7 @@
           <a:p>
             <a:fld id="{8DE73E20-17C7-DB4C-AFA7-90AC402698FA}" type="datetime1">
               <a:rPr lang="en-US" smtClean="0"/>
-              <a:t>4/18/2018</a:t>
+              <a:t>4/27/18</a:t>
             </a:fld>
             <a:endParaRPr lang="en-US"/>
           </a:p>
@@ -18059,7 +13937,7 @@
           <a:p>
             <a:fld id="{8FC744B6-453E-8444-B828-836CA0E06980}" type="datetime1">
               <a:rPr lang="en-US" smtClean="0"/>
-              <a:t>4/18/2018</a:t>
+              <a:t>4/27/18</a:t>
             </a:fld>
             <a:endParaRPr lang="en-US"/>
           </a:p>
@@ -18315,7 +14193,7 @@
           <a:p>
             <a:fld id="{C37764B5-480F-2247-BFD6-A10B291A69A4}" type="datetime1">
               <a:rPr lang="en-US" smtClean="0"/>
-              <a:t>4/18/2018</a:t>
+              <a:t>4/27/18</a:t>
             </a:fld>
             <a:endParaRPr lang="en-US"/>
           </a:p>
@@ -18977,7 +14855,7 @@
           <a:p>
             <a:fld id="{E208A834-F059-7E4B-AB6A-C978B675183E}" type="datetime1">
               <a:rPr lang="en-US" smtClean="0"/>
-              <a:t>4/18/2018</a:t>
+              <a:t>4/27/18</a:t>
             </a:fld>
             <a:endParaRPr lang="en-US"/>
           </a:p>
@@ -19207,7 +15085,7 @@
           <a:p>
             <a:fld id="{1ED991A9-281B-2D4C-8953-596A944FD6F2}" type="datetime1">
               <a:rPr lang="en-US" smtClean="0"/>
-              <a:t>4/18/2018</a:t>
+              <a:t>4/27/18</a:t>
             </a:fld>
             <a:endParaRPr lang="en-US"/>
           </a:p>
